--- a/resume-templates/template5/template5.pptx
+++ b/resume-templates/template5/template5.pptx
@@ -8,7 +8,7 @@
     <p:notesMasterId r:id="rId3"/>
   </p:notesMasterIdLst>
   <p:sldIdLst>
-    <p:sldId id="272" r:id="rId2"/>
+    <p:sldId id="260" r:id="rId2"/>
   </p:sldIdLst>
   <p:sldSz cx="7874000" cy="11137900"/>
   <p:notesSz cx="6858000" cy="9144000"/>
@@ -310,11 +310,6 @@
       </a:defRPr>
     </a:lvl9pPr>
   </p:defaultTextStyle>
-  <p:extLst>
-    <p:ext uri="{EFAFB233-063F-42B5-8137-9DF3F51BA10A}">
-      <p15:sldGuideLst xmlns:p15="http://schemas.microsoft.com/office/powerpoint/2012/main"/>
-    </p:ext>
-  </p:extLst>
 </p:presentation>
 </file>
 
@@ -476,6 +471,415 @@
 
 <file path=ppt/slideLayouts/slideLayout1.xml><?xml version="1.0" encoding="utf-8"?>
 <p:sldLayout xmlns:a="http://schemas.openxmlformats.org/drawingml/2006/main" xmlns:r="http://schemas.openxmlformats.org/officeDocument/2006/relationships" xmlns:p="http://schemas.openxmlformats.org/presentationml/2006/main" type="tx">
+  <p:cSld name="Заголовок и объект">
+    <p:spTree>
+      <p:nvGrpSpPr>
+        <p:cNvPr id="1" name=""/>
+        <p:cNvGrpSpPr/>
+        <p:nvPr/>
+      </p:nvGrpSpPr>
+      <p:grpSpPr>
+        <a:xfrm>
+          <a:off x="0" y="0"/>
+          <a:ext cx="0" cy="0"/>
+          <a:chOff x="0" y="0"/>
+          <a:chExt cx="0" cy="0"/>
+        </a:xfrm>
+      </p:grpSpPr>
+      <p:sp>
+        <p:nvSpPr>
+          <p:cNvPr id="20" name="Title Text"/>
+          <p:cNvSpPr txBox="1">
+            <a:spLocks noGrp="1"/>
+          </p:cNvSpPr>
+          <p:nvPr>
+            <p:ph type="title"/>
+          </p:nvPr>
+        </p:nvSpPr>
+        <p:spPr>
+          <a:prstGeom prst="rect">
+            <a:avLst/>
+          </a:prstGeom>
+        </p:spPr>
+        <p:txBody>
+          <a:bodyPr/>
+          <a:lstStyle/>
+          <a:p>
+            <a:r>
+              <a:t>Title Text</a:t>
+            </a:r>
+          </a:p>
+        </p:txBody>
+      </p:sp>
+      <p:sp>
+        <p:nvSpPr>
+          <p:cNvPr id="21" name="Body Level One…"/>
+          <p:cNvSpPr txBox="1">
+            <a:spLocks noGrp="1"/>
+          </p:cNvSpPr>
+          <p:nvPr>
+            <p:ph type="body" idx="1"/>
+          </p:nvPr>
+        </p:nvSpPr>
+        <p:spPr>
+          <a:prstGeom prst="rect">
+            <a:avLst/>
+          </a:prstGeom>
+        </p:spPr>
+        <p:txBody>
+          <a:bodyPr/>
+          <a:lstStyle/>
+          <a:p>
+            <a:r>
+              <a:t>Body Level One</a:t>
+            </a:r>
+          </a:p>
+          <a:p>
+            <a:pPr lvl="1"/>
+            <a:r>
+              <a:t>Body Level Two</a:t>
+            </a:r>
+          </a:p>
+          <a:p>
+            <a:pPr lvl="2"/>
+            <a:r>
+              <a:t>Body Level Three</a:t>
+            </a:r>
+          </a:p>
+          <a:p>
+            <a:pPr lvl="3"/>
+            <a:r>
+              <a:t>Body Level Four</a:t>
+            </a:r>
+          </a:p>
+          <a:p>
+            <a:pPr lvl="4"/>
+            <a:r>
+              <a:t>Body Level Five</a:t>
+            </a:r>
+          </a:p>
+        </p:txBody>
+      </p:sp>
+      <p:sp>
+        <p:nvSpPr>
+          <p:cNvPr id="22" name="01"/>
+          <p:cNvSpPr txBox="1">
+            <a:spLocks noGrp="1"/>
+          </p:cNvSpPr>
+          <p:nvPr>
+            <p:ph type="sldNum" sz="quarter" idx="2"/>
+          </p:nvPr>
+        </p:nvSpPr>
+        <p:spPr>
+          <a:prstGeom prst="rect">
+            <a:avLst/>
+          </a:prstGeom>
+        </p:spPr>
+        <p:txBody>
+          <a:bodyPr/>
+          <a:lstStyle/>
+          <a:p>
+            <a:fld id="{86CB4B4D-7CA3-9044-876B-883B54F8677D}" type="slidenum">
+              <a:t>‹#›</a:t>
+            </a:fld>
+            <a:endParaRPr/>
+          </a:p>
+        </p:txBody>
+      </p:sp>
+    </p:spTree>
+  </p:cSld>
+  <p:clrMapOvr>
+    <a:masterClrMapping/>
+  </p:clrMapOvr>
+  <p:transition spd="med"/>
+</p:sldLayout>
+</file>
+
+<file path=ppt/slideLayouts/slideLayout10.xml><?xml version="1.0" encoding="utf-8"?>
+<p:sldLayout xmlns:a="http://schemas.openxmlformats.org/drawingml/2006/main" xmlns:r="http://schemas.openxmlformats.org/officeDocument/2006/relationships" xmlns:p="http://schemas.openxmlformats.org/presentationml/2006/main" type="tx">
+  <p:cSld name="Заголовок и пункты">
+    <p:spTree>
+      <p:nvGrpSpPr>
+        <p:cNvPr id="1" name=""/>
+        <p:cNvGrpSpPr/>
+        <p:nvPr/>
+      </p:nvGrpSpPr>
+      <p:grpSpPr>
+        <a:xfrm>
+          <a:off x="0" y="0"/>
+          <a:ext cx="0" cy="0"/>
+          <a:chOff x="0" y="0"/>
+          <a:chExt cx="0" cy="0"/>
+        </a:xfrm>
+      </p:grpSpPr>
+      <p:sp>
+        <p:nvSpPr>
+          <p:cNvPr id="102" name="Body Level One…"/>
+          <p:cNvSpPr txBox="1">
+            <a:spLocks noGrp="1"/>
+          </p:cNvSpPr>
+          <p:nvPr>
+            <p:ph type="body" sz="quarter" idx="1" hasCustomPrompt="1"/>
+          </p:nvPr>
+        </p:nvSpPr>
+        <p:spPr>
+          <a:xfrm>
+            <a:off x="1301439" y="4698119"/>
+            <a:ext cx="5271122" cy="2768204"/>
+          </a:xfrm>
+          <a:prstGeom prst="rect">
+            <a:avLst/>
+          </a:prstGeom>
+        </p:spPr>
+        <p:txBody>
+          <a:bodyPr lIns="23068" tIns="23068" rIns="23068" bIns="23068"/>
+          <a:lstStyle>
+            <a:lvl1pPr marL="190500" indent="-190500" defTabSz="1980021">
+              <a:lnSpc>
+                <a:spcPct val="110000"/>
+              </a:lnSpc>
+              <a:spcBef>
+                <a:spcPts val="3600"/>
+              </a:spcBef>
+              <a:buSzPct val="123000"/>
+              <a:buFontTx/>
+              <a:defRPr sz="1500">
+                <a:latin typeface="+mn-lt"/>
+                <a:ea typeface="+mn-ea"/>
+                <a:cs typeface="+mn-cs"/>
+                <a:sym typeface="Helvetica"/>
+              </a:defRPr>
+            </a:lvl1pPr>
+            <a:lvl2pPr marL="571500" indent="-190500" defTabSz="1980021">
+              <a:lnSpc>
+                <a:spcPct val="110000"/>
+              </a:lnSpc>
+              <a:spcBef>
+                <a:spcPts val="3600"/>
+              </a:spcBef>
+              <a:buSzPct val="123000"/>
+              <a:buFontTx/>
+              <a:defRPr sz="1500">
+                <a:latin typeface="+mn-lt"/>
+                <a:ea typeface="+mn-ea"/>
+                <a:cs typeface="+mn-cs"/>
+                <a:sym typeface="Helvetica"/>
+              </a:defRPr>
+            </a:lvl2pPr>
+            <a:lvl3pPr marL="952500" indent="-190500" defTabSz="1980021">
+              <a:lnSpc>
+                <a:spcPct val="110000"/>
+              </a:lnSpc>
+              <a:spcBef>
+                <a:spcPts val="3600"/>
+              </a:spcBef>
+              <a:buSzPct val="123000"/>
+              <a:buFontTx/>
+              <a:defRPr sz="1500">
+                <a:latin typeface="+mn-lt"/>
+                <a:ea typeface="+mn-ea"/>
+                <a:cs typeface="+mn-cs"/>
+                <a:sym typeface="Helvetica"/>
+              </a:defRPr>
+            </a:lvl3pPr>
+            <a:lvl4pPr marL="1333500" indent="-190500" defTabSz="1980021">
+              <a:lnSpc>
+                <a:spcPct val="110000"/>
+              </a:lnSpc>
+              <a:spcBef>
+                <a:spcPts val="3600"/>
+              </a:spcBef>
+              <a:buSzPct val="123000"/>
+              <a:buFontTx/>
+              <a:defRPr sz="1500">
+                <a:latin typeface="+mn-lt"/>
+                <a:ea typeface="+mn-ea"/>
+                <a:cs typeface="+mn-cs"/>
+                <a:sym typeface="Helvetica"/>
+              </a:defRPr>
+            </a:lvl4pPr>
+            <a:lvl5pPr marL="1714500" indent="-190500" defTabSz="1980021">
+              <a:lnSpc>
+                <a:spcPct val="110000"/>
+              </a:lnSpc>
+              <a:spcBef>
+                <a:spcPts val="3600"/>
+              </a:spcBef>
+              <a:buSzPct val="123000"/>
+              <a:buFontTx/>
+              <a:defRPr sz="1500">
+                <a:latin typeface="+mn-lt"/>
+                <a:ea typeface="+mn-ea"/>
+                <a:cs typeface="+mn-cs"/>
+                <a:sym typeface="Helvetica"/>
+              </a:defRPr>
+            </a:lvl5pPr>
+          </a:lstStyle>
+          <a:p>
+            <a:r>
+              <a:t>Текст пункта на слайде</a:t>
+            </a:r>
+          </a:p>
+          <a:p>
+            <a:pPr lvl="1"/>
+            <a:endParaRPr/>
+          </a:p>
+          <a:p>
+            <a:pPr lvl="2"/>
+            <a:endParaRPr/>
+          </a:p>
+          <a:p>
+            <a:pPr lvl="3"/>
+            <a:endParaRPr/>
+          </a:p>
+          <a:p>
+            <a:pPr lvl="4"/>
+            <a:endParaRPr/>
+          </a:p>
+        </p:txBody>
+      </p:sp>
+      <p:sp>
+        <p:nvSpPr>
+          <p:cNvPr id="103" name="Подзаголовок слайда"/>
+          <p:cNvSpPr txBox="1">
+            <a:spLocks noGrp="1"/>
+          </p:cNvSpPr>
+          <p:nvPr>
+            <p:ph type="body" sz="quarter" idx="21" hasCustomPrompt="1"/>
+          </p:nvPr>
+        </p:nvSpPr>
+        <p:spPr>
+          <a:xfrm>
+            <a:off x="1301439" y="3996022"/>
+            <a:ext cx="5271122" cy="305067"/>
+          </a:xfrm>
+          <a:prstGeom prst="rect">
+            <a:avLst/>
+          </a:prstGeom>
+          <a:ln w="3175"/>
+        </p:spPr>
+        <p:txBody>
+          <a:bodyPr lIns="23068" tIns="23068" rIns="23068" bIns="23068"/>
+          <a:lstStyle>
+            <a:lvl1pPr marL="0" indent="0" defTabSz="315058">
+              <a:lnSpc>
+                <a:spcPct val="100000"/>
+              </a:lnSpc>
+              <a:spcBef>
+                <a:spcPts val="0"/>
+              </a:spcBef>
+              <a:buSzTx/>
+              <a:buFontTx/>
+              <a:buNone/>
+              <a:defRPr sz="1692" b="1">
+                <a:latin typeface="Helvetica Neue"/>
+                <a:ea typeface="Helvetica Neue"/>
+                <a:cs typeface="Helvetica Neue"/>
+                <a:sym typeface="Helvetica Neue"/>
+              </a:defRPr>
+            </a:lvl1pPr>
+          </a:lstStyle>
+          <a:p>
+            <a:r>
+              <a:t>Подзаголовок слайда</a:t>
+            </a:r>
+          </a:p>
+        </p:txBody>
+      </p:sp>
+      <p:sp>
+        <p:nvSpPr>
+          <p:cNvPr id="104" name="Заголовок слайда"/>
+          <p:cNvSpPr txBox="1">
+            <a:spLocks noGrp="1"/>
+          </p:cNvSpPr>
+          <p:nvPr>
+            <p:ph type="title" hasCustomPrompt="1"/>
+          </p:nvPr>
+        </p:nvSpPr>
+        <p:spPr>
+          <a:xfrm>
+            <a:off x="1301439" y="3554313"/>
+            <a:ext cx="5271122" cy="461368"/>
+          </a:xfrm>
+          <a:prstGeom prst="rect">
+            <a:avLst/>
+          </a:prstGeom>
+        </p:spPr>
+        <p:txBody>
+          <a:bodyPr lIns="23068" tIns="23068" rIns="23068" bIns="23068" anchor="t"/>
+          <a:lstStyle>
+            <a:lvl1pPr defTabSz="1980021">
+              <a:lnSpc>
+                <a:spcPct val="80000"/>
+              </a:lnSpc>
+              <a:defRPr sz="6200" b="1" spc="-124">
+                <a:latin typeface="Helvetica Neue"/>
+                <a:ea typeface="Helvetica Neue"/>
+                <a:cs typeface="Helvetica Neue"/>
+                <a:sym typeface="Helvetica Neue"/>
+              </a:defRPr>
+            </a:lvl1pPr>
+          </a:lstStyle>
+          <a:p>
+            <a:r>
+              <a:t>Заголовок слайда</a:t>
+            </a:r>
+          </a:p>
+        </p:txBody>
+      </p:sp>
+      <p:sp>
+        <p:nvSpPr>
+          <p:cNvPr id="105" name="01"/>
+          <p:cNvSpPr txBox="1">
+            <a:spLocks noGrp="1"/>
+          </p:cNvSpPr>
+          <p:nvPr>
+            <p:ph type="sldNum" sz="quarter" idx="2"/>
+          </p:nvPr>
+        </p:nvSpPr>
+        <p:spPr>
+          <a:xfrm>
+            <a:off x="3821309" y="7452169"/>
+            <a:ext cx="228306" cy="219670"/>
+          </a:xfrm>
+          <a:prstGeom prst="rect">
+            <a:avLst/>
+          </a:prstGeom>
+        </p:spPr>
+        <p:txBody>
+          <a:bodyPr lIns="23068" tIns="23068" rIns="23068" bIns="23068" anchor="b"/>
+          <a:lstStyle>
+            <a:lvl1pPr algn="ctr" defTabSz="667113">
+              <a:defRPr sz="1200">
+                <a:solidFill>
+                  <a:srgbClr val="000000"/>
+                </a:solidFill>
+                <a:latin typeface="Helvetica Neue"/>
+                <a:ea typeface="Helvetica Neue"/>
+                <a:cs typeface="Helvetica Neue"/>
+                <a:sym typeface="Helvetica Neue"/>
+              </a:defRPr>
+            </a:lvl1pPr>
+          </a:lstStyle>
+          <a:p>
+            <a:fld id="{86CB4B4D-7CA3-9044-876B-883B54F8677D}" type="slidenum">
+              <a:t>‹#›</a:t>
+            </a:fld>
+            <a:endParaRPr/>
+          </a:p>
+        </p:txBody>
+      </p:sp>
+    </p:spTree>
+  </p:cSld>
+  <p:clrMapOvr>
+    <a:masterClrMapping/>
+  </p:clrMapOvr>
+  <p:transition spd="med"/>
+</p:sldLayout>
+</file>
+
+<file path=ppt/slideLayouts/slideLayout2.xml><?xml version="1.0" encoding="utf-8"?>
+<p:sldLayout xmlns:a="http://schemas.openxmlformats.org/drawingml/2006/main" xmlns:r="http://schemas.openxmlformats.org/officeDocument/2006/relationships" xmlns:p="http://schemas.openxmlformats.org/presentationml/2006/main" type="tx">
   <p:cSld name="Заголовок раздела">
     <p:spTree>
       <p:nvGrpSpPr>
@@ -493,7 +897,7 @@
       </p:grpSpPr>
       <p:sp>
         <p:nvSpPr>
-          <p:cNvPr id="29" name="Текст заголовка"/>
+          <p:cNvPr id="29" name="Title Text"/>
           <p:cNvSpPr txBox="1">
             <a:spLocks noGrp="1"/>
           </p:cNvSpPr>
@@ -519,14 +923,14 @@
           </a:lstStyle>
           <a:p>
             <a:r>
-              <a:t>Текст заголовка</a:t>
+              <a:t>Title Text</a:t>
             </a:r>
           </a:p>
         </p:txBody>
       </p:sp>
       <p:sp>
         <p:nvSpPr>
-          <p:cNvPr id="30" name="Уровень текста 1…"/>
+          <p:cNvPr id="30" name="Body Level One…"/>
           <p:cNvSpPr txBox="1">
             <a:spLocks noGrp="1"/>
           </p:cNvSpPr>
@@ -579,38 +983,38 @@
           </a:lstStyle>
           <a:p>
             <a:r>
-              <a:t>Уровень текста 1</a:t>
+              <a:t>Body Level One</a:t>
             </a:r>
           </a:p>
           <a:p>
             <a:pPr lvl="1"/>
             <a:r>
-              <a:t>Уровень текста 2</a:t>
+              <a:t>Body Level Two</a:t>
             </a:r>
           </a:p>
           <a:p>
             <a:pPr lvl="2"/>
             <a:r>
-              <a:t>Уровень текста 3</a:t>
+              <a:t>Body Level Three</a:t>
             </a:r>
           </a:p>
           <a:p>
             <a:pPr lvl="3"/>
             <a:r>
-              <a:t>Уровень текста 4</a:t>
+              <a:t>Body Level Four</a:t>
             </a:r>
           </a:p>
           <a:p>
             <a:pPr lvl="4"/>
             <a:r>
-              <a:t>Уровень текста 5</a:t>
+              <a:t>Body Level Five</a:t>
             </a:r>
           </a:p>
         </p:txBody>
       </p:sp>
       <p:sp>
         <p:nvSpPr>
-          <p:cNvPr id="31" name="Номер слайда"/>
+          <p:cNvPr id="31" name="01"/>
           <p:cNvSpPr txBox="1">
             <a:spLocks noGrp="1"/>
           </p:cNvSpPr>
@@ -643,7 +1047,7 @@
 </p:sldLayout>
 </file>
 
-<file path=ppt/slideLayouts/slideLayout2.xml><?xml version="1.0" encoding="utf-8"?>
+<file path=ppt/slideLayouts/slideLayout3.xml><?xml version="1.0" encoding="utf-8"?>
 <p:sldLayout xmlns:a="http://schemas.openxmlformats.org/drawingml/2006/main" xmlns:r="http://schemas.openxmlformats.org/officeDocument/2006/relationships" xmlns:p="http://schemas.openxmlformats.org/presentationml/2006/main" type="tx">
   <p:cSld name="Два объекта">
     <p:spTree>
@@ -662,7 +1066,7 @@
       </p:grpSpPr>
       <p:sp>
         <p:nvSpPr>
-          <p:cNvPr id="38" name="Текст заголовка"/>
+          <p:cNvPr id="38" name="Title Text"/>
           <p:cNvSpPr txBox="1">
             <a:spLocks noGrp="1"/>
           </p:cNvSpPr>
@@ -680,14 +1084,14 @@
           <a:lstStyle/>
           <a:p>
             <a:r>
-              <a:t>Текст заголовка</a:t>
+              <a:t>Title Text</a:t>
             </a:r>
           </a:p>
         </p:txBody>
       </p:sp>
       <p:sp>
         <p:nvSpPr>
-          <p:cNvPr id="39" name="Уровень текста 1…"/>
+          <p:cNvPr id="39" name="Body Level One…"/>
           <p:cNvSpPr txBox="1">
             <a:spLocks noGrp="1"/>
           </p:cNvSpPr>
@@ -709,38 +1113,38 @@
           <a:lstStyle/>
           <a:p>
             <a:r>
-              <a:t>Уровень текста 1</a:t>
+              <a:t>Body Level One</a:t>
             </a:r>
           </a:p>
           <a:p>
             <a:pPr lvl="1"/>
             <a:r>
-              <a:t>Уровень текста 2</a:t>
+              <a:t>Body Level Two</a:t>
             </a:r>
           </a:p>
           <a:p>
             <a:pPr lvl="2"/>
             <a:r>
-              <a:t>Уровень текста 3</a:t>
+              <a:t>Body Level Three</a:t>
             </a:r>
           </a:p>
           <a:p>
             <a:pPr lvl="3"/>
             <a:r>
-              <a:t>Уровень текста 4</a:t>
+              <a:t>Body Level Four</a:t>
             </a:r>
           </a:p>
           <a:p>
             <a:pPr lvl="4"/>
             <a:r>
-              <a:t>Уровень текста 5</a:t>
+              <a:t>Body Level Five</a:t>
             </a:r>
           </a:p>
         </p:txBody>
       </p:sp>
       <p:sp>
         <p:nvSpPr>
-          <p:cNvPr id="40" name="Номер слайда"/>
+          <p:cNvPr id="40" name="01"/>
           <p:cNvSpPr txBox="1">
             <a:spLocks noGrp="1"/>
           </p:cNvSpPr>
@@ -773,7 +1177,7 @@
 </p:sldLayout>
 </file>
 
-<file path=ppt/slideLayouts/slideLayout3.xml><?xml version="1.0" encoding="utf-8"?>
+<file path=ppt/slideLayouts/slideLayout4.xml><?xml version="1.0" encoding="utf-8"?>
 <p:sldLayout xmlns:a="http://schemas.openxmlformats.org/drawingml/2006/main" xmlns:r="http://schemas.openxmlformats.org/officeDocument/2006/relationships" xmlns:p="http://schemas.openxmlformats.org/presentationml/2006/main" type="tx">
   <p:cSld name="Сравнение">
     <p:spTree>
@@ -792,7 +1196,7 @@
       </p:grpSpPr>
       <p:sp>
         <p:nvSpPr>
-          <p:cNvPr id="47" name="Текст заголовка"/>
+          <p:cNvPr id="47" name="Title Text"/>
           <p:cNvSpPr txBox="1">
             <a:spLocks noGrp="1"/>
           </p:cNvSpPr>
@@ -814,14 +1218,14 @@
           <a:lstStyle/>
           <a:p>
             <a:r>
-              <a:t>Текст заголовка</a:t>
+              <a:t>Title Text</a:t>
             </a:r>
           </a:p>
         </p:txBody>
       </p:sp>
       <p:sp>
         <p:nvSpPr>
-          <p:cNvPr id="48" name="Уровень текста 1…"/>
+          <p:cNvPr id="48" name="Body Level One…"/>
           <p:cNvSpPr txBox="1">
             <a:spLocks noGrp="1"/>
           </p:cNvSpPr>
@@ -874,31 +1278,31 @@
           </a:lstStyle>
           <a:p>
             <a:r>
-              <a:t>Уровень текста 1</a:t>
+              <a:t>Body Level One</a:t>
             </a:r>
           </a:p>
           <a:p>
             <a:pPr lvl="1"/>
             <a:r>
-              <a:t>Уровень текста 2</a:t>
+              <a:t>Body Level Two</a:t>
             </a:r>
           </a:p>
           <a:p>
             <a:pPr lvl="2"/>
             <a:r>
-              <a:t>Уровень текста 3</a:t>
+              <a:t>Body Level Three</a:t>
             </a:r>
           </a:p>
           <a:p>
             <a:pPr lvl="3"/>
             <a:r>
-              <a:t>Уровень текста 4</a:t>
+              <a:t>Body Level Four</a:t>
             </a:r>
           </a:p>
           <a:p>
             <a:pPr lvl="4"/>
             <a:r>
-              <a:t>Уровень текста 5</a:t>
+              <a:t>Body Level Five</a:t>
             </a:r>
           </a:p>
         </p:txBody>
@@ -938,7 +1342,7 @@
       </p:sp>
       <p:sp>
         <p:nvSpPr>
-          <p:cNvPr id="50" name="Номер слайда"/>
+          <p:cNvPr id="50" name="01"/>
           <p:cNvSpPr txBox="1">
             <a:spLocks noGrp="1"/>
           </p:cNvSpPr>
@@ -971,7 +1375,7 @@
 </p:sldLayout>
 </file>
 
-<file path=ppt/slideLayouts/slideLayout4.xml><?xml version="1.0" encoding="utf-8"?>
+<file path=ppt/slideLayouts/slideLayout5.xml><?xml version="1.0" encoding="utf-8"?>
 <p:sldLayout xmlns:a="http://schemas.openxmlformats.org/drawingml/2006/main" xmlns:r="http://schemas.openxmlformats.org/officeDocument/2006/relationships" xmlns:p="http://schemas.openxmlformats.org/presentationml/2006/main" type="tx">
   <p:cSld name="Только заголовок">
     <p:spTree>
@@ -990,7 +1394,7 @@
       </p:grpSpPr>
       <p:sp>
         <p:nvSpPr>
-          <p:cNvPr id="57" name="Текст заголовка"/>
+          <p:cNvPr id="57" name="Title Text"/>
           <p:cNvSpPr txBox="1">
             <a:spLocks noGrp="1"/>
           </p:cNvSpPr>
@@ -1008,14 +1412,14 @@
           <a:lstStyle/>
           <a:p>
             <a:r>
-              <a:t>Текст заголовка</a:t>
+              <a:t>Title Text</a:t>
             </a:r>
           </a:p>
         </p:txBody>
       </p:sp>
       <p:sp>
         <p:nvSpPr>
-          <p:cNvPr id="58" name="Номер слайда"/>
+          <p:cNvPr id="58" name="01"/>
           <p:cNvSpPr txBox="1">
             <a:spLocks noGrp="1"/>
           </p:cNvSpPr>
@@ -1048,7 +1452,7 @@
 </p:sldLayout>
 </file>
 
-<file path=ppt/slideLayouts/slideLayout5.xml><?xml version="1.0" encoding="utf-8"?>
+<file path=ppt/slideLayouts/slideLayout6.xml><?xml version="1.0" encoding="utf-8"?>
 <p:sldLayout xmlns:a="http://schemas.openxmlformats.org/drawingml/2006/main" xmlns:r="http://schemas.openxmlformats.org/officeDocument/2006/relationships" xmlns:p="http://schemas.openxmlformats.org/presentationml/2006/main" type="tx">
   <p:cSld name="Пустой слайд">
     <p:spTree>
@@ -1067,7 +1471,7 @@
       </p:grpSpPr>
       <p:sp>
         <p:nvSpPr>
-          <p:cNvPr id="65" name="Номер слайда"/>
+          <p:cNvPr id="65" name="01"/>
           <p:cNvSpPr txBox="1">
             <a:spLocks noGrp="1"/>
           </p:cNvSpPr>
@@ -1100,7 +1504,7 @@
 </p:sldLayout>
 </file>
 
-<file path=ppt/slideLayouts/slideLayout6.xml><?xml version="1.0" encoding="utf-8"?>
+<file path=ppt/slideLayouts/slideLayout7.xml><?xml version="1.0" encoding="utf-8"?>
 <p:sldLayout xmlns:a="http://schemas.openxmlformats.org/drawingml/2006/main" xmlns:r="http://schemas.openxmlformats.org/officeDocument/2006/relationships" xmlns:p="http://schemas.openxmlformats.org/presentationml/2006/main" type="tx">
   <p:cSld name="Объект с подписью">
     <p:spTree>
@@ -1119,7 +1523,7 @@
       </p:grpSpPr>
       <p:sp>
         <p:nvSpPr>
-          <p:cNvPr id="72" name="Текст заголовка"/>
+          <p:cNvPr id="72" name="Title Text"/>
           <p:cNvSpPr txBox="1">
             <a:spLocks noGrp="1"/>
           </p:cNvSpPr>
@@ -1145,14 +1549,14 @@
           </a:lstStyle>
           <a:p>
             <a:r>
-              <a:t>Текст заголовка</a:t>
+              <a:t>Title Text</a:t>
             </a:r>
           </a:p>
         </p:txBody>
       </p:sp>
       <p:sp>
         <p:nvSpPr>
-          <p:cNvPr id="73" name="Уровень текста 1…"/>
+          <p:cNvPr id="73" name="Body Level One…"/>
           <p:cNvSpPr txBox="1">
             <a:spLocks noGrp="1"/>
           </p:cNvSpPr>
@@ -1190,31 +1594,31 @@
           </a:lstStyle>
           <a:p>
             <a:r>
-              <a:t>Уровень текста 1</a:t>
+              <a:t>Body Level One</a:t>
             </a:r>
           </a:p>
           <a:p>
             <a:pPr lvl="1"/>
             <a:r>
-              <a:t>Уровень текста 2</a:t>
+              <a:t>Body Level Two</a:t>
             </a:r>
           </a:p>
           <a:p>
             <a:pPr lvl="2"/>
             <a:r>
-              <a:t>Уровень текста 3</a:t>
+              <a:t>Body Level Three</a:t>
             </a:r>
           </a:p>
           <a:p>
             <a:pPr lvl="3"/>
             <a:r>
-              <a:t>Уровень текста 4</a:t>
+              <a:t>Body Level Four</a:t>
             </a:r>
           </a:p>
           <a:p>
             <a:pPr lvl="4"/>
             <a:r>
-              <a:t>Уровень текста 5</a:t>
+              <a:t>Body Level Five</a:t>
             </a:r>
           </a:p>
         </p:txBody>
@@ -1254,7 +1658,7 @@
       </p:sp>
       <p:sp>
         <p:nvSpPr>
-          <p:cNvPr id="75" name="Номер слайда"/>
+          <p:cNvPr id="75" name="01"/>
           <p:cNvSpPr txBox="1">
             <a:spLocks noGrp="1"/>
           </p:cNvSpPr>
@@ -1287,7 +1691,7 @@
 </p:sldLayout>
 </file>
 
-<file path=ppt/slideLayouts/slideLayout7.xml><?xml version="1.0" encoding="utf-8"?>
+<file path=ppt/slideLayouts/slideLayout8.xml><?xml version="1.0" encoding="utf-8"?>
 <p:sldLayout xmlns:a="http://schemas.openxmlformats.org/drawingml/2006/main" xmlns:r="http://schemas.openxmlformats.org/officeDocument/2006/relationships" xmlns:p="http://schemas.openxmlformats.org/presentationml/2006/main" type="tx">
   <p:cSld name="Рисунок с подписью">
     <p:spTree>
@@ -1306,7 +1710,7 @@
       </p:grpSpPr>
       <p:sp>
         <p:nvSpPr>
-          <p:cNvPr id="82" name="Текст заголовка"/>
+          <p:cNvPr id="82" name="Title Text"/>
           <p:cNvSpPr txBox="1">
             <a:spLocks noGrp="1"/>
           </p:cNvSpPr>
@@ -1332,7 +1736,7 @@
           </a:lstStyle>
           <a:p>
             <a:r>
-              <a:t>Текст заголовка</a:t>
+              <a:t>Title Text</a:t>
             </a:r>
           </a:p>
         </p:txBody>
@@ -1368,7 +1772,7 @@
       </p:sp>
       <p:sp>
         <p:nvSpPr>
-          <p:cNvPr id="84" name="Уровень текста 1…"/>
+          <p:cNvPr id="84" name="Body Level One…"/>
           <p:cNvSpPr txBox="1">
             <a:spLocks noGrp="1"/>
           </p:cNvSpPr>
@@ -1421,38 +1825,38 @@
           </a:lstStyle>
           <a:p>
             <a:r>
-              <a:t>Уровень текста 1</a:t>
+              <a:t>Body Level One</a:t>
             </a:r>
           </a:p>
           <a:p>
             <a:pPr lvl="1"/>
             <a:r>
-              <a:t>Уровень текста 2</a:t>
+              <a:t>Body Level Two</a:t>
             </a:r>
           </a:p>
           <a:p>
             <a:pPr lvl="2"/>
             <a:r>
-              <a:t>Уровень текста 3</a:t>
+              <a:t>Body Level Three</a:t>
             </a:r>
           </a:p>
           <a:p>
             <a:pPr lvl="3"/>
             <a:r>
-              <a:t>Уровень текста 4</a:t>
+              <a:t>Body Level Four</a:t>
             </a:r>
           </a:p>
           <a:p>
             <a:pPr lvl="4"/>
             <a:r>
-              <a:t>Уровень текста 5</a:t>
+              <a:t>Body Level Five</a:t>
             </a:r>
           </a:p>
         </p:txBody>
       </p:sp>
       <p:sp>
         <p:nvSpPr>
-          <p:cNvPr id="85" name="Номер слайда"/>
+          <p:cNvPr id="85" name="01"/>
           <p:cNvSpPr txBox="1">
             <a:spLocks noGrp="1"/>
           </p:cNvSpPr>
@@ -1485,7 +1889,7 @@
 </p:sldLayout>
 </file>
 
-<file path=ppt/slideLayouts/slideLayout8.xml><?xml version="1.0" encoding="utf-8"?>
+<file path=ppt/slideLayouts/slideLayout9.xml><?xml version="1.0" encoding="utf-8"?>
 <p:sldLayout xmlns:a="http://schemas.openxmlformats.org/drawingml/2006/main" xmlns:r="http://schemas.openxmlformats.org/officeDocument/2006/relationships" xmlns:p="http://schemas.openxmlformats.org/presentationml/2006/main" type="tx">
   <p:cSld name="Заголовок и пункты">
     <p:spTree>
@@ -1504,7 +1908,7 @@
       </p:grpSpPr>
       <p:sp>
         <p:nvSpPr>
-          <p:cNvPr id="92" name="Уровень текста 1…"/>
+          <p:cNvPr id="92" name="Body Level One…"/>
           <p:cNvSpPr txBox="1">
             <a:spLocks noGrp="1"/>
           </p:cNvSpPr>
@@ -1534,10 +1938,10 @@
               <a:buSzPct val="123000"/>
               <a:buFontTx/>
               <a:defRPr sz="1200">
-                <a:latin typeface="Roboto Light"/>
-                <a:ea typeface="Roboto Light"/>
-                <a:cs typeface="Roboto Light"/>
-                <a:sym typeface="Roboto Light"/>
+                <a:latin typeface="+mn-lt"/>
+                <a:ea typeface="+mn-ea"/>
+                <a:cs typeface="+mn-cs"/>
+                <a:sym typeface="Helvetica"/>
               </a:defRPr>
             </a:lvl1pPr>
             <a:lvl2pPr marL="533400" indent="-152400" defTabSz="1980021">
@@ -1550,10 +1954,10 @@
               <a:buSzPct val="123000"/>
               <a:buFontTx/>
               <a:defRPr sz="1200">
-                <a:latin typeface="Roboto Light"/>
-                <a:ea typeface="Roboto Light"/>
-                <a:cs typeface="Roboto Light"/>
-                <a:sym typeface="Roboto Light"/>
+                <a:latin typeface="+mn-lt"/>
+                <a:ea typeface="+mn-ea"/>
+                <a:cs typeface="+mn-cs"/>
+                <a:sym typeface="Helvetica"/>
               </a:defRPr>
             </a:lvl2pPr>
             <a:lvl3pPr marL="914400" indent="-152400" defTabSz="1980021">
@@ -1566,10 +1970,10 @@
               <a:buSzPct val="123000"/>
               <a:buFontTx/>
               <a:defRPr sz="1200">
-                <a:latin typeface="Roboto Light"/>
-                <a:ea typeface="Roboto Light"/>
-                <a:cs typeface="Roboto Light"/>
-                <a:sym typeface="Roboto Light"/>
+                <a:latin typeface="+mn-lt"/>
+                <a:ea typeface="+mn-ea"/>
+                <a:cs typeface="+mn-cs"/>
+                <a:sym typeface="Helvetica"/>
               </a:defRPr>
             </a:lvl3pPr>
             <a:lvl4pPr marL="1295400" indent="-152400" defTabSz="1980021">
@@ -1582,10 +1986,10 @@
               <a:buSzPct val="123000"/>
               <a:buFontTx/>
               <a:defRPr sz="1200">
-                <a:latin typeface="Roboto Light"/>
-                <a:ea typeface="Roboto Light"/>
-                <a:cs typeface="Roboto Light"/>
-                <a:sym typeface="Roboto Light"/>
+                <a:latin typeface="+mn-lt"/>
+                <a:ea typeface="+mn-ea"/>
+                <a:cs typeface="+mn-cs"/>
+                <a:sym typeface="Helvetica"/>
               </a:defRPr>
             </a:lvl4pPr>
             <a:lvl5pPr marL="1676400" indent="-152400" defTabSz="1980021">
@@ -1598,10 +2002,10 @@
               <a:buSzPct val="123000"/>
               <a:buFontTx/>
               <a:defRPr sz="1200">
-                <a:latin typeface="Roboto Light"/>
-                <a:ea typeface="Roboto Light"/>
-                <a:cs typeface="Roboto Light"/>
-                <a:sym typeface="Roboto Light"/>
+                <a:latin typeface="+mn-lt"/>
+                <a:ea typeface="+mn-ea"/>
+                <a:cs typeface="+mn-cs"/>
+                <a:sym typeface="Helvetica"/>
               </a:defRPr>
             </a:lvl5pPr>
           </a:lstStyle>
@@ -1719,7 +2123,7 @@
       </p:sp>
       <p:sp>
         <p:nvSpPr>
-          <p:cNvPr id="95" name="Номер слайда"/>
+          <p:cNvPr id="95" name="01"/>
           <p:cNvSpPr txBox="1">
             <a:spLocks noGrp="1"/>
           </p:cNvSpPr>
@@ -1741,289 +2145,6 @@
           <a:lstStyle>
             <a:lvl1pPr algn="ctr" defTabSz="667113">
               <a:defRPr sz="1100">
-                <a:solidFill>
-                  <a:srgbClr val="000000"/>
-                </a:solidFill>
-                <a:latin typeface="Helvetica Neue"/>
-                <a:ea typeface="Helvetica Neue"/>
-                <a:cs typeface="Helvetica Neue"/>
-                <a:sym typeface="Helvetica Neue"/>
-              </a:defRPr>
-            </a:lvl1pPr>
-          </a:lstStyle>
-          <a:p>
-            <a:fld id="{86CB4B4D-7CA3-9044-876B-883B54F8677D}" type="slidenum">
-              <a:t>‹#›</a:t>
-            </a:fld>
-            <a:endParaRPr/>
-          </a:p>
-        </p:txBody>
-      </p:sp>
-    </p:spTree>
-  </p:cSld>
-  <p:clrMapOvr>
-    <a:masterClrMapping/>
-  </p:clrMapOvr>
-  <p:transition spd="med"/>
-</p:sldLayout>
-</file>
-
-<file path=ppt/slideLayouts/slideLayout9.xml><?xml version="1.0" encoding="utf-8"?>
-<p:sldLayout xmlns:a="http://schemas.openxmlformats.org/drawingml/2006/main" xmlns:r="http://schemas.openxmlformats.org/officeDocument/2006/relationships" xmlns:p="http://schemas.openxmlformats.org/presentationml/2006/main" type="tx">
-  <p:cSld name="Заголовок и пункты">
-    <p:spTree>
-      <p:nvGrpSpPr>
-        <p:cNvPr id="1" name=""/>
-        <p:cNvGrpSpPr/>
-        <p:nvPr/>
-      </p:nvGrpSpPr>
-      <p:grpSpPr>
-        <a:xfrm>
-          <a:off x="0" y="0"/>
-          <a:ext cx="0" cy="0"/>
-          <a:chOff x="0" y="0"/>
-          <a:chExt cx="0" cy="0"/>
-        </a:xfrm>
-      </p:grpSpPr>
-      <p:sp>
-        <p:nvSpPr>
-          <p:cNvPr id="102" name="Уровень текста 1…"/>
-          <p:cNvSpPr txBox="1">
-            <a:spLocks noGrp="1"/>
-          </p:cNvSpPr>
-          <p:nvPr>
-            <p:ph type="body" sz="quarter" idx="1" hasCustomPrompt="1"/>
-          </p:nvPr>
-        </p:nvSpPr>
-        <p:spPr>
-          <a:xfrm>
-            <a:off x="1301439" y="4698119"/>
-            <a:ext cx="5271122" cy="2768204"/>
-          </a:xfrm>
-          <a:prstGeom prst="rect">
-            <a:avLst/>
-          </a:prstGeom>
-        </p:spPr>
-        <p:txBody>
-          <a:bodyPr lIns="23068" tIns="23068" rIns="23068" bIns="23068"/>
-          <a:lstStyle>
-            <a:lvl1pPr marL="190500" indent="-190500" defTabSz="1980021">
-              <a:lnSpc>
-                <a:spcPct val="110000"/>
-              </a:lnSpc>
-              <a:spcBef>
-                <a:spcPts val="3600"/>
-              </a:spcBef>
-              <a:buSzPct val="123000"/>
-              <a:buFontTx/>
-              <a:defRPr sz="1500">
-                <a:latin typeface="Roboto Light"/>
-                <a:ea typeface="Roboto Light"/>
-                <a:cs typeface="Roboto Light"/>
-                <a:sym typeface="Roboto Light"/>
-              </a:defRPr>
-            </a:lvl1pPr>
-            <a:lvl2pPr marL="571500" indent="-190500" defTabSz="1980021">
-              <a:lnSpc>
-                <a:spcPct val="110000"/>
-              </a:lnSpc>
-              <a:spcBef>
-                <a:spcPts val="3600"/>
-              </a:spcBef>
-              <a:buSzPct val="123000"/>
-              <a:buFontTx/>
-              <a:defRPr sz="1500">
-                <a:latin typeface="Roboto Light"/>
-                <a:ea typeface="Roboto Light"/>
-                <a:cs typeface="Roboto Light"/>
-                <a:sym typeface="Roboto Light"/>
-              </a:defRPr>
-            </a:lvl2pPr>
-            <a:lvl3pPr marL="952500" indent="-190500" defTabSz="1980021">
-              <a:lnSpc>
-                <a:spcPct val="110000"/>
-              </a:lnSpc>
-              <a:spcBef>
-                <a:spcPts val="3600"/>
-              </a:spcBef>
-              <a:buSzPct val="123000"/>
-              <a:buFontTx/>
-              <a:defRPr sz="1500">
-                <a:latin typeface="Roboto Light"/>
-                <a:ea typeface="Roboto Light"/>
-                <a:cs typeface="Roboto Light"/>
-                <a:sym typeface="Roboto Light"/>
-              </a:defRPr>
-            </a:lvl3pPr>
-            <a:lvl4pPr marL="1333500" indent="-190500" defTabSz="1980021">
-              <a:lnSpc>
-                <a:spcPct val="110000"/>
-              </a:lnSpc>
-              <a:spcBef>
-                <a:spcPts val="3600"/>
-              </a:spcBef>
-              <a:buSzPct val="123000"/>
-              <a:buFontTx/>
-              <a:defRPr sz="1500">
-                <a:latin typeface="Roboto Light"/>
-                <a:ea typeface="Roboto Light"/>
-                <a:cs typeface="Roboto Light"/>
-                <a:sym typeface="Roboto Light"/>
-              </a:defRPr>
-            </a:lvl4pPr>
-            <a:lvl5pPr marL="1714500" indent="-190500" defTabSz="1980021">
-              <a:lnSpc>
-                <a:spcPct val="110000"/>
-              </a:lnSpc>
-              <a:spcBef>
-                <a:spcPts val="3600"/>
-              </a:spcBef>
-              <a:buSzPct val="123000"/>
-              <a:buFontTx/>
-              <a:defRPr sz="1500">
-                <a:latin typeface="Roboto Light"/>
-                <a:ea typeface="Roboto Light"/>
-                <a:cs typeface="Roboto Light"/>
-                <a:sym typeface="Roboto Light"/>
-              </a:defRPr>
-            </a:lvl5pPr>
-          </a:lstStyle>
-          <a:p>
-            <a:r>
-              <a:t>Текст пункта на слайде</a:t>
-            </a:r>
-          </a:p>
-          <a:p>
-            <a:pPr lvl="1"/>
-            <a:endParaRPr/>
-          </a:p>
-          <a:p>
-            <a:pPr lvl="2"/>
-            <a:endParaRPr/>
-          </a:p>
-          <a:p>
-            <a:pPr lvl="3"/>
-            <a:endParaRPr/>
-          </a:p>
-          <a:p>
-            <a:pPr lvl="4"/>
-            <a:endParaRPr/>
-          </a:p>
-        </p:txBody>
-      </p:sp>
-      <p:sp>
-        <p:nvSpPr>
-          <p:cNvPr id="103" name="Подзаголовок слайда"/>
-          <p:cNvSpPr txBox="1">
-            <a:spLocks noGrp="1"/>
-          </p:cNvSpPr>
-          <p:nvPr>
-            <p:ph type="body" sz="quarter" idx="21" hasCustomPrompt="1"/>
-          </p:nvPr>
-        </p:nvSpPr>
-        <p:spPr>
-          <a:xfrm>
-            <a:off x="1301439" y="3996022"/>
-            <a:ext cx="5271122" cy="305067"/>
-          </a:xfrm>
-          <a:prstGeom prst="rect">
-            <a:avLst/>
-          </a:prstGeom>
-          <a:ln w="3175"/>
-        </p:spPr>
-        <p:txBody>
-          <a:bodyPr lIns="23068" tIns="23068" rIns="23068" bIns="23068"/>
-          <a:lstStyle>
-            <a:lvl1pPr marL="0" indent="0" defTabSz="315058">
-              <a:lnSpc>
-                <a:spcPct val="100000"/>
-              </a:lnSpc>
-              <a:spcBef>
-                <a:spcPts val="0"/>
-              </a:spcBef>
-              <a:buSzTx/>
-              <a:buFontTx/>
-              <a:buNone/>
-              <a:defRPr sz="1692" b="1">
-                <a:latin typeface="Helvetica Neue"/>
-                <a:ea typeface="Helvetica Neue"/>
-                <a:cs typeface="Helvetica Neue"/>
-                <a:sym typeface="Helvetica Neue"/>
-              </a:defRPr>
-            </a:lvl1pPr>
-          </a:lstStyle>
-          <a:p>
-            <a:r>
-              <a:t>Подзаголовок слайда</a:t>
-            </a:r>
-          </a:p>
-        </p:txBody>
-      </p:sp>
-      <p:sp>
-        <p:nvSpPr>
-          <p:cNvPr id="104" name="Заголовок слайда"/>
-          <p:cNvSpPr txBox="1">
-            <a:spLocks noGrp="1"/>
-          </p:cNvSpPr>
-          <p:nvPr>
-            <p:ph type="title" hasCustomPrompt="1"/>
-          </p:nvPr>
-        </p:nvSpPr>
-        <p:spPr>
-          <a:xfrm>
-            <a:off x="1301439" y="3554313"/>
-            <a:ext cx="5271122" cy="461368"/>
-          </a:xfrm>
-          <a:prstGeom prst="rect">
-            <a:avLst/>
-          </a:prstGeom>
-        </p:spPr>
-        <p:txBody>
-          <a:bodyPr lIns="23068" tIns="23068" rIns="23068" bIns="23068" anchor="t"/>
-          <a:lstStyle>
-            <a:lvl1pPr defTabSz="1980021">
-              <a:lnSpc>
-                <a:spcPct val="80000"/>
-              </a:lnSpc>
-              <a:defRPr sz="6200" b="1" spc="-124">
-                <a:latin typeface="Helvetica Neue"/>
-                <a:ea typeface="Helvetica Neue"/>
-                <a:cs typeface="Helvetica Neue"/>
-                <a:sym typeface="Helvetica Neue"/>
-              </a:defRPr>
-            </a:lvl1pPr>
-          </a:lstStyle>
-          <a:p>
-            <a:r>
-              <a:t>Заголовок слайда</a:t>
-            </a:r>
-          </a:p>
-        </p:txBody>
-      </p:sp>
-      <p:sp>
-        <p:nvSpPr>
-          <p:cNvPr id="105" name="Номер слайда"/>
-          <p:cNvSpPr txBox="1">
-            <a:spLocks noGrp="1"/>
-          </p:cNvSpPr>
-          <p:nvPr>
-            <p:ph type="sldNum" sz="quarter" idx="2"/>
-          </p:nvPr>
-        </p:nvSpPr>
-        <p:spPr>
-          <a:xfrm>
-            <a:off x="3821309" y="7452169"/>
-            <a:ext cx="228306" cy="219670"/>
-          </a:xfrm>
-          <a:prstGeom prst="rect">
-            <a:avLst/>
-          </a:prstGeom>
-        </p:spPr>
-        <p:txBody>
-          <a:bodyPr lIns="23068" tIns="23068" rIns="23068" bIns="23068" anchor="b"/>
-          <a:lstStyle>
-            <a:lvl1pPr algn="ctr" defTabSz="667113">
-              <a:defRPr sz="1200">
                 <a:solidFill>
                   <a:srgbClr val="000000"/>
                 </a:solidFill>
@@ -2078,7 +2199,7 @@
       </p:grpSpPr>
       <p:sp>
         <p:nvSpPr>
-          <p:cNvPr id="2" name="Текст заголовка"/>
+          <p:cNvPr id="2" name="Title Text"/>
           <p:cNvSpPr txBox="1">
             <a:spLocks noGrp="1"/>
           </p:cNvSpPr>
@@ -2099,7 +2220,7 @@
           </a:ln>
           <a:extLst>
             <a:ext uri="{C572A759-6A51-4108-AA02-DFA0A04FC94B}">
-              <ma14:wrappingTextBoxFlag xmlns="" xmlns:m="http://schemas.openxmlformats.org/officeDocument/2006/math" xmlns:a14="http://schemas.microsoft.com/office/drawing/2010/main" xmlns:ma14="http://schemas.microsoft.com/office/mac/drawingml/2011/main" val="1"/>
+              <ma14:wrappingTextBoxFlag xmlns:ma14="http://schemas.microsoft.com/office/mac/drawingml/2011/main" xmlns:a14="http://schemas.microsoft.com/office/drawing/2010/main" xmlns:m="http://schemas.openxmlformats.org/officeDocument/2006/math" xmlns="" val="1"/>
             </a:ext>
           </a:extLst>
         </p:spPr>
@@ -2110,14 +2231,14 @@
           <a:lstStyle/>
           <a:p>
             <a:r>
-              <a:t>Текст заголовка</a:t>
+              <a:t>Title Text</a:t>
             </a:r>
           </a:p>
         </p:txBody>
       </p:sp>
       <p:sp>
         <p:nvSpPr>
-          <p:cNvPr id="3" name="Уровень текста 1…"/>
+          <p:cNvPr id="3" name="Body Level One…"/>
           <p:cNvSpPr txBox="1">
             <a:spLocks noGrp="1"/>
           </p:cNvSpPr>
@@ -2138,7 +2259,7 @@
           </a:ln>
           <a:extLst>
             <a:ext uri="{C572A759-6A51-4108-AA02-DFA0A04FC94B}">
-              <ma14:wrappingTextBoxFlag xmlns="" xmlns:m="http://schemas.openxmlformats.org/officeDocument/2006/math" xmlns:a14="http://schemas.microsoft.com/office/drawing/2010/main" xmlns:ma14="http://schemas.microsoft.com/office/mac/drawingml/2011/main" val="1"/>
+              <ma14:wrappingTextBoxFlag xmlns:ma14="http://schemas.microsoft.com/office/mac/drawingml/2011/main" xmlns:a14="http://schemas.microsoft.com/office/drawing/2010/main" xmlns:m="http://schemas.openxmlformats.org/officeDocument/2006/math" xmlns="" val="1"/>
             </a:ext>
           </a:extLst>
         </p:spPr>
@@ -2149,38 +2270,38 @@
           <a:lstStyle/>
           <a:p>
             <a:r>
-              <a:t>Уровень текста 1</a:t>
+              <a:t>Body Level One</a:t>
             </a:r>
           </a:p>
           <a:p>
             <a:pPr lvl="1"/>
             <a:r>
-              <a:t>Уровень текста 2</a:t>
+              <a:t>Body Level Two</a:t>
             </a:r>
           </a:p>
           <a:p>
             <a:pPr lvl="2"/>
             <a:r>
-              <a:t>Уровень текста 3</a:t>
+              <a:t>Body Level Three</a:t>
             </a:r>
           </a:p>
           <a:p>
             <a:pPr lvl="3"/>
             <a:r>
-              <a:t>Уровень текста 4</a:t>
+              <a:t>Body Level Four</a:t>
             </a:r>
           </a:p>
           <a:p>
             <a:pPr lvl="4"/>
             <a:r>
-              <a:t>Уровень текста 5</a:t>
+              <a:t>Body Level Five</a:t>
             </a:r>
           </a:p>
         </p:txBody>
       </p:sp>
       <p:sp>
         <p:nvSpPr>
-          <p:cNvPr id="4" name="Номер слайда"/>
+          <p:cNvPr id="4" name="01"/>
           <p:cNvSpPr txBox="1">
             <a:spLocks noGrp="1"/>
           </p:cNvSpPr>
@@ -2225,15 +2346,16 @@
   </p:cSld>
   <p:clrMap bg1="lt1" tx1="dk1" bg2="lt2" tx2="dk2" accent1="accent1" accent2="accent2" accent3="accent3" accent4="accent4" accent5="accent5" accent6="accent6" hlink="hlink" folHlink="folHlink"/>
   <p:sldLayoutIdLst>
-    <p:sldLayoutId id="2147483651" r:id="rId1"/>
-    <p:sldLayoutId id="2147483652" r:id="rId2"/>
-    <p:sldLayoutId id="2147483653" r:id="rId3"/>
-    <p:sldLayoutId id="2147483654" r:id="rId4"/>
-    <p:sldLayoutId id="2147483655" r:id="rId5"/>
-    <p:sldLayoutId id="2147483656" r:id="rId6"/>
-    <p:sldLayoutId id="2147483657" r:id="rId7"/>
-    <p:sldLayoutId id="2147483658" r:id="rId8"/>
-    <p:sldLayoutId id="2147483659" r:id="rId9"/>
+    <p:sldLayoutId id="2147483650" r:id="rId1"/>
+    <p:sldLayoutId id="2147483651" r:id="rId2"/>
+    <p:sldLayoutId id="2147483652" r:id="rId3"/>
+    <p:sldLayoutId id="2147483653" r:id="rId4"/>
+    <p:sldLayoutId id="2147483654" r:id="rId5"/>
+    <p:sldLayoutId id="2147483655" r:id="rId6"/>
+    <p:sldLayoutId id="2147483656" r:id="rId7"/>
+    <p:sldLayoutId id="2147483657" r:id="rId8"/>
+    <p:sldLayoutId id="2147483658" r:id="rId9"/>
+    <p:sldLayoutId id="2147483659" r:id="rId10"/>
   </p:sldLayoutIdLst>
   <p:transition spd="med"/>
   <p:txStyles>
@@ -2968,22 +3090,22 @@
       </p:grpSpPr>
       <p:sp>
         <p:nvSpPr>
-          <p:cNvPr id="869" name="Прямоугольник"/>
+          <p:cNvPr id="311" name="Rectangle"/>
           <p:cNvSpPr/>
           <p:nvPr/>
         </p:nvSpPr>
         <p:spPr>
           <a:xfrm>
-            <a:off x="4571" y="-5652"/>
-            <a:ext cx="7864858" cy="11123075"/>
+            <a:off x="-8129" y="-3379"/>
+            <a:ext cx="3103566" cy="11144656"/>
           </a:xfrm>
           <a:prstGeom prst="rect">
             <a:avLst/>
           </a:prstGeom>
           <a:solidFill>
-            <a:srgbClr val="F3EBE1"/>
+            <a:srgbClr val="1A2C44"/>
           </a:solidFill>
-          <a:ln w="3175">
+          <a:ln w="12700">
             <a:miter lim="400000"/>
           </a:ln>
         </p:spPr>
@@ -2991,15 +3113,11 @@
           <a:bodyPr lIns="50800" tIns="50800" rIns="50800" bIns="50800" anchor="ctr"/>
           <a:lstStyle/>
           <a:p>
-            <a:pPr algn="ctr" defTabSz="584200">
-              <a:defRPr sz="1200">
+            <a:pPr>
+              <a:defRPr>
                 <a:solidFill>
                   <a:srgbClr val="FFFFFF"/>
                 </a:solidFill>
-                <a:latin typeface="Helvetica Neue Medium"/>
-                <a:ea typeface="Helvetica Neue Medium"/>
-                <a:cs typeface="Helvetica Neue Medium"/>
-                <a:sym typeface="Helvetica Neue Medium"/>
               </a:defRPr>
             </a:pPr>
             <a:endParaRPr/>
@@ -3008,54 +3126,14 @@
       </p:sp>
       <p:sp>
         <p:nvSpPr>
-          <p:cNvPr id="870" name="Прямоугольник"/>
+          <p:cNvPr id="312" name="Rectangle"/>
           <p:cNvSpPr/>
           <p:nvPr/>
         </p:nvSpPr>
         <p:spPr>
           <a:xfrm>
-            <a:off x="4571" y="-5652"/>
-            <a:ext cx="7864858" cy="11123075"/>
-          </a:xfrm>
-          <a:prstGeom prst="rect">
-            <a:avLst/>
-          </a:prstGeom>
-          <a:solidFill>
-            <a:srgbClr val="F3EBE1"/>
-          </a:solidFill>
-          <a:ln w="3175">
-            <a:miter lim="400000"/>
-          </a:ln>
-        </p:spPr>
-        <p:txBody>
-          <a:bodyPr lIns="50800" tIns="50800" rIns="50800" bIns="50800" anchor="ctr"/>
-          <a:lstStyle/>
-          <a:p>
-            <a:pPr algn="ctr" defTabSz="584200">
-              <a:defRPr sz="1200">
-                <a:solidFill>
-                  <a:srgbClr val="FFFFFF"/>
-                </a:solidFill>
-                <a:latin typeface="Helvetica Neue Medium"/>
-                <a:ea typeface="Helvetica Neue Medium"/>
-                <a:cs typeface="Helvetica Neue Medium"/>
-                <a:sym typeface="Helvetica Neue Medium"/>
-              </a:defRPr>
-            </a:pPr>
-            <a:endParaRPr/>
-          </a:p>
-        </p:txBody>
-      </p:sp>
-      <p:sp>
-        <p:nvSpPr>
-          <p:cNvPr id="871" name="Прямоугольник"/>
-          <p:cNvSpPr/>
-          <p:nvPr/>
-        </p:nvSpPr>
-        <p:spPr>
-          <a:xfrm>
-            <a:off x="197673" y="2470262"/>
-            <a:ext cx="7478653" cy="8442937"/>
+            <a:off x="3090779" y="-4011"/>
+            <a:ext cx="4787794" cy="11150601"/>
           </a:xfrm>
           <a:prstGeom prst="rect">
             <a:avLst/>
@@ -3063,10 +3141,7 @@
           <a:solidFill>
             <a:srgbClr val="FFFFFF"/>
           </a:solidFill>
-          <a:ln w="25400">
-            <a:solidFill>
-              <a:srgbClr val="EDEDE9"/>
-            </a:solidFill>
+          <a:ln w="12700">
             <a:miter lim="400000"/>
           </a:ln>
         </p:spPr>
@@ -3074,74 +3149,20 @@
           <a:bodyPr lIns="50800" tIns="50800" rIns="50800" bIns="50800" anchor="ctr"/>
           <a:lstStyle/>
           <a:p>
-            <a:pPr algn="ctr" defTabSz="584200">
-              <a:defRPr sz="1200">
-                <a:solidFill>
-                  <a:srgbClr val="FFFFFF"/>
-                </a:solidFill>
-                <a:latin typeface="Helvetica Neue Medium"/>
-                <a:ea typeface="Helvetica Neue Medium"/>
-                <a:cs typeface="Helvetica Neue Medium"/>
-                <a:sym typeface="Helvetica Neue Medium"/>
-              </a:defRPr>
-            </a:pPr>
             <a:endParaRPr/>
           </a:p>
         </p:txBody>
       </p:sp>
       <p:sp>
         <p:nvSpPr>
-          <p:cNvPr id="872" name="Кружок"/>
-          <p:cNvSpPr/>
-          <p:nvPr/>
-        </p:nvSpPr>
-        <p:spPr>
-          <a:xfrm>
-            <a:off x="5793153" y="308275"/>
-            <a:ext cx="1573333" cy="1573333"/>
-          </a:xfrm>
-          <a:prstGeom prst="ellipse">
-            <a:avLst/>
-          </a:prstGeom>
-          <a:blipFill>
-            <a:blip r:embed="rId2"/>
-            <a:stretch>
-              <a:fillRect/>
-            </a:stretch>
-          </a:blipFill>
-          <a:ln w="3175">
-            <a:miter lim="400000"/>
-          </a:ln>
-        </p:spPr>
-        <p:txBody>
-          <a:bodyPr lIns="50800" tIns="50800" rIns="50800" bIns="50800" anchor="ctr"/>
-          <a:lstStyle/>
-          <a:p>
-            <a:pPr algn="ctr" defTabSz="584200">
-              <a:defRPr sz="1200">
-                <a:solidFill>
-                  <a:srgbClr val="FFFFFF"/>
-                </a:solidFill>
-                <a:latin typeface="Helvetica Neue Medium"/>
-                <a:ea typeface="Helvetica Neue Medium"/>
-                <a:cs typeface="Helvetica Neue Medium"/>
-                <a:sym typeface="Helvetica Neue Medium"/>
-              </a:defRPr>
-            </a:pPr>
-            <a:endParaRPr/>
-          </a:p>
-        </p:txBody>
-      </p:sp>
-      <p:sp>
-        <p:nvSpPr>
-          <p:cNvPr id="873" name="Alexandro Moreno"/>
+          <p:cNvPr id="313" name="Group"/>
           <p:cNvSpPr txBox="1"/>
           <p:nvPr/>
         </p:nvSpPr>
         <p:spPr>
           <a:xfrm>
-            <a:off x="506889" y="530864"/>
-            <a:ext cx="3329284" cy="865364"/>
+            <a:off x="4586940" y="501183"/>
+            <a:ext cx="2730191" cy="659021"/>
           </a:xfrm>
           <a:prstGeom prst="rect">
             <a:avLst/>
@@ -3151,21 +3172,18 @@
           </a:ln>
           <a:extLst>
             <a:ext uri="{C572A759-6A51-4108-AA02-DFA0A04FC94B}">
-              <ma14:wrappingTextBoxFlag xmlns="" xmlns:m="http://schemas.openxmlformats.org/officeDocument/2006/math" xmlns:a14="http://schemas.microsoft.com/office/drawing/2010/main" xmlns:ma14="http://schemas.microsoft.com/office/mac/drawingml/2011/main" val="1"/>
+              <ma14:wrappingTextBoxFlag xmlns:ma14="http://schemas.microsoft.com/office/mac/drawingml/2011/main" xmlns:a14="http://schemas.microsoft.com/office/drawing/2010/main" xmlns:m="http://schemas.openxmlformats.org/officeDocument/2006/math" xmlns="" val="1"/>
             </a:ext>
           </a:extLst>
         </p:spPr>
         <p:txBody>
-          <a:bodyPr lIns="0" tIns="0" rIns="0" bIns="0" anchor="ctr"/>
+          <a:bodyPr lIns="50800" tIns="50800" rIns="50800" bIns="50800" anchor="ctr"/>
           <a:lstStyle>
             <a:lvl1pPr defTabSz="457200">
-              <a:lnSpc>
-                <a:spcPct val="110000"/>
-              </a:lnSpc>
-              <a:tabLst>
-                <a:tab pos="228600" algn="l"/>
-              </a:tabLst>
-              <a:defRPr sz="2500" cap="all" spc="625">
+              <a:defRPr sz="2600" b="1" cap="all" spc="390">
+                <a:solidFill>
+                  <a:srgbClr val="1E3A5F"/>
+                </a:solidFill>
                 <a:latin typeface="Helvetica Neue"/>
                 <a:ea typeface="Helvetica Neue"/>
                 <a:cs typeface="Helvetica Neue"/>
@@ -3175,21 +3193,21 @@
           </a:lstStyle>
           <a:p>
             <a:r>
-              <a:t>Alexandro Moreno</a:t>
+              <a:t>Emma</a:t>
             </a:r>
           </a:p>
         </p:txBody>
       </p:sp>
       <p:sp>
         <p:nvSpPr>
-          <p:cNvPr id="874" name="web-Designer"/>
+          <p:cNvPr id="314" name="I am an experienced and passionate UX/UI Designer with over 8 years of expertise in creating intuitive, user-centered designs that enhance both user engagement and business outcomes. Throughout my career, I have led design teams and collaborated closely "/>
           <p:cNvSpPr txBox="1"/>
           <p:nvPr/>
         </p:nvSpPr>
         <p:spPr>
           <a:xfrm>
-            <a:off x="506889" y="1516915"/>
-            <a:ext cx="2994420" cy="287436"/>
+            <a:off x="3898405" y="2686528"/>
+            <a:ext cx="3609022" cy="1926491"/>
           </a:xfrm>
           <a:prstGeom prst="rect">
             <a:avLst/>
@@ -3199,18 +3217,21 @@
           </a:ln>
           <a:extLst>
             <a:ext uri="{C572A759-6A51-4108-AA02-DFA0A04FC94B}">
-              <ma14:wrappingTextBoxFlag xmlns="" xmlns:m="http://schemas.openxmlformats.org/officeDocument/2006/math" xmlns:a14="http://schemas.microsoft.com/office/drawing/2010/main" xmlns:ma14="http://schemas.microsoft.com/office/mac/drawingml/2011/main" val="1"/>
+              <ma14:wrappingTextBoxFlag xmlns:ma14="http://schemas.microsoft.com/office/mac/drawingml/2011/main" xmlns:a14="http://schemas.microsoft.com/office/drawing/2010/main" xmlns:m="http://schemas.openxmlformats.org/officeDocument/2006/math" xmlns="" val="1"/>
             </a:ext>
           </a:extLst>
         </p:spPr>
         <p:txBody>
           <a:bodyPr lIns="0" tIns="0" rIns="0" bIns="0"/>
           <a:lstStyle>
-            <a:lvl1pPr defTabSz="457200">
-              <a:tabLst>
-                <a:tab pos="228600" algn="l"/>
-              </a:tabLst>
-              <a:defRPr sz="1200" cap="all" spc="300">
+            <a:lvl1pPr algn="just" defTabSz="457200">
+              <a:lnSpc>
+                <a:spcPct val="130000"/>
+              </a:lnSpc>
+              <a:defRPr sz="1000">
+                <a:solidFill>
+                  <a:srgbClr val="333333"/>
+                </a:solidFill>
                 <a:latin typeface="Helvetica Neue Light"/>
                 <a:ea typeface="Helvetica Neue Light"/>
                 <a:cs typeface="Helvetica Neue Light"/>
@@ -3220,64 +3241,69 @@
           </a:lstStyle>
           <a:p>
             <a:r>
-              <a:t>web-Designer</a:t>
+              <a:t>I am an experienced and passionate UX/UI Designer with over 8 years of expertise in creating intuitive, user-centered designs that enhance both user engagement and business outcomes. Throughout my career, I have led design teams and collaborated closely with product managers and developers to ensure seamless, efficient, and visually appealing user experiences.</a:t>
             </a:r>
           </a:p>
         </p:txBody>
       </p:sp>
       <p:sp>
         <p:nvSpPr>
-          <p:cNvPr id="875" name="Прямоугольник"/>
-          <p:cNvSpPr/>
+          <p:cNvPr id="315" name="About ME"/>
+          <p:cNvSpPr txBox="1"/>
           <p:nvPr/>
         </p:nvSpPr>
         <p:spPr>
-          <a:xfrm>
-            <a:off x="3251968" y="2268088"/>
-            <a:ext cx="4114518" cy="391137"/>
+          <a:xfrm rot="16200000">
+            <a:off x="2321813" y="3451482"/>
+            <a:ext cx="2020015" cy="447383"/>
           </a:xfrm>
           <a:prstGeom prst="rect">
             <a:avLst/>
           </a:prstGeom>
           <a:solidFill>
-            <a:srgbClr val="D5BDAF"/>
+            <a:srgbClr val="D1232A"/>
           </a:solidFill>
           <a:ln w="12700">
-            <a:solidFill>
-              <a:srgbClr val="EDEDE9"/>
-            </a:solidFill>
             <a:miter lim="400000"/>
           </a:ln>
+          <a:extLst>
+            <a:ext uri="{C572A759-6A51-4108-AA02-DFA0A04FC94B}">
+              <ma14:wrappingTextBoxFlag xmlns:ma14="http://schemas.microsoft.com/office/mac/drawingml/2011/main" xmlns:a14="http://schemas.microsoft.com/office/drawing/2010/main" xmlns:m="http://schemas.openxmlformats.org/officeDocument/2006/math" xmlns="" val="1"/>
+            </a:ext>
+          </a:extLst>
         </p:spPr>
         <p:txBody>
           <a:bodyPr lIns="50800" tIns="50800" rIns="50800" bIns="50800" anchor="ctr"/>
-          <a:lstStyle/>
-          <a:p>
-            <a:pPr algn="ctr" defTabSz="584200">
-              <a:defRPr sz="1200">
+          <a:lstStyle>
+            <a:lvl1pPr algn="ctr" defTabSz="457200">
+              <a:defRPr sz="1300" cap="all" spc="455">
                 <a:solidFill>
                   <a:srgbClr val="FFFFFF"/>
                 </a:solidFill>
-                <a:latin typeface="Helvetica Neue Medium"/>
-                <a:ea typeface="Helvetica Neue Medium"/>
-                <a:cs typeface="Helvetica Neue Medium"/>
-                <a:sym typeface="Helvetica Neue Medium"/>
+                <a:latin typeface="Helvetica Neue"/>
+                <a:ea typeface="Helvetica Neue"/>
+                <a:cs typeface="Helvetica Neue"/>
+                <a:sym typeface="Helvetica Neue"/>
               </a:defRPr>
-            </a:pPr>
-            <a:endParaRPr/>
+            </a:lvl1pPr>
+          </a:lstStyle>
+          <a:p>
+            <a:r>
+              <a:t>About ME</a:t>
+            </a:r>
           </a:p>
         </p:txBody>
       </p:sp>
       <p:sp>
         <p:nvSpPr>
-          <p:cNvPr id="876" name="Experience"/>
+          <p:cNvPr id="316" name="Responsibilities:…"/>
           <p:cNvSpPr txBox="1"/>
           <p:nvPr/>
         </p:nvSpPr>
         <p:spPr>
           <a:xfrm>
-            <a:off x="3840308" y="2313333"/>
-            <a:ext cx="2937838" cy="287436"/>
+            <a:off x="3878085" y="5515435"/>
+            <a:ext cx="3609022" cy="1351038"/>
           </a:xfrm>
           <a:prstGeom prst="rect">
             <a:avLst/>
@@ -3287,7 +3313,123 @@
           </a:ln>
           <a:extLst>
             <a:ext uri="{C572A759-6A51-4108-AA02-DFA0A04FC94B}">
-              <ma14:wrappingTextBoxFlag xmlns="" xmlns:m="http://schemas.openxmlformats.org/officeDocument/2006/math" xmlns:a14="http://schemas.microsoft.com/office/drawing/2010/main" xmlns:ma14="http://schemas.microsoft.com/office/mac/drawingml/2011/main" val="1"/>
+              <ma14:wrappingTextBoxFlag xmlns:ma14="http://schemas.microsoft.com/office/mac/drawingml/2011/main" xmlns:a14="http://schemas.microsoft.com/office/drawing/2010/main" xmlns:m="http://schemas.openxmlformats.org/officeDocument/2006/math" xmlns="" val="1"/>
+            </a:ext>
+          </a:extLst>
+        </p:spPr>
+        <p:txBody>
+          <a:bodyPr lIns="0" tIns="0" rIns="0" bIns="0"/>
+          <a:lstStyle/>
+          <a:p>
+            <a:pPr algn="just" defTabSz="457200">
+              <a:lnSpc>
+                <a:spcPct val="130000"/>
+              </a:lnSpc>
+              <a:defRPr sz="1000">
+                <a:solidFill>
+                  <a:srgbClr val="333333"/>
+                </a:solidFill>
+                <a:latin typeface="Helvetica Neue Light"/>
+                <a:ea typeface="Helvetica Neue Light"/>
+                <a:cs typeface="Helvetica Neue Light"/>
+                <a:sym typeface="Helvetica Neue Light"/>
+              </a:defRPr>
+            </a:pPr>
+            <a:r>
+              <a:rPr b="1">
+                <a:latin typeface="Helvetica Neue"/>
+                <a:ea typeface="Helvetica Neue"/>
+                <a:cs typeface="Helvetica Neue"/>
+                <a:sym typeface="Helvetica Neue"/>
+              </a:rPr>
+              <a:t>Responsibilities</a:t>
+            </a:r>
+            <a:r>
+              <a:t>:</a:t>
+            </a:r>
+          </a:p>
+          <a:p>
+            <a:pPr algn="just" defTabSz="457200">
+              <a:lnSpc>
+                <a:spcPct val="130000"/>
+              </a:lnSpc>
+              <a:defRPr sz="1000">
+                <a:solidFill>
+                  <a:srgbClr val="333333"/>
+                </a:solidFill>
+                <a:latin typeface="Helvetica Neue Light"/>
+                <a:ea typeface="Helvetica Neue Light"/>
+                <a:cs typeface="Helvetica Neue Light"/>
+                <a:sym typeface="Helvetica Neue Light"/>
+              </a:defRPr>
+            </a:pPr>
+            <a:r>
+              <a:t>- Led a team of designers in the development of user-centric designs for various clients.</a:t>
+            </a:r>
+          </a:p>
+          <a:p>
+            <a:pPr algn="just" defTabSz="457200">
+              <a:lnSpc>
+                <a:spcPct val="130000"/>
+              </a:lnSpc>
+              <a:defRPr sz="1000">
+                <a:solidFill>
+                  <a:srgbClr val="333333"/>
+                </a:solidFill>
+                <a:latin typeface="Helvetica Neue Light"/>
+                <a:ea typeface="Helvetica Neue Light"/>
+                <a:cs typeface="Helvetica Neue Light"/>
+                <a:sym typeface="Helvetica Neue Light"/>
+              </a:defRPr>
+            </a:pPr>
+            <a:r>
+              <a:t>- Collaborated with product managers to define user requirements and design solutions.</a:t>
+            </a:r>
+          </a:p>
+          <a:p>
+            <a:pPr algn="just" defTabSz="457200">
+              <a:lnSpc>
+                <a:spcPct val="130000"/>
+              </a:lnSpc>
+              <a:defRPr sz="1000">
+                <a:solidFill>
+                  <a:srgbClr val="333333"/>
+                </a:solidFill>
+                <a:latin typeface="Helvetica Neue Light"/>
+                <a:ea typeface="Helvetica Neue Light"/>
+                <a:cs typeface="Helvetica Neue Light"/>
+                <a:sym typeface="Helvetica Neue Light"/>
+              </a:defRPr>
+            </a:pPr>
+            <a:r>
+              <a:t>- Enhanced user engagement by improving navigation and user flow.</a:t>
+            </a:r>
+          </a:p>
+        </p:txBody>
+      </p:sp>
+      <p:sp>
+        <p:nvSpPr>
+          <p:cNvPr id="317" name="Experience"/>
+          <p:cNvSpPr txBox="1"/>
+          <p:nvPr/>
+        </p:nvSpPr>
+        <p:spPr>
+          <a:xfrm rot="16200000">
+            <a:off x="2267690" y="5932039"/>
+            <a:ext cx="2128262" cy="447383"/>
+          </a:xfrm>
+          <a:prstGeom prst="rect">
+            <a:avLst/>
+          </a:prstGeom>
+          <a:solidFill>
+            <a:srgbClr val="D1232A"/>
+          </a:solidFill>
+          <a:ln w="12700">
+            <a:miter lim="400000"/>
+          </a:ln>
+          <a:extLst>
+            <a:ext uri="{C572A759-6A51-4108-AA02-DFA0A04FC94B}">
+              <ma14:wrappingTextBoxFlag xmlns:ma14="http://schemas.microsoft.com/office/mac/drawingml/2011/main" xmlns:a14="http://schemas.microsoft.com/office/drawing/2010/main" xmlns:m="http://schemas.openxmlformats.org/officeDocument/2006/math" xmlns="" val="1"/>
             </a:ext>
           </a:extLst>
         </p:spPr>
@@ -3295,51 +3437,189 @@
           <a:bodyPr lIns="50800" tIns="50800" rIns="50800" bIns="50800" anchor="ctr"/>
           <a:lstStyle>
             <a:lvl1pPr algn="ctr" defTabSz="457200">
-              <a:tabLst>
-                <a:tab pos="228600" algn="l"/>
-              </a:tabLst>
-              <a:defRPr sz="1000" cap="all" spc="250">
+              <a:defRPr sz="1300" cap="all" spc="403">
                 <a:solidFill>
                   <a:srgbClr val="FFFFFF"/>
                 </a:solidFill>
-                <a:latin typeface="Helvetica Neue Light"/>
-                <a:ea typeface="Helvetica Neue Light"/>
-                <a:cs typeface="Helvetica Neue Light"/>
-                <a:sym typeface="Helvetica Neue Light"/>
+                <a:latin typeface="Helvetica Neue"/>
+                <a:ea typeface="Helvetica Neue"/>
+                <a:cs typeface="Helvetica Neue"/>
+                <a:sym typeface="Helvetica Neue"/>
               </a:defRPr>
             </a:lvl1pPr>
           </a:lstStyle>
           <a:p>
             <a:r>
               <a:t>Experience</a:t>
+            </a:r>
+          </a:p>
+        </p:txBody>
+      </p:sp>
+      <p:sp>
+        <p:nvSpPr>
+          <p:cNvPr id="318" name="Your Position Here"/>
+          <p:cNvSpPr txBox="1"/>
+          <p:nvPr/>
+        </p:nvSpPr>
+        <p:spPr>
+          <a:xfrm>
+            <a:off x="3878085" y="5109555"/>
+            <a:ext cx="3609022" cy="164368"/>
+          </a:xfrm>
+          <a:prstGeom prst="rect">
+            <a:avLst/>
+          </a:prstGeom>
+          <a:ln w="12700">
+            <a:miter lim="400000"/>
+          </a:ln>
+          <a:extLst>
+            <a:ext uri="{C572A759-6A51-4108-AA02-DFA0A04FC94B}">
+              <ma14:wrappingTextBoxFlag xmlns:ma14="http://schemas.microsoft.com/office/mac/drawingml/2011/main" xmlns:a14="http://schemas.microsoft.com/office/drawing/2010/main" xmlns:m="http://schemas.openxmlformats.org/officeDocument/2006/math" xmlns="" val="1"/>
+            </a:ext>
+          </a:extLst>
+        </p:spPr>
+        <p:txBody>
+          <a:bodyPr lIns="0" tIns="0" rIns="0" bIns="0"/>
+          <a:lstStyle>
+            <a:lvl1pPr defTabSz="457200">
+              <a:lnSpc>
+                <a:spcPct val="120000"/>
+              </a:lnSpc>
+              <a:defRPr sz="1000" b="1" cap="all" spc="50">
+                <a:solidFill>
+                  <a:srgbClr val="1D3557"/>
+                </a:solidFill>
+                <a:latin typeface="Helvetica Neue"/>
+                <a:ea typeface="Helvetica Neue"/>
+                <a:cs typeface="Helvetica Neue"/>
+                <a:sym typeface="Helvetica Neue"/>
+              </a:defRPr>
+            </a:lvl1pPr>
+          </a:lstStyle>
+          <a:p>
+            <a:r>
+              <a:t>Your Position Here</a:t>
+            </a:r>
+          </a:p>
+        </p:txBody>
+      </p:sp>
+      <p:sp>
+        <p:nvSpPr>
+          <p:cNvPr id="319" name="Company Name | Location | Dates of Employment"/>
+          <p:cNvSpPr txBox="1"/>
+          <p:nvPr/>
+        </p:nvSpPr>
+        <p:spPr>
+          <a:xfrm>
+            <a:off x="3878085" y="5280376"/>
+            <a:ext cx="3609022" cy="228605"/>
+          </a:xfrm>
+          <a:prstGeom prst="rect">
+            <a:avLst/>
+          </a:prstGeom>
+          <a:ln w="12700">
+            <a:miter lim="400000"/>
+          </a:ln>
+          <a:extLst>
+            <a:ext uri="{C572A759-6A51-4108-AA02-DFA0A04FC94B}">
+              <ma14:wrappingTextBoxFlag xmlns:ma14="http://schemas.microsoft.com/office/mac/drawingml/2011/main" xmlns:a14="http://schemas.microsoft.com/office/drawing/2010/main" xmlns:m="http://schemas.openxmlformats.org/officeDocument/2006/math" xmlns="" val="1"/>
+            </a:ext>
+          </a:extLst>
+        </p:spPr>
+        <p:txBody>
+          <a:bodyPr lIns="0" tIns="0" rIns="0" bIns="0"/>
+          <a:lstStyle>
+            <a:lvl1pPr defTabSz="457200">
+              <a:lnSpc>
+                <a:spcPct val="120000"/>
+              </a:lnSpc>
+              <a:defRPr sz="1000" cap="all">
+                <a:solidFill>
+                  <a:srgbClr val="333333"/>
+                </a:solidFill>
+                <a:latin typeface="Helvetica Neue"/>
+                <a:ea typeface="Helvetica Neue"/>
+                <a:cs typeface="Helvetica Neue"/>
+                <a:sym typeface="Helvetica Neue"/>
+              </a:defRPr>
+            </a:lvl1pPr>
+          </a:lstStyle>
+          <a:p>
+            <a:r>
+              <a:t>Company Name | Location | Dates of Employment</a:t>
+            </a:r>
+          </a:p>
+        </p:txBody>
+      </p:sp>
+      <p:sp>
+        <p:nvSpPr>
+          <p:cNvPr id="320" name="Contacts"/>
+          <p:cNvSpPr txBox="1"/>
+          <p:nvPr/>
+        </p:nvSpPr>
+        <p:spPr>
+          <a:xfrm>
+            <a:off x="643835" y="2094059"/>
+            <a:ext cx="2298662" cy="447383"/>
+          </a:xfrm>
+          <a:prstGeom prst="rect">
+            <a:avLst/>
+          </a:prstGeom>
+          <a:ln w="12700">
+            <a:miter lim="400000"/>
+          </a:ln>
+          <a:extLst>
+            <a:ext uri="{C572A759-6A51-4108-AA02-DFA0A04FC94B}">
+              <ma14:wrappingTextBoxFlag xmlns:ma14="http://schemas.microsoft.com/office/mac/drawingml/2011/main" xmlns:a14="http://schemas.microsoft.com/office/drawing/2010/main" xmlns:m="http://schemas.openxmlformats.org/officeDocument/2006/math" xmlns="" val="1"/>
+            </a:ext>
+          </a:extLst>
+        </p:spPr>
+        <p:txBody>
+          <a:bodyPr lIns="50800" tIns="50800" rIns="50800" bIns="50800" anchor="ctr"/>
+          <a:lstStyle>
+            <a:lvl1pPr defTabSz="457200">
+              <a:defRPr sz="1300" cap="all" spc="455">
+                <a:solidFill>
+                  <a:srgbClr val="FFFFFF"/>
+                </a:solidFill>
+                <a:latin typeface="Helvetica Neue"/>
+                <a:ea typeface="Helvetica Neue"/>
+                <a:cs typeface="Helvetica Neue"/>
+                <a:sym typeface="Helvetica Neue"/>
+              </a:defRPr>
+            </a:lvl1pPr>
+          </a:lstStyle>
+          <a:p>
+            <a:r>
+              <a:t>Contacts</a:t>
             </a:r>
           </a:p>
         </p:txBody>
       </p:sp>
       <p:grpSp>
         <p:nvGrpSpPr>
-          <p:cNvPr id="885" name="Сгруппировать"/>
+          <p:cNvPr id="330" name="Group"/>
           <p:cNvGrpSpPr/>
           <p:nvPr/>
         </p:nvGrpSpPr>
         <p:grpSpPr>
           <a:xfrm>
-            <a:off x="3237067" y="4075862"/>
-            <a:ext cx="4129419" cy="1783183"/>
+            <a:off x="643835" y="2788099"/>
+            <a:ext cx="2114917" cy="1537665"/>
             <a:chOff x="0" y="0"/>
-            <a:chExt cx="4129417" cy="1783181"/>
+            <a:chExt cx="2114915" cy="1537663"/>
           </a:xfrm>
         </p:grpSpPr>
         <p:sp>
           <p:nvSpPr>
-            <p:cNvPr id="877" name="Product designer"/>
+            <p:cNvPr id="321" name="123 Main St, New York, NY"/>
             <p:cNvSpPr txBox="1"/>
             <p:nvPr/>
           </p:nvSpPr>
           <p:spPr>
             <a:xfrm>
-              <a:off x="0" y="0"/>
-              <a:ext cx="1717137" cy="264143"/>
+              <a:off x="366269" y="1249393"/>
+              <a:ext cx="1525930" cy="288271"/>
             </a:xfrm>
             <a:prstGeom prst="rect">
               <a:avLst/>
@@ -3352,41 +3632,44 @@
             <a:effectLst/>
             <a:extLst>
               <a:ext uri="{C572A759-6A51-4108-AA02-DFA0A04FC94B}">
-                <ma14:wrappingTextBoxFlag xmlns="" xmlns:m="http://schemas.openxmlformats.org/officeDocument/2006/math" xmlns:a14="http://schemas.microsoft.com/office/drawing/2010/main" xmlns:ma14="http://schemas.microsoft.com/office/mac/drawingml/2011/main" val="1"/>
+                <ma14:wrappingTextBoxFlag xmlns:ma14="http://schemas.microsoft.com/office/mac/drawingml/2011/main" xmlns:a14="http://schemas.microsoft.com/office/drawing/2010/main" xmlns:m="http://schemas.openxmlformats.org/officeDocument/2006/math" xmlns="" val="1"/>
               </a:ext>
             </a:extLst>
           </p:spPr>
           <p:txBody>
-            <a:bodyPr wrap="square" lIns="0" tIns="0" rIns="0" bIns="0" numCol="1" anchor="ctr">
+            <a:bodyPr wrap="square" lIns="50800" tIns="50800" rIns="50800" bIns="50800" numCol="1" anchor="t">
               <a:noAutofit/>
             </a:bodyPr>
             <a:lstStyle>
               <a:lvl1pPr defTabSz="457200">
-                <a:defRPr sz="900" cap="all" spc="45">
-                  <a:latin typeface="Helvetica Neue Medium"/>
-                  <a:ea typeface="Helvetica Neue Medium"/>
-                  <a:cs typeface="Helvetica Neue Medium"/>
-                  <a:sym typeface="Helvetica Neue Medium"/>
+                <a:defRPr sz="900">
+                  <a:solidFill>
+                    <a:srgbClr val="FFFFFF"/>
+                  </a:solidFill>
+                  <a:latin typeface="Helvetica Neue"/>
+                  <a:ea typeface="Helvetica Neue"/>
+                  <a:cs typeface="Helvetica Neue"/>
+                  <a:sym typeface="Helvetica Neue"/>
                 </a:defRPr>
               </a:lvl1pPr>
             </a:lstStyle>
             <a:p>
               <a:r>
-                <a:t>Product designer</a:t>
+                <a:t>123 Main St, New York, NY</a:t>
               </a:r>
             </a:p>
           </p:txBody>
         </p:sp>
         <p:sp>
           <p:nvSpPr>
-            <p:cNvPr id="878" name="Company name | Location"/>
+            <p:cNvPr id="322" name="+1234 567 890"/>
             <p:cNvSpPr txBox="1"/>
             <p:nvPr/>
           </p:nvSpPr>
           <p:spPr>
             <a:xfrm>
-              <a:off x="2759" y="211294"/>
-              <a:ext cx="1860093" cy="264143"/>
+              <a:off x="366269" y="0"/>
+              <a:ext cx="1328520" cy="288270"/>
             </a:xfrm>
             <a:prstGeom prst="rect">
               <a:avLst/>
@@ -3399,17 +3682,20 @@
             <a:effectLst/>
             <a:extLst>
               <a:ext uri="{C572A759-6A51-4108-AA02-DFA0A04FC94B}">
-                <ma14:wrappingTextBoxFlag xmlns="" xmlns:m="http://schemas.openxmlformats.org/officeDocument/2006/math" xmlns:a14="http://schemas.microsoft.com/office/drawing/2010/main" xmlns:ma14="http://schemas.microsoft.com/office/mac/drawingml/2011/main" val="1"/>
+                <ma14:wrappingTextBoxFlag xmlns:ma14="http://schemas.microsoft.com/office/mac/drawingml/2011/main" xmlns:a14="http://schemas.microsoft.com/office/drawing/2010/main" xmlns:m="http://schemas.openxmlformats.org/officeDocument/2006/math" xmlns="" val="1"/>
               </a:ext>
             </a:extLst>
           </p:spPr>
           <p:txBody>
-            <a:bodyPr wrap="square" lIns="0" tIns="0" rIns="0" bIns="0" numCol="1" anchor="ctr">
+            <a:bodyPr wrap="square" lIns="50800" tIns="50800" rIns="50800" bIns="50800" numCol="1" anchor="ctr">
               <a:noAutofit/>
             </a:bodyPr>
             <a:lstStyle>
               <a:lvl1pPr defTabSz="457200">
-                <a:defRPr sz="900" i="1">
+                <a:defRPr sz="900">
+                  <a:solidFill>
+                    <a:srgbClr val="FFFFFF"/>
+                  </a:solidFill>
                   <a:latin typeface="Helvetica Neue"/>
                   <a:ea typeface="Helvetica Neue"/>
                   <a:cs typeface="Helvetica Neue"/>
@@ -3419,21 +3705,21 @@
             </a:lstStyle>
             <a:p>
               <a:r>
-                <a:t>Company name | Location</a:t>
+                <a:t>+1234 567 890</a:t>
               </a:r>
             </a:p>
           </p:txBody>
         </p:sp>
         <p:sp>
           <p:nvSpPr>
-            <p:cNvPr id="879" name="2016-2018"/>
+            <p:cNvPr id="323" name="youremail@mail.com"/>
             <p:cNvSpPr txBox="1"/>
             <p:nvPr/>
           </p:nvSpPr>
           <p:spPr>
             <a:xfrm>
-              <a:off x="2269324" y="0"/>
-              <a:ext cx="1860094" cy="264143"/>
+              <a:off x="366269" y="351362"/>
+              <a:ext cx="1748647" cy="288270"/>
             </a:xfrm>
             <a:prstGeom prst="rect">
               <a:avLst/>
@@ -3446,41 +3732,44 @@
             <a:effectLst/>
             <a:extLst>
               <a:ext uri="{C572A759-6A51-4108-AA02-DFA0A04FC94B}">
-                <ma14:wrappingTextBoxFlag xmlns="" xmlns:m="http://schemas.openxmlformats.org/officeDocument/2006/math" xmlns:a14="http://schemas.microsoft.com/office/drawing/2010/main" xmlns:ma14="http://schemas.microsoft.com/office/mac/drawingml/2011/main" val="1"/>
+                <ma14:wrappingTextBoxFlag xmlns:ma14="http://schemas.microsoft.com/office/mac/drawingml/2011/main" xmlns:a14="http://schemas.microsoft.com/office/drawing/2010/main" xmlns:m="http://schemas.openxmlformats.org/officeDocument/2006/math" xmlns="" val="1"/>
               </a:ext>
             </a:extLst>
           </p:spPr>
           <p:txBody>
-            <a:bodyPr wrap="square" lIns="0" tIns="0" rIns="0" bIns="0" numCol="1" anchor="ctr">
+            <a:bodyPr wrap="square" lIns="50800" tIns="50800" rIns="50800" bIns="50800" numCol="1" anchor="ctr">
               <a:noAutofit/>
             </a:bodyPr>
             <a:lstStyle>
-              <a:lvl1pPr algn="r" defTabSz="457200">
+              <a:lvl1pPr defTabSz="457200">
                 <a:defRPr sz="900">
-                  <a:latin typeface="Helvetica Neue Light"/>
-                  <a:ea typeface="Helvetica Neue Light"/>
-                  <a:cs typeface="Helvetica Neue Light"/>
-                  <a:sym typeface="Helvetica Neue Light"/>
+                  <a:solidFill>
+                    <a:srgbClr val="FFFFFF"/>
+                  </a:solidFill>
+                  <a:latin typeface="Helvetica Neue"/>
+                  <a:ea typeface="Helvetica Neue"/>
+                  <a:cs typeface="Helvetica Neue"/>
+                  <a:sym typeface="Helvetica Neue"/>
                 </a:defRPr>
               </a:lvl1pPr>
             </a:lstStyle>
             <a:p>
               <a:r>
-                <a:t>2016-2018</a:t>
+                <a:t>youremail@mail.com</a:t>
               </a:r>
             </a:p>
           </p:txBody>
         </p:sp>
         <p:sp>
           <p:nvSpPr>
-            <p:cNvPr id="880" name="Lorem ipsum dolor sit amet, consectetur adipiscing elit. Aliquam ac bibendum dui. Proin convallis libero id diam porta, facilisis varius velit tempus. Mauris semper, sem sit amet semper porttitor, lectus enim vehicula enim, vel scelerisque metus ligula i"/>
+            <p:cNvPr id="324" name="www.yourwebsite.com"/>
             <p:cNvSpPr txBox="1"/>
             <p:nvPr/>
           </p:nvSpPr>
           <p:spPr>
             <a:xfrm>
-              <a:off x="0" y="475436"/>
-              <a:ext cx="4129418" cy="660308"/>
+              <a:off x="366269" y="707665"/>
+              <a:ext cx="1748647" cy="288270"/>
             </a:xfrm>
             <a:prstGeom prst="rect">
               <a:avLst/>
@@ -3493,44 +3782,44 @@
             <a:effectLst/>
             <a:extLst>
               <a:ext uri="{C572A759-6A51-4108-AA02-DFA0A04FC94B}">
-                <ma14:wrappingTextBoxFlag xmlns="" xmlns:m="http://schemas.openxmlformats.org/officeDocument/2006/math" xmlns:a14="http://schemas.microsoft.com/office/drawing/2010/main" xmlns:ma14="http://schemas.microsoft.com/office/mac/drawingml/2011/main" val="1"/>
+                <ma14:wrappingTextBoxFlag xmlns:ma14="http://schemas.microsoft.com/office/mac/drawingml/2011/main" xmlns:a14="http://schemas.microsoft.com/office/drawing/2010/main" xmlns:m="http://schemas.openxmlformats.org/officeDocument/2006/math" xmlns="" val="1"/>
               </a:ext>
             </a:extLst>
           </p:spPr>
           <p:txBody>
-            <a:bodyPr wrap="square" lIns="0" tIns="0" rIns="0" bIns="0" numCol="1" anchor="t">
+            <a:bodyPr wrap="square" lIns="50800" tIns="50800" rIns="50800" bIns="50800" numCol="1" anchor="ctr">
               <a:noAutofit/>
             </a:bodyPr>
             <a:lstStyle>
-              <a:lvl1pPr algn="just" defTabSz="457200">
-                <a:lnSpc>
-                  <a:spcPct val="120000"/>
-                </a:lnSpc>
-                <a:defRPr sz="800">
-                  <a:latin typeface="Helvetica Neue Light"/>
-                  <a:ea typeface="Helvetica Neue Light"/>
-                  <a:cs typeface="Helvetica Neue Light"/>
-                  <a:sym typeface="Helvetica Neue Light"/>
+              <a:lvl1pPr defTabSz="457200">
+                <a:defRPr sz="900">
+                  <a:solidFill>
+                    <a:srgbClr val="FFFFFF"/>
+                  </a:solidFill>
+                  <a:latin typeface="Helvetica Neue"/>
+                  <a:ea typeface="Helvetica Neue"/>
+                  <a:cs typeface="Helvetica Neue"/>
+                  <a:sym typeface="Helvetica Neue"/>
                 </a:defRPr>
               </a:lvl1pPr>
             </a:lstStyle>
             <a:p>
               <a:r>
-                <a:t>Lorem ipsum dolor sit amet, consectetur adipiscing elit. Aliquam ac bibendum dui. Proin convallis libero id diam porta, facilisis varius velit tempus. Mauris semper, sem sit amet semper porttitor, lectus enim vehicula enim, vel scelerisque metus ligula id nibh. Nullam vitae sem fermentum, dignissim dui eget, luctus ex.</a:t>
+                <a:t>www.yourwebsite.com</a:t>
               </a:r>
             </a:p>
           </p:txBody>
         </p:sp>
         <p:sp>
           <p:nvSpPr>
-            <p:cNvPr id="881" name="Lorem ipsum dolor sit amet, consectetur adipiscing elit. Aliquam ac bibendum dui. Proin convallis libero id diam porta, facilisis varius velit tempus."/>
+            <p:cNvPr id="325" name="Country, Zip Postal Code"/>
             <p:cNvSpPr txBox="1"/>
             <p:nvPr/>
           </p:nvSpPr>
           <p:spPr>
             <a:xfrm>
-              <a:off x="409231" y="1162511"/>
-              <a:ext cx="3720187" cy="290518"/>
+              <a:off x="366269" y="1047195"/>
+              <a:ext cx="1525930" cy="288270"/>
             </a:xfrm>
             <a:prstGeom prst="rect">
               <a:avLst/>
@@ -3543,267 +3832,20 @@
             <a:effectLst/>
             <a:extLst>
               <a:ext uri="{C572A759-6A51-4108-AA02-DFA0A04FC94B}">
-                <ma14:wrappingTextBoxFlag xmlns="" xmlns:m="http://schemas.openxmlformats.org/officeDocument/2006/math" xmlns:a14="http://schemas.microsoft.com/office/drawing/2010/main" xmlns:ma14="http://schemas.microsoft.com/office/mac/drawingml/2011/main" val="1"/>
+                <ma14:wrappingTextBoxFlag xmlns:ma14="http://schemas.microsoft.com/office/mac/drawingml/2011/main" xmlns:a14="http://schemas.microsoft.com/office/drawing/2010/main" xmlns:m="http://schemas.openxmlformats.org/officeDocument/2006/math" xmlns="" val="1"/>
               </a:ext>
             </a:extLst>
           </p:spPr>
           <p:txBody>
-            <a:bodyPr wrap="square" lIns="0" tIns="0" rIns="0" bIns="0" numCol="1" anchor="t">
-              <a:noAutofit/>
-            </a:bodyPr>
-            <a:lstStyle>
-              <a:lvl1pPr algn="just" defTabSz="457200">
-                <a:lnSpc>
-                  <a:spcPct val="120000"/>
-                </a:lnSpc>
-                <a:defRPr sz="800">
-                  <a:latin typeface="Helvetica Neue Light"/>
-                  <a:ea typeface="Helvetica Neue Light"/>
-                  <a:cs typeface="Helvetica Neue Light"/>
-                  <a:sym typeface="Helvetica Neue Light"/>
-                </a:defRPr>
-              </a:lvl1pPr>
-            </a:lstStyle>
-            <a:p>
-              <a:r>
-                <a:t>Lorem ipsum dolor sit amet, consectetur adipiscing elit. Aliquam ac bibendum dui. Proin convallis libero id diam porta, facilisis varius velit tempus.</a:t>
-              </a:r>
-            </a:p>
-          </p:txBody>
-        </p:sp>
-        <p:sp>
-          <p:nvSpPr>
-            <p:cNvPr id="882" name="Кружок"/>
-            <p:cNvSpPr/>
-            <p:nvPr/>
-          </p:nvSpPr>
-          <p:spPr>
-            <a:xfrm>
-              <a:off x="295356" y="1215359"/>
-              <a:ext cx="37452" cy="37452"/>
-            </a:xfrm>
-            <a:prstGeom prst="ellipse">
-              <a:avLst/>
-            </a:prstGeom>
-            <a:solidFill>
-              <a:srgbClr val="000000"/>
-            </a:solidFill>
-            <a:ln w="3175" cap="flat">
-              <a:noFill/>
-              <a:miter lim="400000"/>
-            </a:ln>
-            <a:effectLst/>
-          </p:spPr>
-          <p:txBody>
-            <a:bodyPr wrap="square" lIns="50800" tIns="50800" rIns="50800" bIns="50800" numCol="1" anchor="ctr">
-              <a:noAutofit/>
-            </a:bodyPr>
-            <a:lstStyle/>
-            <a:p>
-              <a:pPr algn="ctr" defTabSz="584200">
-                <a:defRPr sz="1200">
-                  <a:solidFill>
-                    <a:srgbClr val="FFFFFF"/>
-                  </a:solidFill>
-                  <a:latin typeface="Helvetica Neue Medium"/>
-                  <a:ea typeface="Helvetica Neue Medium"/>
-                  <a:cs typeface="Helvetica Neue Medium"/>
-                  <a:sym typeface="Helvetica Neue Medium"/>
-                </a:defRPr>
-              </a:pPr>
-              <a:endParaRPr/>
-            </a:p>
-          </p:txBody>
-        </p:sp>
-        <p:sp>
-          <p:nvSpPr>
-            <p:cNvPr id="883" name="Кружок"/>
-            <p:cNvSpPr/>
-            <p:nvPr/>
-          </p:nvSpPr>
-          <p:spPr>
-            <a:xfrm>
-              <a:off x="295356" y="1545512"/>
-              <a:ext cx="37452" cy="37452"/>
-            </a:xfrm>
-            <a:prstGeom prst="ellipse">
-              <a:avLst/>
-            </a:prstGeom>
-            <a:solidFill>
-              <a:srgbClr val="000000"/>
-            </a:solidFill>
-            <a:ln w="3175" cap="flat">
-              <a:noFill/>
-              <a:miter lim="400000"/>
-            </a:ln>
-            <a:effectLst/>
-          </p:spPr>
-          <p:txBody>
-            <a:bodyPr wrap="square" lIns="50800" tIns="50800" rIns="50800" bIns="50800" numCol="1" anchor="ctr">
-              <a:noAutofit/>
-            </a:bodyPr>
-            <a:lstStyle/>
-            <a:p>
-              <a:pPr algn="ctr" defTabSz="584200">
-                <a:defRPr sz="1200">
-                  <a:solidFill>
-                    <a:srgbClr val="FFFFFF"/>
-                  </a:solidFill>
-                  <a:latin typeface="Helvetica Neue Medium"/>
-                  <a:ea typeface="Helvetica Neue Medium"/>
-                  <a:cs typeface="Helvetica Neue Medium"/>
-                  <a:sym typeface="Helvetica Neue Medium"/>
-                </a:defRPr>
-              </a:pPr>
-              <a:endParaRPr/>
-            </a:p>
-          </p:txBody>
-        </p:sp>
-        <p:sp>
-          <p:nvSpPr>
-            <p:cNvPr id="884" name="Lorem ipsum dolor sit amet, consectetur adipiscing elit."/>
-            <p:cNvSpPr txBox="1"/>
-            <p:nvPr/>
-          </p:nvSpPr>
-          <p:spPr>
-            <a:xfrm>
-              <a:off x="409231" y="1492664"/>
-              <a:ext cx="3720187" cy="290518"/>
-            </a:xfrm>
-            <a:prstGeom prst="rect">
-              <a:avLst/>
-            </a:prstGeom>
-            <a:noFill/>
-            <a:ln w="12700" cap="flat">
-              <a:noFill/>
-              <a:miter lim="400000"/>
-            </a:ln>
-            <a:effectLst/>
-            <a:extLst>
-              <a:ext uri="{C572A759-6A51-4108-AA02-DFA0A04FC94B}">
-                <ma14:wrappingTextBoxFlag xmlns="" xmlns:m="http://schemas.openxmlformats.org/officeDocument/2006/math" xmlns:a14="http://schemas.microsoft.com/office/drawing/2010/main" xmlns:ma14="http://schemas.microsoft.com/office/mac/drawingml/2011/main" val="1"/>
-              </a:ext>
-            </a:extLst>
-          </p:spPr>
-          <p:txBody>
-            <a:bodyPr wrap="square" lIns="0" tIns="0" rIns="0" bIns="0" numCol="1" anchor="t">
-              <a:noAutofit/>
-            </a:bodyPr>
-            <a:lstStyle>
-              <a:lvl1pPr algn="just" defTabSz="457200">
-                <a:lnSpc>
-                  <a:spcPct val="120000"/>
-                </a:lnSpc>
-                <a:defRPr sz="800">
-                  <a:latin typeface="Helvetica Neue Light"/>
-                  <a:ea typeface="Helvetica Neue Light"/>
-                  <a:cs typeface="Helvetica Neue Light"/>
-                  <a:sym typeface="Helvetica Neue Light"/>
-                </a:defRPr>
-              </a:lvl1pPr>
-            </a:lstStyle>
-            <a:p>
-              <a:r>
-                <a:t>Lorem ipsum dolor sit amet, consectetur adipiscing elit.</a:t>
-              </a:r>
-            </a:p>
-          </p:txBody>
-        </p:sp>
-      </p:grpSp>
-      <p:grpSp>
-        <p:nvGrpSpPr>
-          <p:cNvPr id="890" name="Сгруппировать"/>
-          <p:cNvGrpSpPr/>
-          <p:nvPr/>
-        </p:nvGrpSpPr>
-        <p:grpSpPr>
-          <a:xfrm>
-            <a:off x="3237067" y="2821468"/>
-            <a:ext cx="4129419" cy="1135744"/>
-            <a:chOff x="0" y="0"/>
-            <a:chExt cx="4129417" cy="1135743"/>
-          </a:xfrm>
-        </p:grpSpPr>
-        <p:sp>
-          <p:nvSpPr>
-            <p:cNvPr id="886" name="Web-designer"/>
-            <p:cNvSpPr txBox="1"/>
-            <p:nvPr/>
-          </p:nvSpPr>
-          <p:spPr>
-            <a:xfrm>
-              <a:off x="0" y="0"/>
-              <a:ext cx="1717137" cy="264143"/>
-            </a:xfrm>
-            <a:prstGeom prst="rect">
-              <a:avLst/>
-            </a:prstGeom>
-            <a:noFill/>
-            <a:ln w="12700" cap="flat">
-              <a:noFill/>
-              <a:miter lim="400000"/>
-            </a:ln>
-            <a:effectLst/>
-            <a:extLst>
-              <a:ext uri="{C572A759-6A51-4108-AA02-DFA0A04FC94B}">
-                <ma14:wrappingTextBoxFlag xmlns="" xmlns:m="http://schemas.openxmlformats.org/officeDocument/2006/math" xmlns:a14="http://schemas.microsoft.com/office/drawing/2010/main" xmlns:ma14="http://schemas.microsoft.com/office/mac/drawingml/2011/main" val="1"/>
-              </a:ext>
-            </a:extLst>
-          </p:spPr>
-          <p:txBody>
-            <a:bodyPr wrap="square" lIns="0" tIns="0" rIns="0" bIns="0" numCol="1" anchor="ctr">
+            <a:bodyPr wrap="square" lIns="50800" tIns="50800" rIns="50800" bIns="50800" numCol="1" anchor="t">
               <a:noAutofit/>
             </a:bodyPr>
             <a:lstStyle>
               <a:lvl1pPr defTabSz="457200">
-                <a:defRPr sz="900" cap="all" spc="45">
-                  <a:latin typeface="Helvetica Neue Medium"/>
-                  <a:ea typeface="Helvetica Neue Medium"/>
-                  <a:cs typeface="Helvetica Neue Medium"/>
-                  <a:sym typeface="Helvetica Neue Medium"/>
-                </a:defRPr>
-              </a:lvl1pPr>
-            </a:lstStyle>
-            <a:p>
-              <a:r>
-                <a:t>Web-designer</a:t>
-              </a:r>
-            </a:p>
-          </p:txBody>
-        </p:sp>
-        <p:sp>
-          <p:nvSpPr>
-            <p:cNvPr id="887" name="Company name | Location"/>
-            <p:cNvSpPr txBox="1"/>
-            <p:nvPr/>
-          </p:nvSpPr>
-          <p:spPr>
-            <a:xfrm>
-              <a:off x="2759" y="211294"/>
-              <a:ext cx="1860093" cy="264143"/>
-            </a:xfrm>
-            <a:prstGeom prst="rect">
-              <a:avLst/>
-            </a:prstGeom>
-            <a:noFill/>
-            <a:ln w="12700" cap="flat">
-              <a:noFill/>
-              <a:miter lim="400000"/>
-            </a:ln>
-            <a:effectLst/>
-            <a:extLst>
-              <a:ext uri="{C572A759-6A51-4108-AA02-DFA0A04FC94B}">
-                <ma14:wrappingTextBoxFlag xmlns="" xmlns:m="http://schemas.openxmlformats.org/officeDocument/2006/math" xmlns:a14="http://schemas.microsoft.com/office/drawing/2010/main" xmlns:ma14="http://schemas.microsoft.com/office/mac/drawingml/2011/main" val="1"/>
-              </a:ext>
-            </a:extLst>
-          </p:spPr>
-          <p:txBody>
-            <a:bodyPr wrap="square" lIns="0" tIns="0" rIns="0" bIns="0" numCol="1" anchor="ctr">
-              <a:noAutofit/>
-            </a:bodyPr>
-            <a:lstStyle>
-              <a:lvl1pPr defTabSz="457200">
-                <a:defRPr sz="900" i="1">
+                <a:defRPr sz="900">
+                  <a:solidFill>
+                    <a:srgbClr val="FFFFFF"/>
+                  </a:solidFill>
                   <a:latin typeface="Helvetica Neue"/>
                   <a:ea typeface="Helvetica Neue"/>
                   <a:cs typeface="Helvetica Neue"/>
@@ -3813,460 +3855,751 @@
             </a:lstStyle>
             <a:p>
               <a:r>
-                <a:t>Company name | Location</a:t>
+                <a:t>Country, Zip Postal Code</a:t>
               </a:r>
             </a:p>
           </p:txBody>
         </p:sp>
-        <p:sp>
-          <p:nvSpPr>
-            <p:cNvPr id="888" name="2016-2018"/>
-            <p:cNvSpPr txBox="1"/>
+        <p:pic>
+          <p:nvPicPr>
+            <p:cNvPr id="326" name="email-100.png" descr="email-100.png"/>
+            <p:cNvPicPr>
+              <a:picLocks noChangeAspect="1"/>
+            </p:cNvPicPr>
             <p:nvPr/>
-          </p:nvSpPr>
+          </p:nvPicPr>
+          <p:blipFill>
+            <a:blip r:embed="rId2"/>
+            <a:srcRect/>
+            <a:stretch>
+              <a:fillRect/>
+            </a:stretch>
+          </p:blipFill>
           <p:spPr>
             <a:xfrm>
-              <a:off x="2269324" y="0"/>
-              <a:ext cx="1860094" cy="264143"/>
+              <a:off x="0" y="372246"/>
+              <a:ext cx="275690" cy="275690"/>
             </a:xfrm>
             <a:prstGeom prst="rect">
               <a:avLst/>
             </a:prstGeom>
-            <a:noFill/>
             <a:ln w="12700" cap="flat">
               <a:noFill/>
               <a:miter lim="400000"/>
             </a:ln>
             <a:effectLst/>
-            <a:extLst>
-              <a:ext uri="{C572A759-6A51-4108-AA02-DFA0A04FC94B}">
-                <ma14:wrappingTextBoxFlag xmlns="" xmlns:m="http://schemas.openxmlformats.org/officeDocument/2006/math" xmlns:a14="http://schemas.microsoft.com/office/drawing/2010/main" xmlns:ma14="http://schemas.microsoft.com/office/mac/drawingml/2011/main" val="1"/>
-              </a:ext>
-            </a:extLst>
           </p:spPr>
-          <p:txBody>
-            <a:bodyPr wrap="square" lIns="0" tIns="0" rIns="0" bIns="0" numCol="1" anchor="ctr">
-              <a:noAutofit/>
-            </a:bodyPr>
-            <a:lstStyle>
-              <a:lvl1pPr algn="r" defTabSz="457200">
-                <a:defRPr sz="900">
-                  <a:latin typeface="Helvetica Neue Light"/>
-                  <a:ea typeface="Helvetica Neue Light"/>
-                  <a:cs typeface="Helvetica Neue Light"/>
-                  <a:sym typeface="Helvetica Neue Light"/>
-                </a:defRPr>
-              </a:lvl1pPr>
-            </a:lstStyle>
-            <a:p>
-              <a:r>
-                <a:t>2016-2018</a:t>
-              </a:r>
-            </a:p>
-          </p:txBody>
-        </p:sp>
-        <p:sp>
-          <p:nvSpPr>
-            <p:cNvPr id="889" name="Lorem ipsum dolor sit amet, consectetur adipiscing elit. Aliquam ac bibendum dui. Proin convallis libero id diam porta, facilisis varius velit tempus. Mauris semper, sem sit amet semper porttitor, lectus enim vehicula enim, vel scelerisque metus ligula i"/>
-            <p:cNvSpPr txBox="1"/>
+        </p:pic>
+        <p:pic>
+          <p:nvPicPr>
+            <p:cNvPr id="327" name="location-100.PNG" descr="location-100.PNG"/>
+            <p:cNvPicPr>
+              <a:picLocks noChangeAspect="1"/>
+            </p:cNvPicPr>
             <p:nvPr/>
-          </p:nvSpPr>
+          </p:nvPicPr>
+          <p:blipFill>
+            <a:blip r:embed="rId3"/>
+            <a:srcRect/>
+            <a:stretch>
+              <a:fillRect/>
+            </a:stretch>
+          </p:blipFill>
           <p:spPr>
             <a:xfrm>
-              <a:off x="0" y="475436"/>
-              <a:ext cx="4129418" cy="660308"/>
+              <a:off x="0" y="1089893"/>
+              <a:ext cx="317353" cy="317354"/>
             </a:xfrm>
             <a:prstGeom prst="rect">
               <a:avLst/>
             </a:prstGeom>
-            <a:noFill/>
             <a:ln w="12700" cap="flat">
               <a:noFill/>
               <a:miter lim="400000"/>
             </a:ln>
             <a:effectLst/>
-            <a:extLst>
-              <a:ext uri="{C572A759-6A51-4108-AA02-DFA0A04FC94B}">
-                <ma14:wrappingTextBoxFlag xmlns="" xmlns:m="http://schemas.openxmlformats.org/officeDocument/2006/math" xmlns:a14="http://schemas.microsoft.com/office/drawing/2010/main" xmlns:ma14="http://schemas.microsoft.com/office/mac/drawingml/2011/main" val="1"/>
-              </a:ext>
-            </a:extLst>
           </p:spPr>
-          <p:txBody>
-            <a:bodyPr wrap="square" lIns="0" tIns="0" rIns="0" bIns="0" numCol="1" anchor="t">
-              <a:noAutofit/>
-            </a:bodyPr>
-            <a:lstStyle>
-              <a:lvl1pPr algn="just" defTabSz="457200">
-                <a:lnSpc>
-                  <a:spcPct val="120000"/>
-                </a:lnSpc>
-                <a:defRPr sz="800">
-                  <a:latin typeface="Helvetica Neue Light"/>
-                  <a:ea typeface="Helvetica Neue Light"/>
-                  <a:cs typeface="Helvetica Neue Light"/>
-                  <a:sym typeface="Helvetica Neue Light"/>
-                </a:defRPr>
-              </a:lvl1pPr>
-            </a:lstStyle>
-            <a:p>
-              <a:r>
-                <a:t>Lorem ipsum dolor sit amet, consectetur adipiscing elit. Aliquam ac bibendum dui. Proin convallis libero id diam porta, facilisis varius velit tempus. Mauris semper, sem sit amet semper porttitor, lectus enim vehicula enim, vel scelerisque metus ligula id nibh. Nullam vitae sem fermentum, dignissim dui eget, luctus ex.</a:t>
-              </a:r>
-            </a:p>
-          </p:txBody>
-        </p:sp>
-      </p:grpSp>
-      <p:grpSp>
-        <p:nvGrpSpPr>
-          <p:cNvPr id="895" name="Сгруппировать"/>
-          <p:cNvGrpSpPr/>
-          <p:nvPr/>
-        </p:nvGrpSpPr>
-        <p:grpSpPr>
-          <a:xfrm>
-            <a:off x="3237067" y="5899869"/>
-            <a:ext cx="4129419" cy="1477179"/>
-            <a:chOff x="0" y="0"/>
-            <a:chExt cx="4129417" cy="1477178"/>
-          </a:xfrm>
-        </p:grpSpPr>
-        <p:sp>
-          <p:nvSpPr>
-            <p:cNvPr id="891" name="Your job position title"/>
-            <p:cNvSpPr txBox="1"/>
+        </p:pic>
+        <p:pic>
+          <p:nvPicPr>
+            <p:cNvPr id="328" name="phone-100.png" descr="phone-100.png"/>
+            <p:cNvPicPr>
+              <a:picLocks noChangeAspect="1"/>
+            </p:cNvPicPr>
             <p:nvPr/>
-          </p:nvSpPr>
+          </p:nvPicPr>
+          <p:blipFill>
+            <a:blip r:embed="rId4"/>
+            <a:srcRect/>
+            <a:stretch>
+              <a:fillRect/>
+            </a:stretch>
+          </p:blipFill>
           <p:spPr>
             <a:xfrm>
-              <a:off x="0" y="0"/>
-              <a:ext cx="1717137" cy="264143"/>
+              <a:off x="0" y="21720"/>
+              <a:ext cx="274017" cy="274017"/>
             </a:xfrm>
             <a:prstGeom prst="rect">
               <a:avLst/>
             </a:prstGeom>
-            <a:noFill/>
             <a:ln w="12700" cap="flat">
               <a:noFill/>
               <a:miter lim="400000"/>
             </a:ln>
             <a:effectLst/>
-            <a:extLst>
-              <a:ext uri="{C572A759-6A51-4108-AA02-DFA0A04FC94B}">
-                <ma14:wrappingTextBoxFlag xmlns="" xmlns:m="http://schemas.openxmlformats.org/officeDocument/2006/math" xmlns:a14="http://schemas.microsoft.com/office/drawing/2010/main" xmlns:ma14="http://schemas.microsoft.com/office/mac/drawingml/2011/main" val="1"/>
-              </a:ext>
-            </a:extLst>
           </p:spPr>
-          <p:txBody>
-            <a:bodyPr wrap="square" lIns="0" tIns="0" rIns="0" bIns="0" numCol="1" anchor="ctr">
-              <a:noAutofit/>
-            </a:bodyPr>
-            <a:lstStyle>
-              <a:lvl1pPr defTabSz="457200">
-                <a:defRPr sz="900" cap="all" spc="45">
-                  <a:latin typeface="Helvetica Neue Medium"/>
-                  <a:ea typeface="Helvetica Neue Medium"/>
-                  <a:cs typeface="Helvetica Neue Medium"/>
-                  <a:sym typeface="Helvetica Neue Medium"/>
-                </a:defRPr>
-              </a:lvl1pPr>
-            </a:lstStyle>
-            <a:p>
-              <a:r>
-                <a:t>Your job position title</a:t>
-              </a:r>
-            </a:p>
-          </p:txBody>
-        </p:sp>
-        <p:sp>
-          <p:nvSpPr>
-            <p:cNvPr id="892" name="Company name | Location"/>
-            <p:cNvSpPr txBox="1"/>
+        </p:pic>
+        <p:pic>
+          <p:nvPicPr>
+            <p:cNvPr id="329" name="www-100.png" descr="www-100.png"/>
+            <p:cNvPicPr>
+              <a:picLocks noChangeAspect="1"/>
+            </p:cNvPicPr>
             <p:nvPr/>
-          </p:nvSpPr>
+          </p:nvPicPr>
+          <p:blipFill>
+            <a:blip r:embed="rId5"/>
+            <a:srcRect/>
+            <a:stretch>
+              <a:fillRect/>
+            </a:stretch>
+          </p:blipFill>
           <p:spPr>
             <a:xfrm>
-              <a:off x="2759" y="211294"/>
-              <a:ext cx="1860093" cy="264143"/>
+              <a:off x="0" y="703513"/>
+              <a:ext cx="295606" cy="295607"/>
             </a:xfrm>
             <a:prstGeom prst="rect">
               <a:avLst/>
             </a:prstGeom>
-            <a:noFill/>
             <a:ln w="12700" cap="flat">
               <a:noFill/>
               <a:miter lim="400000"/>
             </a:ln>
             <a:effectLst/>
-            <a:extLst>
-              <a:ext uri="{C572A759-6A51-4108-AA02-DFA0A04FC94B}">
-                <ma14:wrappingTextBoxFlag xmlns="" xmlns:m="http://schemas.openxmlformats.org/officeDocument/2006/math" xmlns:a14="http://schemas.microsoft.com/office/drawing/2010/main" xmlns:ma14="http://schemas.microsoft.com/office/mac/drawingml/2011/main" val="1"/>
-              </a:ext>
-            </a:extLst>
           </p:spPr>
-          <p:txBody>
-            <a:bodyPr wrap="square" lIns="0" tIns="0" rIns="0" bIns="0" numCol="1" anchor="ctr">
-              <a:noAutofit/>
-            </a:bodyPr>
-            <a:lstStyle>
-              <a:lvl1pPr defTabSz="457200">
-                <a:defRPr sz="900" i="1">
-                  <a:latin typeface="Helvetica Neue"/>
-                  <a:ea typeface="Helvetica Neue"/>
-                  <a:cs typeface="Helvetica Neue"/>
-                  <a:sym typeface="Helvetica Neue"/>
-                </a:defRPr>
-              </a:lvl1pPr>
-            </a:lstStyle>
-            <a:p>
-              <a:r>
-                <a:t>Company name | Location</a:t>
-              </a:r>
-            </a:p>
-          </p:txBody>
-        </p:sp>
-        <p:sp>
-          <p:nvSpPr>
-            <p:cNvPr id="893" name="2016-2018"/>
-            <p:cNvSpPr txBox="1"/>
-            <p:nvPr/>
-          </p:nvSpPr>
-          <p:spPr>
-            <a:xfrm>
-              <a:off x="2269324" y="0"/>
-              <a:ext cx="1860094" cy="264143"/>
-            </a:xfrm>
-            <a:prstGeom prst="rect">
-              <a:avLst/>
-            </a:prstGeom>
-            <a:noFill/>
-            <a:ln w="12700" cap="flat">
-              <a:noFill/>
-              <a:miter lim="400000"/>
-            </a:ln>
-            <a:effectLst/>
-            <a:extLst>
-              <a:ext uri="{C572A759-6A51-4108-AA02-DFA0A04FC94B}">
-                <ma14:wrappingTextBoxFlag xmlns="" xmlns:m="http://schemas.openxmlformats.org/officeDocument/2006/math" xmlns:a14="http://schemas.microsoft.com/office/drawing/2010/main" xmlns:ma14="http://schemas.microsoft.com/office/mac/drawingml/2011/main" val="1"/>
-              </a:ext>
-            </a:extLst>
-          </p:spPr>
-          <p:txBody>
-            <a:bodyPr wrap="square" lIns="0" tIns="0" rIns="0" bIns="0" numCol="1" anchor="ctr">
-              <a:noAutofit/>
-            </a:bodyPr>
-            <a:lstStyle>
-              <a:lvl1pPr algn="r" defTabSz="457200">
-                <a:defRPr sz="900">
-                  <a:latin typeface="Helvetica Neue Light"/>
-                  <a:ea typeface="Helvetica Neue Light"/>
-                  <a:cs typeface="Helvetica Neue Light"/>
-                  <a:sym typeface="Helvetica Neue Light"/>
-                </a:defRPr>
-              </a:lvl1pPr>
-            </a:lstStyle>
-            <a:p>
-              <a:r>
-                <a:t>2016-2018</a:t>
-              </a:r>
-            </a:p>
-          </p:txBody>
-        </p:sp>
-        <p:sp>
-          <p:nvSpPr>
-            <p:cNvPr id="894" name="Lorem ipsum dolor sit amet, consectetur adipiscing elit. Aliquam ac bibendum dui. Proin convallis libero id diam porta, facilisis varius velit tempus. Mauris semper, sem sit amet semper porttitor, lectus enim vehicula enim, vel scelerisque metus ligula i"/>
-            <p:cNvSpPr txBox="1"/>
-            <p:nvPr/>
-          </p:nvSpPr>
-          <p:spPr>
-            <a:xfrm>
-              <a:off x="-1" y="475436"/>
-              <a:ext cx="4129419" cy="1001743"/>
-            </a:xfrm>
-            <a:prstGeom prst="rect">
-              <a:avLst/>
-            </a:prstGeom>
-            <a:noFill/>
-            <a:ln w="12700" cap="flat">
-              <a:noFill/>
-              <a:miter lim="400000"/>
-            </a:ln>
-            <a:effectLst/>
-            <a:extLst>
-              <a:ext uri="{C572A759-6A51-4108-AA02-DFA0A04FC94B}">
-                <ma14:wrappingTextBoxFlag xmlns="" xmlns:m="http://schemas.openxmlformats.org/officeDocument/2006/math" xmlns:a14="http://schemas.microsoft.com/office/drawing/2010/main" xmlns:ma14="http://schemas.microsoft.com/office/mac/drawingml/2011/main" val="1"/>
-              </a:ext>
-            </a:extLst>
-          </p:spPr>
-          <p:txBody>
-            <a:bodyPr wrap="square" lIns="0" tIns="0" rIns="0" bIns="0" numCol="1" anchor="t">
-              <a:noAutofit/>
-            </a:bodyPr>
-            <a:lstStyle>
-              <a:lvl1pPr algn="just" defTabSz="457200">
-                <a:lnSpc>
-                  <a:spcPct val="120000"/>
-                </a:lnSpc>
-                <a:defRPr sz="800">
-                  <a:latin typeface="Helvetica Neue Light"/>
-                  <a:ea typeface="Helvetica Neue Light"/>
-                  <a:cs typeface="Helvetica Neue Light"/>
-                  <a:sym typeface="Helvetica Neue Light"/>
-                </a:defRPr>
-              </a:lvl1pPr>
-            </a:lstStyle>
-            <a:p>
-              <a:r>
-                <a:t>Lorem ipsum dolor sit amet, consectetur adipiscing elit. Aliquam ac bibendum dui. Proin convallis libero id diam porta, facilisis varius velit tempus. Mauris semper, sem sit amet semper porttitor, lectus enim vehicula enim, vel scelerisque metus ligula id nibh. Nullam vitae sem fermentum, dignissim dui eget, luctus ex.</a:t>
-              </a:r>
-            </a:p>
-          </p:txBody>
-        </p:sp>
-      </p:grpSp>
-      <p:grpSp>
-        <p:nvGrpSpPr>
-          <p:cNvPr id="898" name="Сгруппировать"/>
-          <p:cNvGrpSpPr/>
-          <p:nvPr/>
-        </p:nvGrpSpPr>
-        <p:grpSpPr>
-          <a:xfrm>
-            <a:off x="3251968" y="7391066"/>
-            <a:ext cx="4114518" cy="391137"/>
-            <a:chOff x="0" y="0"/>
-            <a:chExt cx="4114517" cy="391135"/>
-          </a:xfrm>
-        </p:grpSpPr>
-        <p:sp>
-          <p:nvSpPr>
-            <p:cNvPr id="896" name="Прямоугольник"/>
-            <p:cNvSpPr/>
-            <p:nvPr/>
-          </p:nvSpPr>
-          <p:spPr>
-            <a:xfrm>
-              <a:off x="0" y="0"/>
-              <a:ext cx="4114518" cy="391136"/>
-            </a:xfrm>
-            <a:prstGeom prst="rect">
-              <a:avLst/>
-            </a:prstGeom>
-            <a:solidFill>
-              <a:srgbClr val="D5BDAF"/>
-            </a:solidFill>
-            <a:ln w="12700" cap="flat">
-              <a:solidFill>
-                <a:srgbClr val="EDEDE9"/>
-              </a:solidFill>
-              <a:prstDash val="solid"/>
-              <a:miter lim="400000"/>
-            </a:ln>
-            <a:effectLst/>
-          </p:spPr>
-          <p:txBody>
-            <a:bodyPr wrap="square" lIns="50800" tIns="50800" rIns="50800" bIns="50800" numCol="1" anchor="ctr">
-              <a:noAutofit/>
-            </a:bodyPr>
-            <a:lstStyle/>
-            <a:p>
-              <a:pPr algn="ctr" defTabSz="584200">
-                <a:defRPr sz="1200">
-                  <a:solidFill>
-                    <a:srgbClr val="FFFFFF"/>
-                  </a:solidFill>
-                  <a:latin typeface="Helvetica Neue Medium"/>
-                  <a:ea typeface="Helvetica Neue Medium"/>
-                  <a:cs typeface="Helvetica Neue Medium"/>
-                  <a:sym typeface="Helvetica Neue Medium"/>
-                </a:defRPr>
-              </a:pPr>
-              <a:endParaRPr/>
-            </a:p>
-          </p:txBody>
-        </p:sp>
-        <p:sp>
-          <p:nvSpPr>
-            <p:cNvPr id="897" name="References"/>
-            <p:cNvSpPr txBox="1"/>
-            <p:nvPr/>
-          </p:nvSpPr>
-          <p:spPr>
-            <a:xfrm>
-              <a:off x="588340" y="45244"/>
-              <a:ext cx="2937838" cy="287436"/>
-            </a:xfrm>
-            <a:prstGeom prst="rect">
-              <a:avLst/>
-            </a:prstGeom>
-            <a:noFill/>
-            <a:ln w="12700" cap="flat">
-              <a:noFill/>
-              <a:miter lim="400000"/>
-            </a:ln>
-            <a:effectLst/>
-            <a:extLst>
-              <a:ext uri="{C572A759-6A51-4108-AA02-DFA0A04FC94B}">
-                <ma14:wrappingTextBoxFlag xmlns="" xmlns:m="http://schemas.openxmlformats.org/officeDocument/2006/math" xmlns:a14="http://schemas.microsoft.com/office/drawing/2010/main" xmlns:ma14="http://schemas.microsoft.com/office/mac/drawingml/2011/main" val="1"/>
-              </a:ext>
-            </a:extLst>
-          </p:spPr>
-          <p:txBody>
-            <a:bodyPr wrap="square" lIns="50800" tIns="50800" rIns="50800" bIns="50800" numCol="1" anchor="ctr">
-              <a:noAutofit/>
-            </a:bodyPr>
-            <a:lstStyle>
-              <a:lvl1pPr algn="ctr" defTabSz="457200">
-                <a:tabLst>
-                  <a:tab pos="228600" algn="l"/>
-                </a:tabLst>
-                <a:defRPr sz="1000" cap="all" spc="250">
-                  <a:solidFill>
-                    <a:srgbClr val="FFFFFF"/>
-                  </a:solidFill>
-                  <a:latin typeface="Helvetica Neue Light"/>
-                  <a:ea typeface="Helvetica Neue Light"/>
-                  <a:cs typeface="Helvetica Neue Light"/>
-                  <a:sym typeface="Helvetica Neue Light"/>
-                </a:defRPr>
-              </a:lvl1pPr>
-            </a:lstStyle>
-            <a:p>
-              <a:r>
-                <a:t>References</a:t>
-              </a:r>
-            </a:p>
-          </p:txBody>
-        </p:sp>
+        </p:pic>
       </p:grpSp>
       <p:sp>
         <p:nvSpPr>
-          <p:cNvPr id="899" name="Прямоугольник"/>
-          <p:cNvSpPr/>
+          <p:cNvPr id="331" name="Education"/>
+          <p:cNvSpPr txBox="1"/>
           <p:nvPr/>
         </p:nvSpPr>
         <p:spPr>
           <a:xfrm>
-            <a:off x="506889" y="8492025"/>
-            <a:ext cx="2268300" cy="391137"/>
+            <a:off x="643835" y="4518428"/>
+            <a:ext cx="2298662" cy="447382"/>
           </a:xfrm>
           <a:prstGeom prst="rect">
             <a:avLst/>
           </a:prstGeom>
-          <a:solidFill>
-            <a:srgbClr val="D5BDAF"/>
-          </a:solidFill>
           <a:ln w="12700">
-            <a:solidFill>
-              <a:srgbClr val="EDEDE9"/>
-            </a:solidFill>
             <a:miter lim="400000"/>
           </a:ln>
+          <a:extLst>
+            <a:ext uri="{C572A759-6A51-4108-AA02-DFA0A04FC94B}">
+              <ma14:wrappingTextBoxFlag xmlns:ma14="http://schemas.microsoft.com/office/mac/drawingml/2011/main" xmlns:a14="http://schemas.microsoft.com/office/drawing/2010/main" xmlns:m="http://schemas.openxmlformats.org/officeDocument/2006/math" xmlns="" val="1"/>
+            </a:ext>
+          </a:extLst>
         </p:spPr>
         <p:txBody>
           <a:bodyPr lIns="50800" tIns="50800" rIns="50800" bIns="50800" anchor="ctr"/>
+          <a:lstStyle>
+            <a:lvl1pPr defTabSz="457200">
+              <a:defRPr sz="1300" cap="all" spc="455">
+                <a:solidFill>
+                  <a:srgbClr val="FFFFFF"/>
+                </a:solidFill>
+                <a:latin typeface="Helvetica Neue"/>
+                <a:ea typeface="Helvetica Neue"/>
+                <a:cs typeface="Helvetica Neue"/>
+                <a:sym typeface="Helvetica Neue"/>
+              </a:defRPr>
+            </a:lvl1pPr>
+          </a:lstStyle>
+          <a:p>
+            <a:r>
+              <a:t>Education</a:t>
+            </a:r>
+          </a:p>
+        </p:txBody>
+      </p:sp>
+      <p:sp>
+        <p:nvSpPr>
+          <p:cNvPr id="332" name="New York University | 2010-2014"/>
+          <p:cNvSpPr txBox="1"/>
+          <p:nvPr/>
+        </p:nvSpPr>
+        <p:spPr>
+          <a:xfrm>
+            <a:off x="643835" y="5269265"/>
+            <a:ext cx="2465645" cy="180739"/>
+          </a:xfrm>
+          <a:prstGeom prst="rect">
+            <a:avLst/>
+          </a:prstGeom>
+          <a:ln w="12700">
+            <a:miter lim="400000"/>
+          </a:ln>
+          <a:extLst>
+            <a:ext uri="{C572A759-6A51-4108-AA02-DFA0A04FC94B}">
+              <ma14:wrappingTextBoxFlag xmlns:ma14="http://schemas.microsoft.com/office/mac/drawingml/2011/main" xmlns:a14="http://schemas.microsoft.com/office/drawing/2010/main" xmlns:m="http://schemas.openxmlformats.org/officeDocument/2006/math" xmlns="" val="1"/>
+            </a:ext>
+          </a:extLst>
+        </p:spPr>
+        <p:txBody>
+          <a:bodyPr lIns="0" tIns="0" rIns="0" bIns="0"/>
+          <a:lstStyle>
+            <a:lvl1pPr defTabSz="457200">
+              <a:lnSpc>
+                <a:spcPct val="120000"/>
+              </a:lnSpc>
+              <a:defRPr sz="900">
+                <a:solidFill>
+                  <a:srgbClr val="FFFFFF"/>
+                </a:solidFill>
+                <a:latin typeface="Helvetica Neue"/>
+                <a:ea typeface="Helvetica Neue"/>
+                <a:cs typeface="Helvetica Neue"/>
+                <a:sym typeface="Helvetica Neue"/>
+              </a:defRPr>
+            </a:lvl1pPr>
+          </a:lstStyle>
+          <a:p>
+            <a:r>
+              <a:t>New York University | 2010-2014</a:t>
+            </a:r>
+          </a:p>
+        </p:txBody>
+      </p:sp>
+      <p:sp>
+        <p:nvSpPr>
+          <p:cNvPr id="333" name="Skills"/>
+          <p:cNvSpPr txBox="1"/>
+          <p:nvPr/>
+        </p:nvSpPr>
+        <p:spPr>
+          <a:xfrm>
+            <a:off x="643835" y="8014019"/>
+            <a:ext cx="2298662" cy="447383"/>
+          </a:xfrm>
+          <a:prstGeom prst="rect">
+            <a:avLst/>
+          </a:prstGeom>
+          <a:ln w="12700">
+            <a:miter lim="400000"/>
+          </a:ln>
+          <a:extLst>
+            <a:ext uri="{C572A759-6A51-4108-AA02-DFA0A04FC94B}">
+              <ma14:wrappingTextBoxFlag xmlns:ma14="http://schemas.microsoft.com/office/mac/drawingml/2011/main" xmlns:a14="http://schemas.microsoft.com/office/drawing/2010/main" xmlns:m="http://schemas.openxmlformats.org/officeDocument/2006/math" xmlns="" val="1"/>
+            </a:ext>
+          </a:extLst>
+        </p:spPr>
+        <p:txBody>
+          <a:bodyPr lIns="50800" tIns="50800" rIns="50800" bIns="50800" anchor="ctr"/>
+          <a:lstStyle>
+            <a:lvl1pPr defTabSz="457200">
+              <a:defRPr sz="1300" cap="all" spc="455">
+                <a:solidFill>
+                  <a:srgbClr val="FFFFFF"/>
+                </a:solidFill>
+                <a:latin typeface="Helvetica Neue"/>
+                <a:ea typeface="Helvetica Neue"/>
+                <a:cs typeface="Helvetica Neue"/>
+                <a:sym typeface="Helvetica Neue"/>
+              </a:defRPr>
+            </a:lvl1pPr>
+          </a:lstStyle>
+          <a:p>
+            <a:r>
+              <a:t>Skills</a:t>
+            </a:r>
+          </a:p>
+        </p:txBody>
+      </p:sp>
+      <p:sp>
+        <p:nvSpPr>
+          <p:cNvPr id="334" name="Hobbies"/>
+          <p:cNvSpPr txBox="1"/>
+          <p:nvPr/>
+        </p:nvSpPr>
+        <p:spPr>
+          <a:xfrm>
+            <a:off x="643835" y="9483109"/>
+            <a:ext cx="2298662" cy="345518"/>
+          </a:xfrm>
+          <a:prstGeom prst="rect">
+            <a:avLst/>
+          </a:prstGeom>
+          <a:ln w="12700">
+            <a:miter lim="400000"/>
+          </a:ln>
+          <a:extLst>
+            <a:ext uri="{C572A759-6A51-4108-AA02-DFA0A04FC94B}">
+              <ma14:wrappingTextBoxFlag xmlns:ma14="http://schemas.microsoft.com/office/mac/drawingml/2011/main" xmlns:a14="http://schemas.microsoft.com/office/drawing/2010/main" xmlns:m="http://schemas.openxmlformats.org/officeDocument/2006/math" xmlns="" val="1"/>
+            </a:ext>
+          </a:extLst>
+        </p:spPr>
+        <p:txBody>
+          <a:bodyPr lIns="50800" tIns="50800" rIns="50800" bIns="50800" anchor="ctr"/>
+          <a:lstStyle>
+            <a:lvl1pPr defTabSz="457200">
+              <a:defRPr sz="1300" cap="all" spc="455">
+                <a:solidFill>
+                  <a:srgbClr val="FFFFFF"/>
+                </a:solidFill>
+                <a:latin typeface="Helvetica Neue"/>
+                <a:ea typeface="Helvetica Neue"/>
+                <a:cs typeface="Helvetica Neue"/>
+                <a:sym typeface="Helvetica Neue"/>
+              </a:defRPr>
+            </a:lvl1pPr>
+          </a:lstStyle>
+          <a:p>
+            <a:r>
+              <a:t>Hobbies</a:t>
+            </a:r>
+          </a:p>
+        </p:txBody>
+      </p:sp>
+      <p:sp>
+        <p:nvSpPr>
+          <p:cNvPr id="335" name="John Doe"/>
+          <p:cNvSpPr txBox="1"/>
+          <p:nvPr/>
+        </p:nvSpPr>
+        <p:spPr>
+          <a:xfrm>
+            <a:off x="3898405" y="8926931"/>
+            <a:ext cx="1899311" cy="164368"/>
+          </a:xfrm>
+          <a:prstGeom prst="rect">
+            <a:avLst/>
+          </a:prstGeom>
+          <a:ln w="12700">
+            <a:miter lim="400000"/>
+          </a:ln>
+          <a:extLst>
+            <a:ext uri="{C572A759-6A51-4108-AA02-DFA0A04FC94B}">
+              <ma14:wrappingTextBoxFlag xmlns:ma14="http://schemas.microsoft.com/office/mac/drawingml/2011/main" xmlns:a14="http://schemas.microsoft.com/office/drawing/2010/main" xmlns:m="http://schemas.openxmlformats.org/officeDocument/2006/math" xmlns="" val="1"/>
+            </a:ext>
+          </a:extLst>
+        </p:spPr>
+        <p:txBody>
+          <a:bodyPr lIns="0" tIns="0" rIns="0" bIns="0"/>
+          <a:lstStyle>
+            <a:lvl1pPr defTabSz="457200">
+              <a:lnSpc>
+                <a:spcPct val="120000"/>
+              </a:lnSpc>
+              <a:defRPr sz="1000" b="1" cap="all" spc="50">
+                <a:solidFill>
+                  <a:srgbClr val="1D3557"/>
+                </a:solidFill>
+                <a:latin typeface="Helvetica Neue"/>
+                <a:ea typeface="Helvetica Neue"/>
+                <a:cs typeface="Helvetica Neue"/>
+                <a:sym typeface="Helvetica Neue"/>
+              </a:defRPr>
+            </a:lvl1pPr>
+          </a:lstStyle>
+          <a:p>
+            <a:r>
+              <a:t>John Doe</a:t>
+            </a:r>
+          </a:p>
+        </p:txBody>
+      </p:sp>
+      <p:sp>
+        <p:nvSpPr>
+          <p:cNvPr id="336" name="Creative Director"/>
+          <p:cNvSpPr txBox="1"/>
+          <p:nvPr/>
+        </p:nvSpPr>
+        <p:spPr>
+          <a:xfrm>
+            <a:off x="3898405" y="9144207"/>
+            <a:ext cx="1491578" cy="146107"/>
+          </a:xfrm>
+          <a:prstGeom prst="rect">
+            <a:avLst/>
+          </a:prstGeom>
+          <a:ln w="12700">
+            <a:miter lim="400000"/>
+          </a:ln>
+          <a:extLst>
+            <a:ext uri="{C572A759-6A51-4108-AA02-DFA0A04FC94B}">
+              <ma14:wrappingTextBoxFlag xmlns:ma14="http://schemas.microsoft.com/office/mac/drawingml/2011/main" xmlns:a14="http://schemas.microsoft.com/office/drawing/2010/main" xmlns:m="http://schemas.openxmlformats.org/officeDocument/2006/math" xmlns="" val="1"/>
+            </a:ext>
+          </a:extLst>
+        </p:spPr>
+        <p:txBody>
+          <a:bodyPr lIns="0" tIns="0" rIns="0" bIns="0"/>
+          <a:lstStyle>
+            <a:lvl1pPr defTabSz="457200">
+              <a:lnSpc>
+                <a:spcPct val="120000"/>
+              </a:lnSpc>
+              <a:defRPr sz="1000" cap="all" spc="50">
+                <a:solidFill>
+                  <a:srgbClr val="333333"/>
+                </a:solidFill>
+                <a:latin typeface="Helvetica Neue Light"/>
+                <a:ea typeface="Helvetica Neue Light"/>
+                <a:cs typeface="Helvetica Neue Light"/>
+                <a:sym typeface="Helvetica Neue Light"/>
+              </a:defRPr>
+            </a:lvl1pPr>
+          </a:lstStyle>
+          <a:p>
+            <a:r>
+              <a:t>Creative Director</a:t>
+            </a:r>
+          </a:p>
+        </p:txBody>
+      </p:sp>
+      <p:sp>
+        <p:nvSpPr>
+          <p:cNvPr id="337" name="XYZ Agency"/>
+          <p:cNvSpPr txBox="1"/>
+          <p:nvPr/>
+        </p:nvSpPr>
+        <p:spPr>
+          <a:xfrm>
+            <a:off x="3898405" y="9355922"/>
+            <a:ext cx="2465646" cy="164368"/>
+          </a:xfrm>
+          <a:prstGeom prst="rect">
+            <a:avLst/>
+          </a:prstGeom>
+          <a:ln w="12700">
+            <a:miter lim="400000"/>
+          </a:ln>
+          <a:extLst>
+            <a:ext uri="{C572A759-6A51-4108-AA02-DFA0A04FC94B}">
+              <ma14:wrappingTextBoxFlag xmlns:ma14="http://schemas.microsoft.com/office/mac/drawingml/2011/main" xmlns:a14="http://schemas.microsoft.com/office/drawing/2010/main" xmlns:m="http://schemas.openxmlformats.org/officeDocument/2006/math" xmlns="" val="1"/>
+            </a:ext>
+          </a:extLst>
+        </p:spPr>
+        <p:txBody>
+          <a:bodyPr lIns="0" tIns="0" rIns="0" bIns="0"/>
           <a:lstStyle/>
           <a:p>
-            <a:pPr algn="ctr" defTabSz="584200">
-              <a:defRPr sz="1200">
+            <a:pPr defTabSz="457200">
+              <a:lnSpc>
+                <a:spcPct val="120000"/>
+              </a:lnSpc>
+              <a:defRPr sz="1000" cap="all" spc="50">
+                <a:latin typeface="Helvetica Neue Light"/>
+                <a:ea typeface="Helvetica Neue Light"/>
+                <a:cs typeface="Helvetica Neue Light"/>
+                <a:sym typeface="Helvetica Neue Light"/>
+              </a:defRPr>
+            </a:pPr>
+            <a:r>
+              <a:t>XYZ </a:t>
+            </a:r>
+            <a:r>
+              <a:rPr>
+                <a:solidFill>
+                  <a:srgbClr val="333333"/>
+                </a:solidFill>
+              </a:rPr>
+              <a:t>Agency</a:t>
+            </a:r>
+          </a:p>
+        </p:txBody>
+      </p:sp>
+      <p:sp>
+        <p:nvSpPr>
+          <p:cNvPr id="338" name="johndoe@xyzagency.com"/>
+          <p:cNvSpPr txBox="1"/>
+          <p:nvPr/>
+        </p:nvSpPr>
+        <p:spPr>
+          <a:xfrm>
+            <a:off x="3898405" y="9545162"/>
+            <a:ext cx="1782186" cy="127658"/>
+          </a:xfrm>
+          <a:prstGeom prst="rect">
+            <a:avLst/>
+          </a:prstGeom>
+          <a:ln w="12700">
+            <a:miter lim="400000"/>
+          </a:ln>
+          <a:extLst>
+            <a:ext uri="{C572A759-6A51-4108-AA02-DFA0A04FC94B}">
+              <ma14:wrappingTextBoxFlag xmlns:ma14="http://schemas.microsoft.com/office/mac/drawingml/2011/main" xmlns:a14="http://schemas.microsoft.com/office/drawing/2010/main" xmlns:m="http://schemas.openxmlformats.org/officeDocument/2006/math" xmlns="" val="1"/>
+            </a:ext>
+          </a:extLst>
+        </p:spPr>
+        <p:txBody>
+          <a:bodyPr lIns="0" tIns="0" rIns="0" bIns="0"/>
+          <a:lstStyle>
+            <a:lvl1pPr defTabSz="457200">
+              <a:lnSpc>
+                <a:spcPct val="120000"/>
+              </a:lnSpc>
+              <a:defRPr sz="1000" spc="50">
+                <a:solidFill>
+                  <a:srgbClr val="333333"/>
+                </a:solidFill>
+                <a:latin typeface="Helvetica Neue Light"/>
+                <a:ea typeface="Helvetica Neue Light"/>
+                <a:cs typeface="Helvetica Neue Light"/>
+                <a:sym typeface="Helvetica Neue Light"/>
+              </a:defRPr>
+            </a:lvl1pPr>
+          </a:lstStyle>
+          <a:p>
+            <a:r>
+              <a:t>johndoe@xyzagency.com</a:t>
+            </a:r>
+          </a:p>
+        </p:txBody>
+      </p:sp>
+      <p:sp>
+        <p:nvSpPr>
+          <p:cNvPr id="339" name="+1234 567 890"/>
+          <p:cNvSpPr txBox="1"/>
+          <p:nvPr/>
+        </p:nvSpPr>
+        <p:spPr>
+          <a:xfrm>
+            <a:off x="3898405" y="9753582"/>
+            <a:ext cx="1782186" cy="127659"/>
+          </a:xfrm>
+          <a:prstGeom prst="rect">
+            <a:avLst/>
+          </a:prstGeom>
+          <a:ln w="12700">
+            <a:miter lim="400000"/>
+          </a:ln>
+          <a:extLst>
+            <a:ext uri="{C572A759-6A51-4108-AA02-DFA0A04FC94B}">
+              <ma14:wrappingTextBoxFlag xmlns:ma14="http://schemas.microsoft.com/office/mac/drawingml/2011/main" xmlns:a14="http://schemas.microsoft.com/office/drawing/2010/main" xmlns:m="http://schemas.openxmlformats.org/officeDocument/2006/math" xmlns="" val="1"/>
+            </a:ext>
+          </a:extLst>
+        </p:spPr>
+        <p:txBody>
+          <a:bodyPr lIns="0" tIns="0" rIns="0" bIns="0"/>
+          <a:lstStyle/>
+          <a:p>
+            <a:pPr defTabSz="457200">
+              <a:lnSpc>
+                <a:spcPct val="120000"/>
+              </a:lnSpc>
+              <a:defRPr sz="1000" spc="50">
+                <a:latin typeface="Helvetica Neue Light"/>
+                <a:ea typeface="Helvetica Neue Light"/>
+                <a:cs typeface="Helvetica Neue Light"/>
+                <a:sym typeface="Helvetica Neue Light"/>
+              </a:defRPr>
+            </a:pPr>
+            <a:r>
+              <a:t>+1234 </a:t>
+            </a:r>
+            <a:r>
+              <a:rPr>
+                <a:solidFill>
+                  <a:srgbClr val="333333"/>
+                </a:solidFill>
+              </a:rPr>
+              <a:t>567</a:t>
+            </a:r>
+            <a:r>
+              <a:t> 890</a:t>
+            </a:r>
+          </a:p>
+        </p:txBody>
+      </p:sp>
+      <p:sp>
+        <p:nvSpPr>
+          <p:cNvPr id="340" name="Bachelor of Design"/>
+          <p:cNvSpPr txBox="1"/>
+          <p:nvPr/>
+        </p:nvSpPr>
+        <p:spPr>
+          <a:xfrm>
+            <a:off x="643835" y="5091600"/>
+            <a:ext cx="2465645" cy="164368"/>
+          </a:xfrm>
+          <a:prstGeom prst="rect">
+            <a:avLst/>
+          </a:prstGeom>
+          <a:ln w="12700">
+            <a:miter lim="400000"/>
+          </a:ln>
+          <a:extLst>
+            <a:ext uri="{C572A759-6A51-4108-AA02-DFA0A04FC94B}">
+              <ma14:wrappingTextBoxFlag xmlns:ma14="http://schemas.microsoft.com/office/mac/drawingml/2011/main" xmlns:a14="http://schemas.microsoft.com/office/drawing/2010/main" xmlns:m="http://schemas.openxmlformats.org/officeDocument/2006/math" xmlns="" val="1"/>
+            </a:ext>
+          </a:extLst>
+        </p:spPr>
+        <p:txBody>
+          <a:bodyPr lIns="0" tIns="0" rIns="0" bIns="0"/>
+          <a:lstStyle>
+            <a:lvl1pPr defTabSz="457200">
+              <a:lnSpc>
+                <a:spcPct val="120000"/>
+              </a:lnSpc>
+              <a:defRPr sz="900" b="1" cap="all" spc="45">
+                <a:solidFill>
+                  <a:srgbClr val="FFFFFF"/>
+                </a:solidFill>
+                <a:latin typeface="Helvetica Neue"/>
+                <a:ea typeface="Helvetica Neue"/>
+                <a:cs typeface="Helvetica Neue"/>
+                <a:sym typeface="Helvetica Neue"/>
+              </a:defRPr>
+            </a:lvl1pPr>
+          </a:lstStyle>
+          <a:p>
+            <a:r>
+              <a:t>Bachelor of Design</a:t>
+            </a:r>
+          </a:p>
+        </p:txBody>
+      </p:sp>
+      <p:sp>
+        <p:nvSpPr>
+          <p:cNvPr id="341" name="Relevant Coursework: User-Centered Design, Interaction Design, Typography,.…"/>
+          <p:cNvSpPr txBox="1"/>
+          <p:nvPr/>
+        </p:nvSpPr>
+        <p:spPr>
+          <a:xfrm>
+            <a:off x="643835" y="5488104"/>
+            <a:ext cx="1967580" cy="1622779"/>
+          </a:xfrm>
+          <a:prstGeom prst="rect">
+            <a:avLst/>
+          </a:prstGeom>
+          <a:ln w="12700">
+            <a:miter lim="400000"/>
+          </a:ln>
+          <a:extLst>
+            <a:ext uri="{C572A759-6A51-4108-AA02-DFA0A04FC94B}">
+              <ma14:wrappingTextBoxFlag xmlns:ma14="http://schemas.microsoft.com/office/mac/drawingml/2011/main" xmlns:a14="http://schemas.microsoft.com/office/drawing/2010/main" xmlns:m="http://schemas.openxmlformats.org/officeDocument/2006/math" xmlns="" val="1"/>
+            </a:ext>
+          </a:extLst>
+        </p:spPr>
+        <p:txBody>
+          <a:bodyPr lIns="0" tIns="0" rIns="0" bIns="0"/>
+          <a:lstStyle/>
+          <a:p>
+            <a:pPr marL="90236" indent="-90236" defTabSz="457200">
+              <a:lnSpc>
+                <a:spcPct val="120000"/>
+              </a:lnSpc>
+              <a:buSzPct val="100000"/>
+              <a:buChar char="•"/>
+              <a:defRPr sz="900" b="1">
+                <a:solidFill>
+                  <a:srgbClr val="FFFFFF"/>
+                </a:solidFill>
+                <a:latin typeface="Helvetica Neue"/>
+                <a:ea typeface="Helvetica Neue"/>
+                <a:cs typeface="Helvetica Neue"/>
+                <a:sym typeface="Helvetica Neue"/>
+              </a:defRPr>
+            </a:pPr>
+            <a:r>
+              <a:t>Relevant Coursework: </a:t>
+            </a:r>
+            <a:r>
+              <a:rPr b="0"/>
+              <a:t>User-Centered Design, Interaction Design, Typography,.</a:t>
+            </a:r>
+          </a:p>
+          <a:p>
+            <a:pPr marL="90236" indent="-90236" defTabSz="457200">
+              <a:lnSpc>
+                <a:spcPct val="120000"/>
+              </a:lnSpc>
+              <a:buSzPct val="100000"/>
+              <a:buChar char="•"/>
+              <a:defRPr sz="900">
+                <a:solidFill>
+                  <a:srgbClr val="FFFFFF"/>
+                </a:solidFill>
+                <a:latin typeface="Helvetica Neue"/>
+                <a:ea typeface="Helvetica Neue"/>
+                <a:cs typeface="Helvetica Neue"/>
+                <a:sym typeface="Helvetica Neue"/>
+              </a:defRPr>
+            </a:pPr>
+            <a:r>
+              <a:rPr b="1"/>
+              <a:t>Key Projects:</a:t>
+            </a:r>
+            <a:r>
+              <a:t> Developed a mobile app interface for a capstone project, which was.</a:t>
+            </a:r>
+          </a:p>
+          <a:p>
+            <a:pPr marL="90236" indent="-90236" defTabSz="457200">
+              <a:lnSpc>
+                <a:spcPct val="120000"/>
+              </a:lnSpc>
+              <a:buSzPct val="100000"/>
+              <a:buChar char="•"/>
+              <a:defRPr sz="900">
+                <a:solidFill>
+                  <a:srgbClr val="FFFFFF"/>
+                </a:solidFill>
+                <a:latin typeface="Helvetica Neue"/>
+                <a:ea typeface="Helvetica Neue"/>
+                <a:cs typeface="Helvetica Neue"/>
+                <a:sym typeface="Helvetica Neue"/>
+              </a:defRPr>
+            </a:pPr>
+            <a:r>
+              <a:rPr b="1"/>
+              <a:t>Achievements:</a:t>
+            </a:r>
+            <a:r>
+              <a:t> Graduated with Honors (Dean’s List in 2012, 2013, 2014), and received.</a:t>
+            </a:r>
+          </a:p>
+        </p:txBody>
+      </p:sp>
+      <p:sp>
+        <p:nvSpPr>
+          <p:cNvPr id="342" name="Volunteering…"/>
+          <p:cNvSpPr txBox="1"/>
+          <p:nvPr/>
+        </p:nvSpPr>
+        <p:spPr>
+          <a:xfrm>
+            <a:off x="643835" y="9942926"/>
+            <a:ext cx="1967580" cy="804090"/>
+          </a:xfrm>
+          <a:prstGeom prst="rect">
+            <a:avLst/>
+          </a:prstGeom>
+          <a:ln w="12700">
+            <a:miter lim="400000"/>
+          </a:ln>
+          <a:extLst>
+            <a:ext uri="{C572A759-6A51-4108-AA02-DFA0A04FC94B}">
+              <ma14:wrappingTextBoxFlag xmlns:ma14="http://schemas.microsoft.com/office/mac/drawingml/2011/main" xmlns:a14="http://schemas.microsoft.com/office/drawing/2010/main" xmlns:m="http://schemas.openxmlformats.org/officeDocument/2006/math" xmlns="" val="1"/>
+            </a:ext>
+          </a:extLst>
+        </p:spPr>
+        <p:txBody>
+          <a:bodyPr lIns="0" tIns="0" rIns="0" bIns="0"/>
+          <a:lstStyle/>
+          <a:p>
+            <a:pPr marL="90236" indent="-90236" defTabSz="457200">
+              <a:lnSpc>
+                <a:spcPct val="120000"/>
+              </a:lnSpc>
+              <a:buSzPct val="100000"/>
+              <a:buChar char="•"/>
+              <a:defRPr sz="900">
                 <a:solidFill>
                   <a:srgbClr val="FFFFFF"/>
                 </a:solidFill>
@@ -4276,40 +4609,18 @@
                 <a:sym typeface="Helvetica Neue Medium"/>
               </a:defRPr>
             </a:pPr>
-            <a:endParaRPr/>
-          </a:p>
-        </p:txBody>
-      </p:sp>
-      <p:sp>
-        <p:nvSpPr>
-          <p:cNvPr id="900" name="Прямоугольник"/>
-          <p:cNvSpPr/>
-          <p:nvPr/>
-        </p:nvSpPr>
-        <p:spPr>
-          <a:xfrm>
-            <a:off x="506889" y="2268088"/>
-            <a:ext cx="2268300" cy="391137"/>
-          </a:xfrm>
-          <a:prstGeom prst="rect">
-            <a:avLst/>
-          </a:prstGeom>
-          <a:solidFill>
-            <a:srgbClr val="D5BDAF"/>
-          </a:solidFill>
-          <a:ln w="12700">
-            <a:solidFill>
-              <a:srgbClr val="EDEDE9"/>
-            </a:solidFill>
-            <a:miter lim="400000"/>
-          </a:ln>
-        </p:spPr>
-        <p:txBody>
-          <a:bodyPr lIns="50800" tIns="50800" rIns="50800" bIns="50800" anchor="ctr"/>
-          <a:lstStyle/>
-          <a:p>
-            <a:pPr algn="ctr" defTabSz="584200">
-              <a:defRPr sz="1200">
+            <a:r>
+              <a:t>Volunteering  </a:t>
+            </a:r>
+          </a:p>
+          <a:p>
+            <a:pPr marL="90236" indent="-90236" defTabSz="457200">
+              <a:lnSpc>
+                <a:spcPct val="120000"/>
+              </a:lnSpc>
+              <a:buSzPct val="100000"/>
+              <a:buChar char="•"/>
+              <a:defRPr sz="900">
                 <a:solidFill>
                   <a:srgbClr val="FFFFFF"/>
                 </a:solidFill>
@@ -4319,20 +4630,43 @@
                 <a:sym typeface="Helvetica Neue Medium"/>
               </a:defRPr>
             </a:pPr>
-            <a:endParaRPr/>
+            <a:r>
+              <a:t>Hiking  </a:t>
+            </a:r>
+          </a:p>
+          <a:p>
+            <a:pPr marL="90236" indent="-90236" defTabSz="457200">
+              <a:lnSpc>
+                <a:spcPct val="120000"/>
+              </a:lnSpc>
+              <a:buSzPct val="100000"/>
+              <a:buChar char="•"/>
+              <a:defRPr sz="900">
+                <a:solidFill>
+                  <a:srgbClr val="FFFFFF"/>
+                </a:solidFill>
+                <a:latin typeface="Helvetica Neue Medium"/>
+                <a:ea typeface="Helvetica Neue Medium"/>
+                <a:cs typeface="Helvetica Neue Medium"/>
+                <a:sym typeface="Helvetica Neue Medium"/>
+              </a:defRPr>
+            </a:pPr>
+            <a:r>
+              <a:t>Reading</a:t>
+            </a:r>
           </a:p>
         </p:txBody>
       </p:sp>
       <p:sp>
         <p:nvSpPr>
-          <p:cNvPr id="901" name="Profile"/>
+          <p:cNvPr id="343" name="UI/UX Design (Advanced)…"/>
           <p:cNvSpPr txBox="1"/>
           <p:nvPr/>
         </p:nvSpPr>
         <p:spPr>
           <a:xfrm>
-            <a:off x="839957" y="2313333"/>
-            <a:ext cx="1632215" cy="287436"/>
+            <a:off x="643835" y="8534953"/>
+            <a:ext cx="1967580" cy="833857"/>
           </a:xfrm>
           <a:prstGeom prst="rect">
             <a:avLst/>
@@ -4342,45 +4676,175 @@
           </a:ln>
           <a:extLst>
             <a:ext uri="{C572A759-6A51-4108-AA02-DFA0A04FC94B}">
-              <ma14:wrappingTextBoxFlag xmlns="" xmlns:m="http://schemas.openxmlformats.org/officeDocument/2006/math" xmlns:a14="http://schemas.microsoft.com/office/drawing/2010/main" xmlns:ma14="http://schemas.microsoft.com/office/mac/drawingml/2011/main" val="1"/>
+              <ma14:wrappingTextBoxFlag xmlns:ma14="http://schemas.microsoft.com/office/mac/drawingml/2011/main" xmlns:a14="http://schemas.microsoft.com/office/drawing/2010/main" xmlns:m="http://schemas.openxmlformats.org/officeDocument/2006/math" xmlns="" val="1"/>
             </a:ext>
           </a:extLst>
         </p:spPr>
         <p:txBody>
-          <a:bodyPr lIns="50800" tIns="50800" rIns="50800" bIns="50800" anchor="ctr"/>
-          <a:lstStyle>
-            <a:lvl1pPr algn="ctr" defTabSz="457200">
-              <a:tabLst>
-                <a:tab pos="228600" algn="l"/>
-              </a:tabLst>
-              <a:defRPr sz="1000" cap="all" spc="250">
+          <a:bodyPr lIns="0" tIns="0" rIns="0" bIns="0"/>
+          <a:lstStyle/>
+          <a:p>
+            <a:pPr marL="90236" indent="-90236" defTabSz="457200">
+              <a:lnSpc>
+                <a:spcPct val="120000"/>
+              </a:lnSpc>
+              <a:buSzPct val="100000"/>
+              <a:buChar char="•"/>
+              <a:defRPr sz="900">
                 <a:solidFill>
                   <a:srgbClr val="FFFFFF"/>
                 </a:solidFill>
-                <a:latin typeface="Helvetica Neue Light"/>
-                <a:ea typeface="Helvetica Neue Light"/>
-                <a:cs typeface="Helvetica Neue Light"/>
-                <a:sym typeface="Helvetica Neue Light"/>
+                <a:latin typeface="Helvetica Neue Medium"/>
+                <a:ea typeface="Helvetica Neue Medium"/>
+                <a:cs typeface="Helvetica Neue Medium"/>
+                <a:sym typeface="Helvetica Neue Medium"/>
               </a:defRPr>
-            </a:lvl1pPr>
-          </a:lstStyle>
-          <a:p>
-            <a:r>
-              <a:t>Profile</a:t>
+            </a:pPr>
+            <a:r>
+              <a:t>UI/UX Design (Advanced)</a:t>
+            </a:r>
+          </a:p>
+          <a:p>
+            <a:pPr marL="90236" indent="-90236" defTabSz="457200">
+              <a:lnSpc>
+                <a:spcPct val="120000"/>
+              </a:lnSpc>
+              <a:buSzPct val="100000"/>
+              <a:buChar char="•"/>
+              <a:defRPr sz="900">
+                <a:solidFill>
+                  <a:srgbClr val="FFFFFF"/>
+                </a:solidFill>
+                <a:latin typeface="Helvetica Neue Medium"/>
+                <a:ea typeface="Helvetica Neue Medium"/>
+                <a:cs typeface="Helvetica Neue Medium"/>
+                <a:sym typeface="Helvetica Neue Medium"/>
+              </a:defRPr>
+            </a:pPr>
+            <a:r>
+              <a:t>Prototyping (Expert)</a:t>
+            </a:r>
+          </a:p>
+          <a:p>
+            <a:pPr marL="90236" indent="-90236" defTabSz="457200">
+              <a:lnSpc>
+                <a:spcPct val="120000"/>
+              </a:lnSpc>
+              <a:buSzPct val="100000"/>
+              <a:buChar char="•"/>
+              <a:defRPr sz="900">
+                <a:solidFill>
+                  <a:srgbClr val="FFFFFF"/>
+                </a:solidFill>
+                <a:latin typeface="Helvetica Neue Medium"/>
+                <a:ea typeface="Helvetica Neue Medium"/>
+                <a:cs typeface="Helvetica Neue Medium"/>
+                <a:sym typeface="Helvetica Neue Medium"/>
+              </a:defRPr>
+            </a:pPr>
+            <a:r>
+              <a:t>Adobe Suite (Advanced)</a:t>
             </a:r>
           </a:p>
         </p:txBody>
       </p:sp>
+      <p:pic>
+        <p:nvPicPr>
+          <p:cNvPr id="344" name="disigner.jpeg" descr="disigner.jpeg"/>
+          <p:cNvPicPr>
+            <a:picLocks noChangeAspect="1"/>
+          </p:cNvPicPr>
+          <p:nvPr/>
+        </p:nvPicPr>
+        <p:blipFill>
+          <a:blip r:embed="rId6"/>
+          <a:srcRect l="4470" t="5" r="4463" b="8943"/>
+          <a:stretch>
+            <a:fillRect/>
+          </a:stretch>
+        </p:blipFill>
+        <p:spPr>
+          <a:xfrm>
+            <a:off x="1957545" y="141345"/>
+            <a:ext cx="2223796" cy="2223416"/>
+          </a:xfrm>
+          <a:custGeom>
+            <a:avLst/>
+            <a:gdLst/>
+            <a:ahLst/>
+            <a:cxnLst>
+              <a:cxn ang="0">
+                <a:pos x="wd2" y="hd2"/>
+              </a:cxn>
+              <a:cxn ang="5400000">
+                <a:pos x="wd2" y="hd2"/>
+              </a:cxn>
+              <a:cxn ang="10800000">
+                <a:pos x="wd2" y="hd2"/>
+              </a:cxn>
+              <a:cxn ang="16200000">
+                <a:pos x="wd2" y="hd2"/>
+              </a:cxn>
+            </a:cxnLst>
+            <a:rect l="0" t="0" r="r" b="b"/>
+            <a:pathLst>
+              <a:path w="19679" h="20592" extrusionOk="0">
+                <a:moveTo>
+                  <a:pt x="8894" y="0"/>
+                </a:moveTo>
+                <a:cubicBezTo>
+                  <a:pt x="6699" y="220"/>
+                  <a:pt x="4563" y="1210"/>
+                  <a:pt x="2882" y="2974"/>
+                </a:cubicBezTo>
+                <a:cubicBezTo>
+                  <a:pt x="-961" y="7004"/>
+                  <a:pt x="-961" y="13540"/>
+                  <a:pt x="2882" y="17570"/>
+                </a:cubicBezTo>
+                <a:cubicBezTo>
+                  <a:pt x="6724" y="21600"/>
+                  <a:pt x="12954" y="21600"/>
+                  <a:pt x="16796" y="17570"/>
+                </a:cubicBezTo>
+                <a:cubicBezTo>
+                  <a:pt x="20639" y="13540"/>
+                  <a:pt x="20639" y="7004"/>
+                  <a:pt x="16796" y="2974"/>
+                </a:cubicBezTo>
+                <a:cubicBezTo>
+                  <a:pt x="15115" y="1210"/>
+                  <a:pt x="12976" y="220"/>
+                  <a:pt x="10780" y="0"/>
+                </a:cubicBezTo>
+                <a:lnTo>
+                  <a:pt x="8894" y="0"/>
+                </a:lnTo>
+                <a:close/>
+              </a:path>
+            </a:pathLst>
+          </a:custGeom>
+          <a:ln w="38100">
+            <a:solidFill>
+              <a:schemeClr val="accent2">
+                <a:satOff val="-18194"/>
+                <a:lumOff val="-11215"/>
+              </a:schemeClr>
+            </a:solidFill>
+            <a:miter lim="400000"/>
+          </a:ln>
+        </p:spPr>
+      </p:pic>
       <p:sp>
         <p:nvSpPr>
-          <p:cNvPr id="902" name="Lorem ipsum dolor sit amet, consectetur adipiscing elit. Aliquam ac bibendum dui. Proin convallis libero id diam porta, facilisis varius velit tempus. Mauris semper, sem sit amet semper porttitor, lectus enim vehicula enim, vel scelerisque metus ligula i"/>
+          <p:cNvPr id="345" name="Responsibilities:…"/>
           <p:cNvSpPr txBox="1"/>
           <p:nvPr/>
         </p:nvSpPr>
         <p:spPr>
           <a:xfrm>
-            <a:off x="506889" y="2861104"/>
-            <a:ext cx="2268300" cy="1177276"/>
+            <a:off x="3878085" y="7431942"/>
+            <a:ext cx="3609022" cy="1345810"/>
           </a:xfrm>
           <a:prstGeom prst="rect">
             <a:avLst/>
@@ -4390,85 +4854,110 @@
           </a:ln>
           <a:extLst>
             <a:ext uri="{C572A759-6A51-4108-AA02-DFA0A04FC94B}">
-              <ma14:wrappingTextBoxFlag xmlns="" xmlns:m="http://schemas.openxmlformats.org/officeDocument/2006/math" xmlns:a14="http://schemas.microsoft.com/office/drawing/2010/main" xmlns:ma14="http://schemas.microsoft.com/office/mac/drawingml/2011/main" val="1"/>
+              <ma14:wrappingTextBoxFlag xmlns:ma14="http://schemas.microsoft.com/office/mac/drawingml/2011/main" xmlns:a14="http://schemas.microsoft.com/office/drawing/2010/main" xmlns:m="http://schemas.openxmlformats.org/officeDocument/2006/math" xmlns="" val="1"/>
             </a:ext>
           </a:extLst>
         </p:spPr>
         <p:txBody>
           <a:bodyPr lIns="0" tIns="0" rIns="0" bIns="0"/>
-          <a:lstStyle>
-            <a:lvl1pPr algn="just" defTabSz="457200">
+          <a:lstStyle/>
+          <a:p>
+            <a:pPr algn="just" defTabSz="457200">
               <a:lnSpc>
-                <a:spcPct val="120000"/>
+                <a:spcPct val="130000"/>
               </a:lnSpc>
-              <a:defRPr sz="800">
+              <a:defRPr sz="1000">
+                <a:solidFill>
+                  <a:srgbClr val="333333"/>
+                </a:solidFill>
                 <a:latin typeface="Helvetica Neue Light"/>
                 <a:ea typeface="Helvetica Neue Light"/>
                 <a:cs typeface="Helvetica Neue Light"/>
                 <a:sym typeface="Helvetica Neue Light"/>
               </a:defRPr>
-            </a:lvl1pPr>
-          </a:lstStyle>
-          <a:p>
-            <a:r>
-              <a:t>Lorem ipsum dolor sit amet, consectetur adipiscing elit. Aliquam ac bibendum dui. Proin convallis libero id diam porta, facilisis varius velit tempus. Mauris semper, sem sit amet semper porttitor, lectus enim vehicula enim, vel scelerisque metus ligula id nibh. Nullam vitae sem fermentum, dignissim dui eget, luctus ex.</a:t>
+            </a:pPr>
+            <a:r>
+              <a:rPr b="1">
+                <a:latin typeface="Helvetica Neue"/>
+                <a:ea typeface="Helvetica Neue"/>
+                <a:cs typeface="Helvetica Neue"/>
+                <a:sym typeface="Helvetica Neue"/>
+              </a:rPr>
+              <a:t>Responsibilities</a:t>
+            </a:r>
+            <a:r>
+              <a:t>:</a:t>
+            </a:r>
+          </a:p>
+          <a:p>
+            <a:pPr algn="just" defTabSz="457200">
+              <a:lnSpc>
+                <a:spcPct val="130000"/>
+              </a:lnSpc>
+              <a:defRPr sz="1000">
+                <a:solidFill>
+                  <a:srgbClr val="333333"/>
+                </a:solidFill>
+                <a:latin typeface="Helvetica Neue Light"/>
+                <a:ea typeface="Helvetica Neue Light"/>
+                <a:cs typeface="Helvetica Neue Light"/>
+                <a:sym typeface="Helvetica Neue Light"/>
+              </a:defRPr>
+            </a:pPr>
+            <a:r>
+              <a:t>- Led a team of designers in the development of user-centric designs for various clients.</a:t>
+            </a:r>
+          </a:p>
+          <a:p>
+            <a:pPr algn="just" defTabSz="457200">
+              <a:lnSpc>
+                <a:spcPct val="130000"/>
+              </a:lnSpc>
+              <a:defRPr sz="1000">
+                <a:solidFill>
+                  <a:srgbClr val="333333"/>
+                </a:solidFill>
+                <a:latin typeface="Helvetica Neue Light"/>
+                <a:ea typeface="Helvetica Neue Light"/>
+                <a:cs typeface="Helvetica Neue Light"/>
+                <a:sym typeface="Helvetica Neue Light"/>
+              </a:defRPr>
+            </a:pPr>
+            <a:r>
+              <a:t>- Collaborated with product managers to define user requirements and design solutions.</a:t>
+            </a:r>
+          </a:p>
+          <a:p>
+            <a:pPr algn="just" defTabSz="457200">
+              <a:lnSpc>
+                <a:spcPct val="130000"/>
+              </a:lnSpc>
+              <a:defRPr sz="1000">
+                <a:solidFill>
+                  <a:srgbClr val="333333"/>
+                </a:solidFill>
+                <a:latin typeface="Helvetica Neue Light"/>
+                <a:ea typeface="Helvetica Neue Light"/>
+                <a:cs typeface="Helvetica Neue Light"/>
+                <a:sym typeface="Helvetica Neue Light"/>
+              </a:defRPr>
+            </a:pPr>
+            <a:r>
+              <a:t>- Enhanced user engagement by improving navigation and user flow.</a:t>
             </a:r>
           </a:p>
         </p:txBody>
       </p:sp>
       <p:sp>
         <p:nvSpPr>
-          <p:cNvPr id="903" name="Прямоугольник"/>
-          <p:cNvSpPr/>
-          <p:nvPr/>
-        </p:nvSpPr>
-        <p:spPr>
-          <a:xfrm>
-            <a:off x="506889" y="4283567"/>
-            <a:ext cx="2268300" cy="391137"/>
-          </a:xfrm>
-          <a:prstGeom prst="rect">
-            <a:avLst/>
-          </a:prstGeom>
-          <a:solidFill>
-            <a:srgbClr val="D5BDAF"/>
-          </a:solidFill>
-          <a:ln w="12700">
-            <a:solidFill>
-              <a:srgbClr val="EDEDE9"/>
-            </a:solidFill>
-            <a:miter lim="400000"/>
-          </a:ln>
-        </p:spPr>
-        <p:txBody>
-          <a:bodyPr lIns="50800" tIns="50800" rIns="50800" bIns="50800" anchor="ctr"/>
-          <a:lstStyle/>
-          <a:p>
-            <a:pPr algn="ctr" defTabSz="584200">
-              <a:defRPr sz="1200">
-                <a:solidFill>
-                  <a:srgbClr val="FFFFFF"/>
-                </a:solidFill>
-                <a:latin typeface="Helvetica Neue Medium"/>
-                <a:ea typeface="Helvetica Neue Medium"/>
-                <a:cs typeface="Helvetica Neue Medium"/>
-                <a:sym typeface="Helvetica Neue Medium"/>
-              </a:defRPr>
-            </a:pPr>
-            <a:endParaRPr/>
-          </a:p>
-        </p:txBody>
-      </p:sp>
-      <p:sp>
-        <p:nvSpPr>
-          <p:cNvPr id="904" name="Education"/>
+          <p:cNvPr id="346" name="Your Position Here"/>
           <p:cNvSpPr txBox="1"/>
           <p:nvPr/>
         </p:nvSpPr>
         <p:spPr>
           <a:xfrm>
-            <a:off x="824931" y="4328812"/>
-            <a:ext cx="1632216" cy="287436"/>
+            <a:off x="3878085" y="6949863"/>
+            <a:ext cx="3609022" cy="164368"/>
           </a:xfrm>
           <a:prstGeom prst="rect">
             <a:avLst/>
@@ -4478,45 +4967,45 @@
           </a:ln>
           <a:extLst>
             <a:ext uri="{C572A759-6A51-4108-AA02-DFA0A04FC94B}">
-              <ma14:wrappingTextBoxFlag xmlns="" xmlns:m="http://schemas.openxmlformats.org/officeDocument/2006/math" xmlns:a14="http://schemas.microsoft.com/office/drawing/2010/main" xmlns:ma14="http://schemas.microsoft.com/office/mac/drawingml/2011/main" val="1"/>
+              <ma14:wrappingTextBoxFlag xmlns:ma14="http://schemas.microsoft.com/office/mac/drawingml/2011/main" xmlns:a14="http://schemas.microsoft.com/office/drawing/2010/main" xmlns:m="http://schemas.openxmlformats.org/officeDocument/2006/math" xmlns="" val="1"/>
             </a:ext>
           </a:extLst>
         </p:spPr>
         <p:txBody>
-          <a:bodyPr lIns="50800" tIns="50800" rIns="50800" bIns="50800" anchor="ctr"/>
+          <a:bodyPr lIns="0" tIns="0" rIns="0" bIns="0"/>
           <a:lstStyle>
-            <a:lvl1pPr algn="ctr" defTabSz="457200">
-              <a:tabLst>
-                <a:tab pos="228600" algn="l"/>
-              </a:tabLst>
-              <a:defRPr sz="1000" cap="all" spc="250">
+            <a:lvl1pPr defTabSz="457200">
+              <a:lnSpc>
+                <a:spcPct val="120000"/>
+              </a:lnSpc>
+              <a:defRPr sz="1000" b="1" cap="all" spc="50">
                 <a:solidFill>
-                  <a:srgbClr val="FFFFFF"/>
+                  <a:srgbClr val="1D3557"/>
                 </a:solidFill>
-                <a:latin typeface="Helvetica Neue Light"/>
-                <a:ea typeface="Helvetica Neue Light"/>
-                <a:cs typeface="Helvetica Neue Light"/>
-                <a:sym typeface="Helvetica Neue Light"/>
+                <a:latin typeface="Helvetica Neue"/>
+                <a:ea typeface="Helvetica Neue"/>
+                <a:cs typeface="Helvetica Neue"/>
+                <a:sym typeface="Helvetica Neue"/>
               </a:defRPr>
             </a:lvl1pPr>
           </a:lstStyle>
           <a:p>
             <a:r>
-              <a:t>Education</a:t>
+              <a:t>Your Position Here</a:t>
             </a:r>
           </a:p>
         </p:txBody>
       </p:sp>
       <p:sp>
         <p:nvSpPr>
-          <p:cNvPr id="905" name="Enter your degree"/>
+          <p:cNvPr id="347" name="Company Name | Location | Dates of Employment"/>
           <p:cNvSpPr txBox="1"/>
           <p:nvPr/>
         </p:nvSpPr>
         <p:spPr>
           <a:xfrm>
-            <a:off x="506889" y="4861806"/>
-            <a:ext cx="1717137" cy="264144"/>
+            <a:off x="3878085" y="7146084"/>
+            <a:ext cx="3609022" cy="217943"/>
           </a:xfrm>
           <a:prstGeom prst="rect">
             <a:avLst/>
@@ -4526,39 +5015,45 @@
           </a:ln>
           <a:extLst>
             <a:ext uri="{C572A759-6A51-4108-AA02-DFA0A04FC94B}">
-              <ma14:wrappingTextBoxFlag xmlns="" xmlns:m="http://schemas.openxmlformats.org/officeDocument/2006/math" xmlns:a14="http://schemas.microsoft.com/office/drawing/2010/main" xmlns:ma14="http://schemas.microsoft.com/office/mac/drawingml/2011/main" val="1"/>
+              <ma14:wrappingTextBoxFlag xmlns:ma14="http://schemas.microsoft.com/office/mac/drawingml/2011/main" xmlns:a14="http://schemas.microsoft.com/office/drawing/2010/main" xmlns:m="http://schemas.openxmlformats.org/officeDocument/2006/math" xmlns="" val="1"/>
             </a:ext>
           </a:extLst>
         </p:spPr>
         <p:txBody>
-          <a:bodyPr lIns="0" tIns="0" rIns="0" bIns="0" anchor="ctr"/>
+          <a:bodyPr lIns="0" tIns="0" rIns="0" bIns="0"/>
           <a:lstStyle>
             <a:lvl1pPr defTabSz="457200">
-              <a:defRPr sz="900" cap="all" spc="45">
-                <a:latin typeface="Helvetica Neue Medium"/>
-                <a:ea typeface="Helvetica Neue Medium"/>
-                <a:cs typeface="Helvetica Neue Medium"/>
-                <a:sym typeface="Helvetica Neue Medium"/>
+              <a:lnSpc>
+                <a:spcPct val="120000"/>
+              </a:lnSpc>
+              <a:defRPr sz="1000" cap="all">
+                <a:solidFill>
+                  <a:srgbClr val="333333"/>
+                </a:solidFill>
+                <a:latin typeface="Helvetica Neue"/>
+                <a:ea typeface="Helvetica Neue"/>
+                <a:cs typeface="Helvetica Neue"/>
+                <a:sym typeface="Helvetica Neue"/>
               </a:defRPr>
             </a:lvl1pPr>
           </a:lstStyle>
           <a:p>
             <a:r>
-              <a:t>Enter your degree</a:t>
+              <a:t>Company Name | Location | Dates of Employment</a:t>
             </a:r>
           </a:p>
         </p:txBody>
       </p:sp>
       <p:sp>
         <p:nvSpPr>
-          <p:cNvPr id="906" name="Oxford University / 2008-2012"/>
+          <p:cNvPr id="348" name="Group"/>
           <p:cNvSpPr txBox="1"/>
           <p:nvPr/>
         </p:nvSpPr>
         <p:spPr>
           <a:xfrm>
-            <a:off x="506889" y="5059889"/>
-            <a:ext cx="1860094" cy="264143"/>
+            <a:off x="4586941" y="1036728"/>
+            <a:ext cx="2730190" cy="659021"/>
           </a:xfrm>
           <a:prstGeom prst="rect">
             <a:avLst/>
@@ -4568,15 +5063,18 @@
           </a:ln>
           <a:extLst>
             <a:ext uri="{C572A759-6A51-4108-AA02-DFA0A04FC94B}">
-              <ma14:wrappingTextBoxFlag xmlns="" xmlns:m="http://schemas.openxmlformats.org/officeDocument/2006/math" xmlns:a14="http://schemas.microsoft.com/office/drawing/2010/main" xmlns:ma14="http://schemas.microsoft.com/office/mac/drawingml/2011/main" val="1"/>
+              <ma14:wrappingTextBoxFlag xmlns:ma14="http://schemas.microsoft.com/office/mac/drawingml/2011/main" xmlns:a14="http://schemas.microsoft.com/office/drawing/2010/main" xmlns:m="http://schemas.openxmlformats.org/officeDocument/2006/math" xmlns="" val="1"/>
             </a:ext>
           </a:extLst>
         </p:spPr>
         <p:txBody>
-          <a:bodyPr lIns="0" tIns="0" rIns="0" bIns="0" anchor="ctr"/>
+          <a:bodyPr lIns="50800" tIns="50800" rIns="50800" bIns="50800" anchor="ctr"/>
           <a:lstStyle>
             <a:lvl1pPr defTabSz="457200">
-              <a:defRPr sz="900" i="1">
+              <a:defRPr sz="3400" cap="all" spc="510">
+                <a:solidFill>
+                  <a:srgbClr val="D1232A"/>
+                </a:solidFill>
                 <a:latin typeface="Helvetica Neue"/>
                 <a:ea typeface="Helvetica Neue"/>
                 <a:cs typeface="Helvetica Neue"/>
@@ -4586,21 +5084,69 @@
           </a:lstStyle>
           <a:p>
             <a:r>
-              <a:t>Oxford University / 2008-2012</a:t>
+              <a:t>Johnson</a:t>
             </a:r>
           </a:p>
         </p:txBody>
       </p:sp>
       <p:sp>
         <p:nvSpPr>
-          <p:cNvPr id="907" name="Lorem ipsum dolor sit amet, consectetur adipiscing elit. Aliquam ac bibendum dui."/>
+          <p:cNvPr id="349" name="References"/>
+          <p:cNvSpPr txBox="1"/>
+          <p:nvPr/>
+        </p:nvSpPr>
+        <p:spPr>
+          <a:xfrm rot="16200000">
+            <a:off x="2267690" y="9726608"/>
+            <a:ext cx="2128262" cy="447383"/>
+          </a:xfrm>
+          <a:prstGeom prst="rect">
+            <a:avLst/>
+          </a:prstGeom>
+          <a:solidFill>
+            <a:srgbClr val="D1232A"/>
+          </a:solidFill>
+          <a:ln w="12700">
+            <a:miter lim="400000"/>
+          </a:ln>
+          <a:extLst>
+            <a:ext uri="{C572A759-6A51-4108-AA02-DFA0A04FC94B}">
+              <ma14:wrappingTextBoxFlag xmlns:ma14="http://schemas.microsoft.com/office/mac/drawingml/2011/main" xmlns:a14="http://schemas.microsoft.com/office/drawing/2010/main" xmlns:m="http://schemas.openxmlformats.org/officeDocument/2006/math" xmlns="" val="1"/>
+            </a:ext>
+          </a:extLst>
+        </p:spPr>
+        <p:txBody>
+          <a:bodyPr lIns="50800" tIns="50800" rIns="50800" bIns="50800" anchor="ctr"/>
+          <a:lstStyle>
+            <a:lvl1pPr algn="ctr" defTabSz="457200">
+              <a:defRPr sz="1300" cap="all" spc="403">
+                <a:solidFill>
+                  <a:srgbClr val="FFFFFF"/>
+                </a:solidFill>
+                <a:latin typeface="Helvetica Neue"/>
+                <a:ea typeface="Helvetica Neue"/>
+                <a:cs typeface="Helvetica Neue"/>
+                <a:sym typeface="Helvetica Neue"/>
+              </a:defRPr>
+            </a:lvl1pPr>
+          </a:lstStyle>
+          <a:p>
+            <a:r>
+              <a:t>References</a:t>
+            </a:r>
+          </a:p>
+        </p:txBody>
+      </p:sp>
+      <p:sp>
+        <p:nvSpPr>
+          <p:cNvPr id="350" name="Designer"/>
           <p:cNvSpPr txBox="1"/>
           <p:nvPr/>
         </p:nvSpPr>
         <p:spPr>
           <a:xfrm>
-            <a:off x="506889" y="5315850"/>
-            <a:ext cx="2268300" cy="347678"/>
+            <a:off x="4586940" y="1654245"/>
+            <a:ext cx="2730501" cy="345519"/>
           </a:xfrm>
           <a:prstGeom prst="rect">
             <a:avLst/>
@@ -4610,483 +5156,18 @@
           </a:ln>
           <a:extLst>
             <a:ext uri="{C572A759-6A51-4108-AA02-DFA0A04FC94B}">
-              <ma14:wrappingTextBoxFlag xmlns="" xmlns:m="http://schemas.openxmlformats.org/officeDocument/2006/math" xmlns:a14="http://schemas.microsoft.com/office/drawing/2010/main" xmlns:ma14="http://schemas.microsoft.com/office/mac/drawingml/2011/main" val="1"/>
-            </a:ext>
-          </a:extLst>
-        </p:spPr>
-        <p:txBody>
-          <a:bodyPr lIns="0" tIns="0" rIns="0" bIns="0"/>
-          <a:lstStyle>
-            <a:lvl1pPr algn="just" defTabSz="457200">
-              <a:lnSpc>
-                <a:spcPct val="120000"/>
-              </a:lnSpc>
-              <a:defRPr sz="800">
-                <a:latin typeface="Helvetica Neue Light"/>
-                <a:ea typeface="Helvetica Neue Light"/>
-                <a:cs typeface="Helvetica Neue Light"/>
-                <a:sym typeface="Helvetica Neue Light"/>
-              </a:defRPr>
-            </a:lvl1pPr>
-          </a:lstStyle>
-          <a:p>
-            <a:r>
-              <a:t>Lorem ipsum dolor sit amet, consectetur adipiscing elit. Aliquam ac bibendum dui.</a:t>
-            </a:r>
-          </a:p>
-        </p:txBody>
-      </p:sp>
-      <p:sp>
-        <p:nvSpPr>
-          <p:cNvPr id="908" name="Skills"/>
-          <p:cNvSpPr txBox="1"/>
-          <p:nvPr/>
-        </p:nvSpPr>
-        <p:spPr>
-          <a:xfrm>
-            <a:off x="824931" y="8537270"/>
-            <a:ext cx="1632216" cy="287436"/>
-          </a:xfrm>
-          <a:prstGeom prst="rect">
-            <a:avLst/>
-          </a:prstGeom>
-          <a:ln w="12700">
-            <a:miter lim="400000"/>
-          </a:ln>
-          <a:extLst>
-            <a:ext uri="{C572A759-6A51-4108-AA02-DFA0A04FC94B}">
-              <ma14:wrappingTextBoxFlag xmlns="" xmlns:m="http://schemas.openxmlformats.org/officeDocument/2006/math" xmlns:a14="http://schemas.microsoft.com/office/drawing/2010/main" xmlns:ma14="http://schemas.microsoft.com/office/mac/drawingml/2011/main" val="1"/>
+              <ma14:wrappingTextBoxFlag xmlns:ma14="http://schemas.microsoft.com/office/mac/drawingml/2011/main" xmlns:a14="http://schemas.microsoft.com/office/drawing/2010/main" xmlns:m="http://schemas.openxmlformats.org/officeDocument/2006/math" xmlns="" val="1"/>
             </a:ext>
           </a:extLst>
         </p:spPr>
         <p:txBody>
           <a:bodyPr lIns="50800" tIns="50800" rIns="50800" bIns="50800" anchor="ctr"/>
           <a:lstStyle>
-            <a:lvl1pPr algn="ctr" defTabSz="457200">
-              <a:tabLst>
-                <a:tab pos="228600" algn="l"/>
-              </a:tabLst>
-              <a:defRPr sz="1000" cap="all" spc="250">
+            <a:lvl1pPr defTabSz="457200">
+              <a:defRPr sz="1300" cap="all" spc="455">
                 <a:solidFill>
-                  <a:srgbClr val="FFFFFF"/>
+                  <a:srgbClr val="333333"/>
                 </a:solidFill>
-                <a:latin typeface="Helvetica Neue Light"/>
-                <a:ea typeface="Helvetica Neue Light"/>
-                <a:cs typeface="Helvetica Neue Light"/>
-                <a:sym typeface="Helvetica Neue Light"/>
-              </a:defRPr>
-            </a:lvl1pPr>
-          </a:lstStyle>
-          <a:p>
-            <a:r>
-              <a:t>Skills</a:t>
-            </a:r>
-          </a:p>
-        </p:txBody>
-      </p:sp>
-      <p:sp>
-        <p:nvSpPr>
-          <p:cNvPr id="909" name="Communication"/>
-          <p:cNvSpPr txBox="1"/>
-          <p:nvPr/>
-        </p:nvSpPr>
-        <p:spPr>
-          <a:xfrm>
-            <a:off x="506889" y="9046680"/>
-            <a:ext cx="1273159" cy="264143"/>
-          </a:xfrm>
-          <a:prstGeom prst="rect">
-            <a:avLst/>
-          </a:prstGeom>
-          <a:ln w="12700">
-            <a:miter lim="400000"/>
-          </a:ln>
-          <a:extLst>
-            <a:ext uri="{C572A759-6A51-4108-AA02-DFA0A04FC94B}">
-              <ma14:wrappingTextBoxFlag xmlns="" xmlns:m="http://schemas.openxmlformats.org/officeDocument/2006/math" xmlns:a14="http://schemas.microsoft.com/office/drawing/2010/main" xmlns:ma14="http://schemas.microsoft.com/office/mac/drawingml/2011/main" val="1"/>
-            </a:ext>
-          </a:extLst>
-        </p:spPr>
-        <p:txBody>
-          <a:bodyPr lIns="0" tIns="0" rIns="0" bIns="0" anchor="ctr"/>
-          <a:lstStyle>
-            <a:lvl1pPr defTabSz="457200">
-              <a:defRPr sz="900" cap="all" spc="45">
-                <a:latin typeface="Helvetica Neue Light"/>
-                <a:ea typeface="Helvetica Neue Light"/>
-                <a:cs typeface="Helvetica Neue Light"/>
-                <a:sym typeface="Helvetica Neue Light"/>
-              </a:defRPr>
-            </a:lvl1pPr>
-          </a:lstStyle>
-          <a:p>
-            <a:r>
-              <a:t>Communication</a:t>
-            </a:r>
-          </a:p>
-        </p:txBody>
-      </p:sp>
-      <p:sp>
-        <p:nvSpPr>
-          <p:cNvPr id="910" name="Decision making"/>
-          <p:cNvSpPr txBox="1"/>
-          <p:nvPr/>
-        </p:nvSpPr>
-        <p:spPr>
-          <a:xfrm>
-            <a:off x="506889" y="9284399"/>
-            <a:ext cx="1273159" cy="264143"/>
-          </a:xfrm>
-          <a:prstGeom prst="rect">
-            <a:avLst/>
-          </a:prstGeom>
-          <a:ln w="12700">
-            <a:miter lim="400000"/>
-          </a:ln>
-          <a:extLst>
-            <a:ext uri="{C572A759-6A51-4108-AA02-DFA0A04FC94B}">
-              <ma14:wrappingTextBoxFlag xmlns="" xmlns:m="http://schemas.openxmlformats.org/officeDocument/2006/math" xmlns:a14="http://schemas.microsoft.com/office/drawing/2010/main" xmlns:ma14="http://schemas.microsoft.com/office/mac/drawingml/2011/main" val="1"/>
-            </a:ext>
-          </a:extLst>
-        </p:spPr>
-        <p:txBody>
-          <a:bodyPr lIns="0" tIns="0" rIns="0" bIns="0" anchor="ctr"/>
-          <a:lstStyle>
-            <a:lvl1pPr defTabSz="457200">
-              <a:defRPr sz="900" cap="all" spc="45">
-                <a:latin typeface="Helvetica Neue Light"/>
-                <a:ea typeface="Helvetica Neue Light"/>
-                <a:cs typeface="Helvetica Neue Light"/>
-                <a:sym typeface="Helvetica Neue Light"/>
-              </a:defRPr>
-            </a:lvl1pPr>
-          </a:lstStyle>
-          <a:p>
-            <a:r>
-              <a:t>Decision making</a:t>
-            </a:r>
-          </a:p>
-        </p:txBody>
-      </p:sp>
-      <p:sp>
-        <p:nvSpPr>
-          <p:cNvPr id="911" name="Project design"/>
-          <p:cNvSpPr txBox="1"/>
-          <p:nvPr/>
-        </p:nvSpPr>
-        <p:spPr>
-          <a:xfrm>
-            <a:off x="506889" y="9522824"/>
-            <a:ext cx="1273159" cy="264143"/>
-          </a:xfrm>
-          <a:prstGeom prst="rect">
-            <a:avLst/>
-          </a:prstGeom>
-          <a:ln w="12700">
-            <a:miter lim="400000"/>
-          </a:ln>
-          <a:extLst>
-            <a:ext uri="{C572A759-6A51-4108-AA02-DFA0A04FC94B}">
-              <ma14:wrappingTextBoxFlag xmlns="" xmlns:m="http://schemas.openxmlformats.org/officeDocument/2006/math" xmlns:a14="http://schemas.microsoft.com/office/drawing/2010/main" xmlns:ma14="http://schemas.microsoft.com/office/mac/drawingml/2011/main" val="1"/>
-            </a:ext>
-          </a:extLst>
-        </p:spPr>
-        <p:txBody>
-          <a:bodyPr lIns="0" tIns="0" rIns="0" bIns="0" anchor="ctr"/>
-          <a:lstStyle>
-            <a:lvl1pPr defTabSz="457200">
-              <a:defRPr sz="900" cap="all" spc="45">
-                <a:latin typeface="Helvetica Neue Light"/>
-                <a:ea typeface="Helvetica Neue Light"/>
-                <a:cs typeface="Helvetica Neue Light"/>
-                <a:sym typeface="Helvetica Neue Light"/>
-              </a:defRPr>
-            </a:lvl1pPr>
-          </a:lstStyle>
-          <a:p>
-            <a:r>
-              <a:t>Project design</a:t>
-            </a:r>
-          </a:p>
-        </p:txBody>
-      </p:sp>
-      <p:sp>
-        <p:nvSpPr>
-          <p:cNvPr id="912" name="Quality control"/>
-          <p:cNvSpPr txBox="1"/>
-          <p:nvPr/>
-        </p:nvSpPr>
-        <p:spPr>
-          <a:xfrm>
-            <a:off x="506889" y="9760543"/>
-            <a:ext cx="1273159" cy="264144"/>
-          </a:xfrm>
-          <a:prstGeom prst="rect">
-            <a:avLst/>
-          </a:prstGeom>
-          <a:ln w="12700">
-            <a:miter lim="400000"/>
-          </a:ln>
-          <a:extLst>
-            <a:ext uri="{C572A759-6A51-4108-AA02-DFA0A04FC94B}">
-              <ma14:wrappingTextBoxFlag xmlns="" xmlns:m="http://schemas.openxmlformats.org/officeDocument/2006/math" xmlns:a14="http://schemas.microsoft.com/office/drawing/2010/main" xmlns:ma14="http://schemas.microsoft.com/office/mac/drawingml/2011/main" val="1"/>
-            </a:ext>
-          </a:extLst>
-        </p:spPr>
-        <p:txBody>
-          <a:bodyPr lIns="0" tIns="0" rIns="0" bIns="0" anchor="ctr"/>
-          <a:lstStyle>
-            <a:lvl1pPr defTabSz="457200">
-              <a:defRPr sz="900" cap="all" spc="45">
-                <a:latin typeface="Helvetica Neue Light"/>
-                <a:ea typeface="Helvetica Neue Light"/>
-                <a:cs typeface="Helvetica Neue Light"/>
-                <a:sym typeface="Helvetica Neue Light"/>
-              </a:defRPr>
-            </a:lvl1pPr>
-          </a:lstStyle>
-          <a:p>
-            <a:r>
-              <a:t>Quality control</a:t>
-            </a:r>
-          </a:p>
-        </p:txBody>
-      </p:sp>
-      <p:grpSp>
-        <p:nvGrpSpPr>
-          <p:cNvPr id="916" name="Сгруппировать"/>
-          <p:cNvGrpSpPr/>
-          <p:nvPr/>
-        </p:nvGrpSpPr>
-        <p:grpSpPr>
-          <a:xfrm>
-            <a:off x="506889" y="6891621"/>
-            <a:ext cx="2268300" cy="1206494"/>
-            <a:chOff x="0" y="0"/>
-            <a:chExt cx="2268299" cy="1206492"/>
-          </a:xfrm>
-        </p:grpSpPr>
-        <p:sp>
-          <p:nvSpPr>
-            <p:cNvPr id="913" name="Прямоугольник"/>
-            <p:cNvSpPr/>
-            <p:nvPr/>
-          </p:nvSpPr>
-          <p:spPr>
-            <a:xfrm>
-              <a:off x="0" y="0"/>
-              <a:ext cx="2268300" cy="391136"/>
-            </a:xfrm>
-            <a:prstGeom prst="rect">
-              <a:avLst/>
-            </a:prstGeom>
-            <a:solidFill>
-              <a:srgbClr val="D5BDAF"/>
-            </a:solidFill>
-            <a:ln w="12700" cap="flat">
-              <a:solidFill>
-                <a:srgbClr val="EDEDE9"/>
-              </a:solidFill>
-              <a:prstDash val="solid"/>
-              <a:miter lim="400000"/>
-            </a:ln>
-            <a:effectLst/>
-          </p:spPr>
-          <p:txBody>
-            <a:bodyPr wrap="square" lIns="50800" tIns="50800" rIns="50800" bIns="50800" numCol="1" anchor="ctr">
-              <a:noAutofit/>
-            </a:bodyPr>
-            <a:lstStyle/>
-            <a:p>
-              <a:pPr algn="ctr" defTabSz="584200">
-                <a:defRPr sz="1200">
-                  <a:solidFill>
-                    <a:srgbClr val="FFFFFF"/>
-                  </a:solidFill>
-                  <a:latin typeface="Helvetica Neue Medium"/>
-                  <a:ea typeface="Helvetica Neue Medium"/>
-                  <a:cs typeface="Helvetica Neue Medium"/>
-                  <a:sym typeface="Helvetica Neue Medium"/>
-                </a:defRPr>
-              </a:pPr>
-              <a:endParaRPr/>
-            </a:p>
-          </p:txBody>
-        </p:sp>
-        <p:sp>
-          <p:nvSpPr>
-            <p:cNvPr id="914" name="Interests"/>
-            <p:cNvSpPr txBox="1"/>
-            <p:nvPr/>
-          </p:nvSpPr>
-          <p:spPr>
-            <a:xfrm>
-              <a:off x="318042" y="51850"/>
-              <a:ext cx="1632215" cy="287436"/>
-            </a:xfrm>
-            <a:prstGeom prst="rect">
-              <a:avLst/>
-            </a:prstGeom>
-            <a:noFill/>
-            <a:ln w="12700" cap="flat">
-              <a:noFill/>
-              <a:miter lim="400000"/>
-            </a:ln>
-            <a:effectLst/>
-            <a:extLst>
-              <a:ext uri="{C572A759-6A51-4108-AA02-DFA0A04FC94B}">
-                <ma14:wrappingTextBoxFlag xmlns="" xmlns:m="http://schemas.openxmlformats.org/officeDocument/2006/math" xmlns:a14="http://schemas.microsoft.com/office/drawing/2010/main" xmlns:ma14="http://schemas.microsoft.com/office/mac/drawingml/2011/main" val="1"/>
-              </a:ext>
-            </a:extLst>
-          </p:spPr>
-          <p:txBody>
-            <a:bodyPr wrap="square" lIns="50800" tIns="50800" rIns="50800" bIns="50800" numCol="1" anchor="ctr">
-              <a:noAutofit/>
-            </a:bodyPr>
-            <a:lstStyle>
-              <a:lvl1pPr algn="ctr" defTabSz="457200">
-                <a:tabLst>
-                  <a:tab pos="228600" algn="l"/>
-                </a:tabLst>
-                <a:defRPr sz="1000" cap="all" spc="250">
-                  <a:solidFill>
-                    <a:srgbClr val="FFFFFF"/>
-                  </a:solidFill>
-                  <a:latin typeface="Helvetica Neue Light"/>
-                  <a:ea typeface="Helvetica Neue Light"/>
-                  <a:cs typeface="Helvetica Neue Light"/>
-                  <a:sym typeface="Helvetica Neue Light"/>
-                </a:defRPr>
-              </a:lvl1pPr>
-            </a:lstStyle>
-            <a:p>
-              <a:r>
-                <a:t>Interests</a:t>
-              </a:r>
-            </a:p>
-          </p:txBody>
-        </p:sp>
-        <p:sp>
-          <p:nvSpPr>
-            <p:cNvPr id="915" name="Lorem ipsum dolor sit amet, consectetur adipiscing elit. Aliquam ac bibendum dui. Proin convallis libero id diam porta, facilisis varius velit tempus."/>
-            <p:cNvSpPr txBox="1"/>
-            <p:nvPr/>
-          </p:nvSpPr>
-          <p:spPr>
-            <a:xfrm>
-              <a:off x="0" y="594340"/>
-              <a:ext cx="2268300" cy="612153"/>
-            </a:xfrm>
-            <a:prstGeom prst="rect">
-              <a:avLst/>
-            </a:prstGeom>
-            <a:noFill/>
-            <a:ln w="12700" cap="flat">
-              <a:noFill/>
-              <a:miter lim="400000"/>
-            </a:ln>
-            <a:effectLst/>
-            <a:extLst>
-              <a:ext uri="{C572A759-6A51-4108-AA02-DFA0A04FC94B}">
-                <ma14:wrappingTextBoxFlag xmlns="" xmlns:m="http://schemas.openxmlformats.org/officeDocument/2006/math" xmlns:a14="http://schemas.microsoft.com/office/drawing/2010/main" xmlns:ma14="http://schemas.microsoft.com/office/mac/drawingml/2011/main" val="1"/>
-              </a:ext>
-            </a:extLst>
-          </p:spPr>
-          <p:txBody>
-            <a:bodyPr wrap="square" lIns="0" tIns="0" rIns="0" bIns="0" numCol="1" anchor="t">
-              <a:noAutofit/>
-            </a:bodyPr>
-            <a:lstStyle>
-              <a:lvl1pPr algn="just" defTabSz="457200">
-                <a:lnSpc>
-                  <a:spcPct val="120000"/>
-                </a:lnSpc>
-                <a:defRPr sz="800">
-                  <a:latin typeface="Helvetica Neue Light"/>
-                  <a:ea typeface="Helvetica Neue Light"/>
-                  <a:cs typeface="Helvetica Neue Light"/>
-                  <a:sym typeface="Helvetica Neue Light"/>
-                </a:defRPr>
-              </a:lvl1pPr>
-            </a:lstStyle>
-            <a:p>
-              <a:r>
-                <a:t>Lorem ipsum dolor sit amet, consectetur adipiscing elit. Aliquam ac bibendum dui. Proin convallis libero id diam porta, facilisis varius velit tempus.</a:t>
-              </a:r>
-            </a:p>
-          </p:txBody>
-        </p:sp>
-      </p:grpSp>
-      <p:sp>
-        <p:nvSpPr>
-          <p:cNvPr id="917" name="Enter your degree"/>
-          <p:cNvSpPr txBox="1"/>
-          <p:nvPr/>
-        </p:nvSpPr>
-        <p:spPr>
-          <a:xfrm>
-            <a:off x="506889" y="5760224"/>
-            <a:ext cx="1717137" cy="264144"/>
-          </a:xfrm>
-          <a:prstGeom prst="rect">
-            <a:avLst/>
-          </a:prstGeom>
-          <a:ln w="12700">
-            <a:miter lim="400000"/>
-          </a:ln>
-          <a:extLst>
-            <a:ext uri="{C572A759-6A51-4108-AA02-DFA0A04FC94B}">
-              <ma14:wrappingTextBoxFlag xmlns="" xmlns:m="http://schemas.openxmlformats.org/officeDocument/2006/math" xmlns:a14="http://schemas.microsoft.com/office/drawing/2010/main" xmlns:ma14="http://schemas.microsoft.com/office/mac/drawingml/2011/main" val="1"/>
-            </a:ext>
-          </a:extLst>
-        </p:spPr>
-        <p:txBody>
-          <a:bodyPr lIns="0" tIns="0" rIns="0" bIns="0" anchor="ctr"/>
-          <a:lstStyle>
-            <a:lvl1pPr defTabSz="457200">
-              <a:defRPr sz="900" cap="all" spc="45">
-                <a:latin typeface="Helvetica Neue Medium"/>
-                <a:ea typeface="Helvetica Neue Medium"/>
-                <a:cs typeface="Helvetica Neue Medium"/>
-                <a:sym typeface="Helvetica Neue Medium"/>
-              </a:defRPr>
-            </a:lvl1pPr>
-          </a:lstStyle>
-          <a:p>
-            <a:r>
-              <a:t>Enter your degree</a:t>
-            </a:r>
-          </a:p>
-        </p:txBody>
-      </p:sp>
-      <p:sp>
-        <p:nvSpPr>
-          <p:cNvPr id="918" name="Oxford University / 2008-2012"/>
-          <p:cNvSpPr txBox="1"/>
-          <p:nvPr/>
-        </p:nvSpPr>
-        <p:spPr>
-          <a:xfrm>
-            <a:off x="506889" y="5958306"/>
-            <a:ext cx="1860094" cy="264144"/>
-          </a:xfrm>
-          <a:prstGeom prst="rect">
-            <a:avLst/>
-          </a:prstGeom>
-          <a:ln w="12700">
-            <a:miter lim="400000"/>
-          </a:ln>
-          <a:extLst>
-            <a:ext uri="{C572A759-6A51-4108-AA02-DFA0A04FC94B}">
-              <ma14:wrappingTextBoxFlag xmlns="" xmlns:m="http://schemas.openxmlformats.org/officeDocument/2006/math" xmlns:a14="http://schemas.microsoft.com/office/drawing/2010/main" xmlns:ma14="http://schemas.microsoft.com/office/mac/drawingml/2011/main" val="1"/>
-            </a:ext>
-          </a:extLst>
-        </p:spPr>
-        <p:txBody>
-          <a:bodyPr lIns="0" tIns="0" rIns="0" bIns="0" anchor="ctr"/>
-          <a:lstStyle>
-            <a:lvl1pPr defTabSz="457200">
-              <a:defRPr sz="900" i="1">
                 <a:latin typeface="Helvetica Neue"/>
                 <a:ea typeface="Helvetica Neue"/>
                 <a:cs typeface="Helvetica Neue"/>
@@ -5096,1244 +5177,127 @@
           </a:lstStyle>
           <a:p>
             <a:r>
-              <a:t>Oxford University / 2008-2012</a:t>
+              <a:t>Designer</a:t>
             </a:r>
           </a:p>
         </p:txBody>
       </p:sp>
       <p:sp>
         <p:nvSpPr>
-          <p:cNvPr id="919" name="Lorem ipsum dolor sit amet, consectetur adipiscing elit. Aliquam ac bibendum dui."/>
-          <p:cNvSpPr txBox="1"/>
+          <p:cNvPr id="351" name="Line"/>
+          <p:cNvSpPr/>
           <p:nvPr/>
         </p:nvSpPr>
         <p:spPr>
           <a:xfrm>
-            <a:off x="506889" y="6214268"/>
-            <a:ext cx="2268300" cy="347678"/>
+            <a:off x="643835" y="2528819"/>
+            <a:ext cx="561525" cy="1"/>
           </a:xfrm>
-          <a:prstGeom prst="rect">
+          <a:prstGeom prst="line">
             <a:avLst/>
           </a:prstGeom>
           <a:ln w="12700">
-            <a:miter lim="400000"/>
+            <a:solidFill>
+              <a:srgbClr val="FFFFFF"/>
+            </a:solidFill>
+            <a:miter/>
           </a:ln>
-          <a:extLst>
-            <a:ext uri="{C572A759-6A51-4108-AA02-DFA0A04FC94B}">
-              <ma14:wrappingTextBoxFlag xmlns="" xmlns:m="http://schemas.openxmlformats.org/officeDocument/2006/math" xmlns:a14="http://schemas.microsoft.com/office/drawing/2010/main" xmlns:ma14="http://schemas.microsoft.com/office/mac/drawingml/2011/main" val="1"/>
-            </a:ext>
-          </a:extLst>
         </p:spPr>
         <p:txBody>
-          <a:bodyPr lIns="0" tIns="0" rIns="0" bIns="0"/>
-          <a:lstStyle>
-            <a:lvl1pPr algn="just" defTabSz="457200">
-              <a:lnSpc>
-                <a:spcPct val="120000"/>
-              </a:lnSpc>
-              <a:defRPr sz="800">
-                <a:latin typeface="Helvetica Neue Light"/>
-                <a:ea typeface="Helvetica Neue Light"/>
-                <a:cs typeface="Helvetica Neue Light"/>
-                <a:sym typeface="Helvetica Neue Light"/>
-              </a:defRPr>
-            </a:lvl1pPr>
-          </a:lstStyle>
-          <a:p>
-            <a:r>
-              <a:t>Lorem ipsum dolor sit amet, consectetur adipiscing elit. Aliquam ac bibendum dui.</a:t>
-            </a:r>
+          <a:bodyPr lIns="51405" tIns="51405" rIns="51405" bIns="51405"/>
+          <a:lstStyle/>
+          <a:p>
+            <a:endParaRPr/>
           </a:p>
         </p:txBody>
       </p:sp>
-      <p:grpSp>
-        <p:nvGrpSpPr>
-          <p:cNvPr id="926" name="Сгруппировать"/>
-          <p:cNvGrpSpPr/>
+      <p:sp>
+        <p:nvSpPr>
+          <p:cNvPr id="352" name="Line"/>
+          <p:cNvSpPr/>
           <p:nvPr/>
-        </p:nvGrpSpPr>
-        <p:grpSpPr>
+        </p:nvSpPr>
+        <p:spPr>
           <a:xfrm>
-            <a:off x="3689429" y="7937214"/>
-            <a:ext cx="1612348" cy="1215016"/>
-            <a:chOff x="0" y="0"/>
-            <a:chExt cx="1612347" cy="1215014"/>
+            <a:off x="643835" y="4945033"/>
+            <a:ext cx="561525" cy="1"/>
           </a:xfrm>
-        </p:grpSpPr>
-        <p:sp>
-          <p:nvSpPr>
-            <p:cNvPr id="920" name="Прямоугольник"/>
-            <p:cNvSpPr/>
-            <p:nvPr/>
-          </p:nvSpPr>
-          <p:spPr>
-            <a:xfrm>
-              <a:off x="0" y="0"/>
-              <a:ext cx="1612348" cy="1215015"/>
-            </a:xfrm>
-            <a:prstGeom prst="rect">
-              <a:avLst/>
-            </a:prstGeom>
+          <a:prstGeom prst="line">
+            <a:avLst/>
+          </a:prstGeom>
+          <a:ln w="12700">
             <a:solidFill>
-              <a:srgbClr val="F4EBE0"/>
+              <a:srgbClr val="FFFFFF"/>
             </a:solidFill>
-            <a:ln w="12700" cap="flat">
-              <a:solidFill>
-                <a:srgbClr val="EDEDE9"/>
-              </a:solidFill>
-              <a:prstDash val="solid"/>
-              <a:miter lim="400000"/>
-            </a:ln>
-            <a:effectLst/>
-          </p:spPr>
-          <p:txBody>
-            <a:bodyPr wrap="square" lIns="50800" tIns="50800" rIns="50800" bIns="50800" numCol="1" anchor="ctr">
-              <a:noAutofit/>
-            </a:bodyPr>
-            <a:lstStyle/>
-            <a:p>
-              <a:pPr algn="ctr" defTabSz="584200">
-                <a:defRPr sz="1200">
-                  <a:solidFill>
-                    <a:srgbClr val="FFFFFF"/>
-                  </a:solidFill>
-                  <a:latin typeface="Helvetica Neue Medium"/>
-                  <a:ea typeface="Helvetica Neue Medium"/>
-                  <a:cs typeface="Helvetica Neue Medium"/>
-                  <a:sym typeface="Helvetica Neue Medium"/>
-                </a:defRPr>
-              </a:pPr>
-              <a:endParaRPr/>
-            </a:p>
-          </p:txBody>
-        </p:sp>
-        <p:sp>
-          <p:nvSpPr>
-            <p:cNvPr id="921" name="Alonso davis"/>
-            <p:cNvSpPr txBox="1"/>
-            <p:nvPr/>
-          </p:nvSpPr>
-          <p:spPr>
-            <a:xfrm>
-              <a:off x="125288" y="72616"/>
-              <a:ext cx="1270721" cy="264143"/>
-            </a:xfrm>
-            <a:prstGeom prst="rect">
-              <a:avLst/>
-            </a:prstGeom>
-            <a:noFill/>
-            <a:ln w="12700" cap="flat">
-              <a:noFill/>
-              <a:miter lim="400000"/>
-            </a:ln>
-            <a:effectLst/>
-            <a:extLst>
-              <a:ext uri="{C572A759-6A51-4108-AA02-DFA0A04FC94B}">
-                <ma14:wrappingTextBoxFlag xmlns="" xmlns:m="http://schemas.openxmlformats.org/officeDocument/2006/math" xmlns:a14="http://schemas.microsoft.com/office/drawing/2010/main" xmlns:ma14="http://schemas.microsoft.com/office/mac/drawingml/2011/main" val="1"/>
-              </a:ext>
-            </a:extLst>
-          </p:spPr>
-          <p:txBody>
-            <a:bodyPr wrap="square" lIns="0" tIns="0" rIns="0" bIns="0" numCol="1" anchor="ctr">
-              <a:noAutofit/>
-            </a:bodyPr>
-            <a:lstStyle>
-              <a:lvl1pPr defTabSz="457200">
-                <a:defRPr sz="900" cap="all" spc="45">
-                  <a:latin typeface="Helvetica Neue Medium"/>
-                  <a:ea typeface="Helvetica Neue Medium"/>
-                  <a:cs typeface="Helvetica Neue Medium"/>
-                  <a:sym typeface="Helvetica Neue Medium"/>
-                </a:defRPr>
-              </a:lvl1pPr>
-            </a:lstStyle>
-            <a:p>
-              <a:r>
-                <a:t>Alonso davis</a:t>
-              </a:r>
-            </a:p>
-          </p:txBody>
-        </p:sp>
-        <p:sp>
-          <p:nvSpPr>
-            <p:cNvPr id="922" name="Position title here"/>
-            <p:cNvSpPr txBox="1"/>
-            <p:nvPr/>
-          </p:nvSpPr>
-          <p:spPr>
-            <a:xfrm>
-              <a:off x="125288" y="349971"/>
-              <a:ext cx="1270721" cy="198083"/>
-            </a:xfrm>
-            <a:prstGeom prst="rect">
-              <a:avLst/>
-            </a:prstGeom>
-            <a:noFill/>
-            <a:ln w="12700" cap="flat">
-              <a:noFill/>
-              <a:miter lim="400000"/>
-            </a:ln>
-            <a:effectLst/>
-            <a:extLst>
-              <a:ext uri="{C572A759-6A51-4108-AA02-DFA0A04FC94B}">
-                <ma14:wrappingTextBoxFlag xmlns="" xmlns:m="http://schemas.openxmlformats.org/officeDocument/2006/math" xmlns:a14="http://schemas.microsoft.com/office/drawing/2010/main" xmlns:ma14="http://schemas.microsoft.com/office/mac/drawingml/2011/main" val="1"/>
-              </a:ext>
-            </a:extLst>
-          </p:spPr>
-          <p:txBody>
-            <a:bodyPr wrap="square" lIns="0" tIns="0" rIns="0" bIns="0" numCol="1" anchor="ctr">
-              <a:noAutofit/>
-            </a:bodyPr>
-            <a:lstStyle>
-              <a:lvl1pPr defTabSz="457200">
-                <a:defRPr sz="900">
-                  <a:latin typeface="Helvetica Neue"/>
-                  <a:ea typeface="Helvetica Neue"/>
-                  <a:cs typeface="Helvetica Neue"/>
-                  <a:sym typeface="Helvetica Neue"/>
-                </a:defRPr>
-              </a:lvl1pPr>
-            </a:lstStyle>
-            <a:p>
-              <a:r>
-                <a:t>Position title here</a:t>
-              </a:r>
-            </a:p>
-          </p:txBody>
-        </p:sp>
-        <p:sp>
-          <p:nvSpPr>
-            <p:cNvPr id="923" name="Company name"/>
-            <p:cNvSpPr txBox="1"/>
-            <p:nvPr/>
-          </p:nvSpPr>
-          <p:spPr>
-            <a:xfrm>
-              <a:off x="125288" y="455568"/>
-              <a:ext cx="1270721" cy="264144"/>
-            </a:xfrm>
-            <a:prstGeom prst="rect">
-              <a:avLst/>
-            </a:prstGeom>
-            <a:noFill/>
-            <a:ln w="12700" cap="flat">
-              <a:noFill/>
-              <a:miter lim="400000"/>
-            </a:ln>
-            <a:effectLst/>
-            <a:extLst>
-              <a:ext uri="{C572A759-6A51-4108-AA02-DFA0A04FC94B}">
-                <ma14:wrappingTextBoxFlag xmlns="" xmlns:m="http://schemas.openxmlformats.org/officeDocument/2006/math" xmlns:a14="http://schemas.microsoft.com/office/drawing/2010/main" xmlns:ma14="http://schemas.microsoft.com/office/mac/drawingml/2011/main" val="1"/>
-              </a:ext>
-            </a:extLst>
-          </p:spPr>
-          <p:txBody>
-            <a:bodyPr wrap="square" lIns="0" tIns="0" rIns="0" bIns="0" numCol="1" anchor="ctr">
-              <a:noAutofit/>
-            </a:bodyPr>
-            <a:lstStyle>
-              <a:lvl1pPr defTabSz="457200">
-                <a:defRPr sz="800">
-                  <a:latin typeface="Helvetica Neue Light"/>
-                  <a:ea typeface="Helvetica Neue Light"/>
-                  <a:cs typeface="Helvetica Neue Light"/>
-                  <a:sym typeface="Helvetica Neue Light"/>
-                </a:defRPr>
-              </a:lvl1pPr>
-            </a:lstStyle>
-            <a:p>
-              <a:r>
-                <a:t>Company name</a:t>
-              </a:r>
-            </a:p>
-          </p:txBody>
-        </p:sp>
-        <p:sp>
-          <p:nvSpPr>
-            <p:cNvPr id="924" name="mail@mial.com"/>
-            <p:cNvSpPr txBox="1"/>
-            <p:nvPr/>
-          </p:nvSpPr>
-          <p:spPr>
-            <a:xfrm>
-              <a:off x="125288" y="746027"/>
-              <a:ext cx="1270721" cy="264143"/>
-            </a:xfrm>
-            <a:prstGeom prst="rect">
-              <a:avLst/>
-            </a:prstGeom>
-            <a:noFill/>
-            <a:ln w="12700" cap="flat">
-              <a:noFill/>
-              <a:miter lim="400000"/>
-            </a:ln>
-            <a:effectLst/>
-            <a:extLst>
-              <a:ext uri="{C572A759-6A51-4108-AA02-DFA0A04FC94B}">
-                <ma14:wrappingTextBoxFlag xmlns="" xmlns:m="http://schemas.openxmlformats.org/officeDocument/2006/math" xmlns:a14="http://schemas.microsoft.com/office/drawing/2010/main" xmlns:ma14="http://schemas.microsoft.com/office/mac/drawingml/2011/main" val="1"/>
-              </a:ext>
-            </a:extLst>
-          </p:spPr>
-          <p:txBody>
-            <a:bodyPr wrap="square" lIns="0" tIns="0" rIns="0" bIns="0" numCol="1" anchor="ctr">
-              <a:noAutofit/>
-            </a:bodyPr>
-            <a:lstStyle>
-              <a:lvl1pPr defTabSz="457200">
-                <a:defRPr sz="800">
-                  <a:latin typeface="Helvetica Neue Light"/>
-                  <a:ea typeface="Helvetica Neue Light"/>
-                  <a:cs typeface="Helvetica Neue Light"/>
-                  <a:sym typeface="Helvetica Neue Light"/>
-                </a:defRPr>
-              </a:lvl1pPr>
-            </a:lstStyle>
-            <a:p>
-              <a:r>
-                <a:t>mail@mial.com</a:t>
-              </a:r>
-            </a:p>
-          </p:txBody>
-        </p:sp>
-        <p:sp>
-          <p:nvSpPr>
-            <p:cNvPr id="925" name="285-746-9487"/>
-            <p:cNvSpPr txBox="1"/>
-            <p:nvPr/>
-          </p:nvSpPr>
-          <p:spPr>
-            <a:xfrm>
-              <a:off x="125288" y="614390"/>
-              <a:ext cx="1270721" cy="264144"/>
-            </a:xfrm>
-            <a:prstGeom prst="rect">
-              <a:avLst/>
-            </a:prstGeom>
-            <a:noFill/>
-            <a:ln w="12700" cap="flat">
-              <a:noFill/>
-              <a:miter lim="400000"/>
-            </a:ln>
-            <a:effectLst/>
-            <a:extLst>
-              <a:ext uri="{C572A759-6A51-4108-AA02-DFA0A04FC94B}">
-                <ma14:wrappingTextBoxFlag xmlns="" xmlns:m="http://schemas.openxmlformats.org/officeDocument/2006/math" xmlns:a14="http://schemas.microsoft.com/office/drawing/2010/main" xmlns:ma14="http://schemas.microsoft.com/office/mac/drawingml/2011/main" val="1"/>
-              </a:ext>
-            </a:extLst>
-          </p:spPr>
-          <p:txBody>
-            <a:bodyPr wrap="square" lIns="0" tIns="0" rIns="0" bIns="0" numCol="1" anchor="ctr">
-              <a:noAutofit/>
-            </a:bodyPr>
-            <a:lstStyle>
-              <a:lvl1pPr defTabSz="457200">
-                <a:defRPr sz="800">
-                  <a:latin typeface="Helvetica Neue Light"/>
-                  <a:ea typeface="Helvetica Neue Light"/>
-                  <a:cs typeface="Helvetica Neue Light"/>
-                  <a:sym typeface="Helvetica Neue Light"/>
-                </a:defRPr>
-              </a:lvl1pPr>
-            </a:lstStyle>
-            <a:p>
-              <a:r>
-                <a:t>285-746-9487</a:t>
-              </a:r>
-            </a:p>
-          </p:txBody>
-        </p:sp>
-      </p:grpSp>
-      <p:grpSp>
-        <p:nvGrpSpPr>
-          <p:cNvPr id="933" name="Сгруппировать"/>
-          <p:cNvGrpSpPr/>
+            <a:miter/>
+          </a:ln>
+        </p:spPr>
+        <p:txBody>
+          <a:bodyPr lIns="51405" tIns="51405" rIns="51405" bIns="51405"/>
+          <a:lstStyle/>
+          <a:p>
+            <a:endParaRPr/>
+          </a:p>
+        </p:txBody>
+      </p:sp>
+      <p:sp>
+        <p:nvSpPr>
+          <p:cNvPr id="353" name="Line"/>
+          <p:cNvSpPr/>
           <p:nvPr/>
-        </p:nvGrpSpPr>
-        <p:grpSpPr>
+        </p:nvSpPr>
+        <p:spPr>
           <a:xfrm>
-            <a:off x="5441346" y="7937214"/>
-            <a:ext cx="1612349" cy="1215016"/>
-            <a:chOff x="0" y="0"/>
-            <a:chExt cx="1612347" cy="1215014"/>
+            <a:off x="643835" y="8414303"/>
+            <a:ext cx="561525" cy="1"/>
           </a:xfrm>
-        </p:grpSpPr>
-        <p:sp>
-          <p:nvSpPr>
-            <p:cNvPr id="927" name="Прямоугольник"/>
-            <p:cNvSpPr/>
-            <p:nvPr/>
-          </p:nvSpPr>
-          <p:spPr>
-            <a:xfrm>
-              <a:off x="0" y="0"/>
-              <a:ext cx="1612348" cy="1215015"/>
-            </a:xfrm>
-            <a:prstGeom prst="rect">
-              <a:avLst/>
-            </a:prstGeom>
+          <a:prstGeom prst="line">
+            <a:avLst/>
+          </a:prstGeom>
+          <a:ln w="12700">
             <a:solidFill>
-              <a:srgbClr val="F4EBE0"/>
+              <a:srgbClr val="FFFFFF"/>
             </a:solidFill>
-            <a:ln w="12700" cap="flat">
-              <a:solidFill>
-                <a:srgbClr val="EDEDE9"/>
-              </a:solidFill>
-              <a:prstDash val="solid"/>
-              <a:miter lim="400000"/>
-            </a:ln>
-            <a:effectLst/>
-          </p:spPr>
-          <p:txBody>
-            <a:bodyPr wrap="square" lIns="50800" tIns="50800" rIns="50800" bIns="50800" numCol="1" anchor="ctr">
-              <a:noAutofit/>
-            </a:bodyPr>
-            <a:lstStyle/>
-            <a:p>
-              <a:pPr algn="ctr" defTabSz="584200">
-                <a:defRPr sz="1200">
-                  <a:solidFill>
-                    <a:srgbClr val="FFFFFF"/>
-                  </a:solidFill>
-                  <a:latin typeface="Helvetica Neue Medium"/>
-                  <a:ea typeface="Helvetica Neue Medium"/>
-                  <a:cs typeface="Helvetica Neue Medium"/>
-                  <a:sym typeface="Helvetica Neue Medium"/>
-                </a:defRPr>
-              </a:pPr>
-              <a:endParaRPr/>
-            </a:p>
-          </p:txBody>
-        </p:sp>
-        <p:sp>
-          <p:nvSpPr>
-            <p:cNvPr id="928" name="Alonso davis"/>
-            <p:cNvSpPr txBox="1"/>
-            <p:nvPr/>
-          </p:nvSpPr>
-          <p:spPr>
-            <a:xfrm>
-              <a:off x="125288" y="72616"/>
-              <a:ext cx="1270721" cy="264143"/>
-            </a:xfrm>
-            <a:prstGeom prst="rect">
-              <a:avLst/>
-            </a:prstGeom>
-            <a:noFill/>
-            <a:ln w="12700" cap="flat">
-              <a:noFill/>
-              <a:miter lim="400000"/>
-            </a:ln>
-            <a:effectLst/>
-            <a:extLst>
-              <a:ext uri="{C572A759-6A51-4108-AA02-DFA0A04FC94B}">
-                <ma14:wrappingTextBoxFlag xmlns="" xmlns:m="http://schemas.openxmlformats.org/officeDocument/2006/math" xmlns:a14="http://schemas.microsoft.com/office/drawing/2010/main" xmlns:ma14="http://schemas.microsoft.com/office/mac/drawingml/2011/main" val="1"/>
-              </a:ext>
-            </a:extLst>
-          </p:spPr>
-          <p:txBody>
-            <a:bodyPr wrap="square" lIns="0" tIns="0" rIns="0" bIns="0" numCol="1" anchor="ctr">
-              <a:noAutofit/>
-            </a:bodyPr>
-            <a:lstStyle>
-              <a:lvl1pPr defTabSz="457200">
-                <a:defRPr sz="900" cap="all" spc="45">
-                  <a:latin typeface="Helvetica Neue Medium"/>
-                  <a:ea typeface="Helvetica Neue Medium"/>
-                  <a:cs typeface="Helvetica Neue Medium"/>
-                  <a:sym typeface="Helvetica Neue Medium"/>
-                </a:defRPr>
-              </a:lvl1pPr>
-            </a:lstStyle>
-            <a:p>
-              <a:r>
-                <a:t>Alonso davis</a:t>
-              </a:r>
-            </a:p>
-          </p:txBody>
-        </p:sp>
-        <p:sp>
-          <p:nvSpPr>
-            <p:cNvPr id="929" name="Position title here"/>
-            <p:cNvSpPr txBox="1"/>
-            <p:nvPr/>
-          </p:nvSpPr>
-          <p:spPr>
-            <a:xfrm>
-              <a:off x="125288" y="349971"/>
-              <a:ext cx="1270721" cy="198083"/>
-            </a:xfrm>
-            <a:prstGeom prst="rect">
-              <a:avLst/>
-            </a:prstGeom>
-            <a:noFill/>
-            <a:ln w="12700" cap="flat">
-              <a:noFill/>
-              <a:miter lim="400000"/>
-            </a:ln>
-            <a:effectLst/>
-            <a:extLst>
-              <a:ext uri="{C572A759-6A51-4108-AA02-DFA0A04FC94B}">
-                <ma14:wrappingTextBoxFlag xmlns="" xmlns:m="http://schemas.openxmlformats.org/officeDocument/2006/math" xmlns:a14="http://schemas.microsoft.com/office/drawing/2010/main" xmlns:ma14="http://schemas.microsoft.com/office/mac/drawingml/2011/main" val="1"/>
-              </a:ext>
-            </a:extLst>
-          </p:spPr>
-          <p:txBody>
-            <a:bodyPr wrap="square" lIns="0" tIns="0" rIns="0" bIns="0" numCol="1" anchor="ctr">
-              <a:noAutofit/>
-            </a:bodyPr>
-            <a:lstStyle>
-              <a:lvl1pPr defTabSz="457200">
-                <a:defRPr sz="900">
-                  <a:latin typeface="Helvetica Neue"/>
-                  <a:ea typeface="Helvetica Neue"/>
-                  <a:cs typeface="Helvetica Neue"/>
-                  <a:sym typeface="Helvetica Neue"/>
-                </a:defRPr>
-              </a:lvl1pPr>
-            </a:lstStyle>
-            <a:p>
-              <a:r>
-                <a:t>Position title here</a:t>
-              </a:r>
-            </a:p>
-          </p:txBody>
-        </p:sp>
-        <p:sp>
-          <p:nvSpPr>
-            <p:cNvPr id="930" name="Company name"/>
-            <p:cNvSpPr txBox="1"/>
-            <p:nvPr/>
-          </p:nvSpPr>
-          <p:spPr>
-            <a:xfrm>
-              <a:off x="125288" y="455568"/>
-              <a:ext cx="1270721" cy="264144"/>
-            </a:xfrm>
-            <a:prstGeom prst="rect">
-              <a:avLst/>
-            </a:prstGeom>
-            <a:noFill/>
-            <a:ln w="12700" cap="flat">
-              <a:noFill/>
-              <a:miter lim="400000"/>
-            </a:ln>
-            <a:effectLst/>
-            <a:extLst>
-              <a:ext uri="{C572A759-6A51-4108-AA02-DFA0A04FC94B}">
-                <ma14:wrappingTextBoxFlag xmlns="" xmlns:m="http://schemas.openxmlformats.org/officeDocument/2006/math" xmlns:a14="http://schemas.microsoft.com/office/drawing/2010/main" xmlns:ma14="http://schemas.microsoft.com/office/mac/drawingml/2011/main" val="1"/>
-              </a:ext>
-            </a:extLst>
-          </p:spPr>
-          <p:txBody>
-            <a:bodyPr wrap="square" lIns="0" tIns="0" rIns="0" bIns="0" numCol="1" anchor="ctr">
-              <a:noAutofit/>
-            </a:bodyPr>
-            <a:lstStyle>
-              <a:lvl1pPr defTabSz="457200">
-                <a:defRPr sz="800">
-                  <a:latin typeface="Helvetica Neue Light"/>
-                  <a:ea typeface="Helvetica Neue Light"/>
-                  <a:cs typeface="Helvetica Neue Light"/>
-                  <a:sym typeface="Helvetica Neue Light"/>
-                </a:defRPr>
-              </a:lvl1pPr>
-            </a:lstStyle>
-            <a:p>
-              <a:r>
-                <a:t>Company name</a:t>
-              </a:r>
-            </a:p>
-          </p:txBody>
-        </p:sp>
-        <p:sp>
-          <p:nvSpPr>
-            <p:cNvPr id="931" name="mail@mial.com"/>
-            <p:cNvSpPr txBox="1"/>
-            <p:nvPr/>
-          </p:nvSpPr>
-          <p:spPr>
-            <a:xfrm>
-              <a:off x="125288" y="746027"/>
-              <a:ext cx="1270721" cy="264143"/>
-            </a:xfrm>
-            <a:prstGeom prst="rect">
-              <a:avLst/>
-            </a:prstGeom>
-            <a:noFill/>
-            <a:ln w="12700" cap="flat">
-              <a:noFill/>
-              <a:miter lim="400000"/>
-            </a:ln>
-            <a:effectLst/>
-            <a:extLst>
-              <a:ext uri="{C572A759-6A51-4108-AA02-DFA0A04FC94B}">
-                <ma14:wrappingTextBoxFlag xmlns="" xmlns:m="http://schemas.openxmlformats.org/officeDocument/2006/math" xmlns:a14="http://schemas.microsoft.com/office/drawing/2010/main" xmlns:ma14="http://schemas.microsoft.com/office/mac/drawingml/2011/main" val="1"/>
-              </a:ext>
-            </a:extLst>
-          </p:spPr>
-          <p:txBody>
-            <a:bodyPr wrap="square" lIns="0" tIns="0" rIns="0" bIns="0" numCol="1" anchor="ctr">
-              <a:noAutofit/>
-            </a:bodyPr>
-            <a:lstStyle>
-              <a:lvl1pPr defTabSz="457200">
-                <a:defRPr sz="800">
-                  <a:latin typeface="Helvetica Neue Light"/>
-                  <a:ea typeface="Helvetica Neue Light"/>
-                  <a:cs typeface="Helvetica Neue Light"/>
-                  <a:sym typeface="Helvetica Neue Light"/>
-                </a:defRPr>
-              </a:lvl1pPr>
-            </a:lstStyle>
-            <a:p>
-              <a:r>
-                <a:t>mail@mial.com</a:t>
-              </a:r>
-            </a:p>
-          </p:txBody>
-        </p:sp>
-        <p:sp>
-          <p:nvSpPr>
-            <p:cNvPr id="932" name="285-746-9487"/>
-            <p:cNvSpPr txBox="1"/>
-            <p:nvPr/>
-          </p:nvSpPr>
-          <p:spPr>
-            <a:xfrm>
-              <a:off x="125288" y="614390"/>
-              <a:ext cx="1270721" cy="264144"/>
-            </a:xfrm>
-            <a:prstGeom prst="rect">
-              <a:avLst/>
-            </a:prstGeom>
-            <a:noFill/>
-            <a:ln w="12700" cap="flat">
-              <a:noFill/>
-              <a:miter lim="400000"/>
-            </a:ln>
-            <a:effectLst/>
-            <a:extLst>
-              <a:ext uri="{C572A759-6A51-4108-AA02-DFA0A04FC94B}">
-                <ma14:wrappingTextBoxFlag xmlns="" xmlns:m="http://schemas.openxmlformats.org/officeDocument/2006/math" xmlns:a14="http://schemas.microsoft.com/office/drawing/2010/main" xmlns:ma14="http://schemas.microsoft.com/office/mac/drawingml/2011/main" val="1"/>
-              </a:ext>
-            </a:extLst>
-          </p:spPr>
-          <p:txBody>
-            <a:bodyPr wrap="square" lIns="0" tIns="0" rIns="0" bIns="0" numCol="1" anchor="ctr">
-              <a:noAutofit/>
-            </a:bodyPr>
-            <a:lstStyle>
-              <a:lvl1pPr defTabSz="457200">
-                <a:defRPr sz="800">
-                  <a:latin typeface="Helvetica Neue Light"/>
-                  <a:ea typeface="Helvetica Neue Light"/>
-                  <a:cs typeface="Helvetica Neue Light"/>
-                  <a:sym typeface="Helvetica Neue Light"/>
-                </a:defRPr>
-              </a:lvl1pPr>
-            </a:lstStyle>
-            <a:p>
-              <a:r>
-                <a:t>285-746-9487</a:t>
-              </a:r>
-            </a:p>
-          </p:txBody>
-        </p:sp>
-      </p:grpSp>
-      <p:grpSp>
-        <p:nvGrpSpPr>
-          <p:cNvPr id="940" name="Сгруппировать"/>
-          <p:cNvGrpSpPr/>
+            <a:miter/>
+          </a:ln>
+        </p:spPr>
+        <p:txBody>
+          <a:bodyPr lIns="51405" tIns="51405" rIns="51405" bIns="51405"/>
+          <a:lstStyle/>
+          <a:p>
+            <a:endParaRPr/>
+          </a:p>
+        </p:txBody>
+      </p:sp>
+      <p:sp>
+        <p:nvSpPr>
+          <p:cNvPr id="354" name="Line"/>
+          <p:cNvSpPr/>
           <p:nvPr/>
-        </p:nvGrpSpPr>
-        <p:grpSpPr>
+        </p:nvSpPr>
+        <p:spPr>
           <a:xfrm>
-            <a:off x="3689429" y="9284350"/>
-            <a:ext cx="1612348" cy="1215016"/>
-            <a:chOff x="0" y="0"/>
-            <a:chExt cx="1612347" cy="1215014"/>
+            <a:off x="643835" y="9822276"/>
+            <a:ext cx="561525" cy="1"/>
           </a:xfrm>
-        </p:grpSpPr>
-        <p:sp>
-          <p:nvSpPr>
-            <p:cNvPr id="934" name="Прямоугольник"/>
-            <p:cNvSpPr/>
-            <p:nvPr/>
-          </p:nvSpPr>
-          <p:spPr>
-            <a:xfrm>
-              <a:off x="0" y="0"/>
-              <a:ext cx="1612348" cy="1215015"/>
-            </a:xfrm>
-            <a:prstGeom prst="rect">
-              <a:avLst/>
-            </a:prstGeom>
+          <a:prstGeom prst="line">
+            <a:avLst/>
+          </a:prstGeom>
+          <a:ln w="12700">
             <a:solidFill>
-              <a:srgbClr val="F4EBE0"/>
+              <a:srgbClr val="FFFFFF"/>
             </a:solidFill>
-            <a:ln w="12700" cap="flat">
-              <a:solidFill>
-                <a:srgbClr val="EDEDE9"/>
-              </a:solidFill>
-              <a:prstDash val="solid"/>
-              <a:miter lim="400000"/>
-            </a:ln>
-            <a:effectLst/>
-          </p:spPr>
-          <p:txBody>
-            <a:bodyPr wrap="square" lIns="50800" tIns="50800" rIns="50800" bIns="50800" numCol="1" anchor="ctr">
-              <a:noAutofit/>
-            </a:bodyPr>
-            <a:lstStyle/>
-            <a:p>
-              <a:pPr algn="ctr" defTabSz="584200">
-                <a:defRPr sz="1200">
-                  <a:solidFill>
-                    <a:srgbClr val="FFFFFF"/>
-                  </a:solidFill>
-                  <a:latin typeface="Helvetica Neue Medium"/>
-                  <a:ea typeface="Helvetica Neue Medium"/>
-                  <a:cs typeface="Helvetica Neue Medium"/>
-                  <a:sym typeface="Helvetica Neue Medium"/>
-                </a:defRPr>
-              </a:pPr>
-              <a:endParaRPr/>
-            </a:p>
-          </p:txBody>
-        </p:sp>
-        <p:sp>
-          <p:nvSpPr>
-            <p:cNvPr id="935" name="Alonso davis"/>
-            <p:cNvSpPr txBox="1"/>
-            <p:nvPr/>
-          </p:nvSpPr>
-          <p:spPr>
-            <a:xfrm>
-              <a:off x="125288" y="72616"/>
-              <a:ext cx="1270721" cy="264143"/>
-            </a:xfrm>
-            <a:prstGeom prst="rect">
-              <a:avLst/>
-            </a:prstGeom>
-            <a:noFill/>
-            <a:ln w="12700" cap="flat">
-              <a:noFill/>
-              <a:miter lim="400000"/>
-            </a:ln>
-            <a:effectLst/>
-            <a:extLst>
-              <a:ext uri="{C572A759-6A51-4108-AA02-DFA0A04FC94B}">
-                <ma14:wrappingTextBoxFlag xmlns="" xmlns:m="http://schemas.openxmlformats.org/officeDocument/2006/math" xmlns:a14="http://schemas.microsoft.com/office/drawing/2010/main" xmlns:ma14="http://schemas.microsoft.com/office/mac/drawingml/2011/main" val="1"/>
-              </a:ext>
-            </a:extLst>
-          </p:spPr>
-          <p:txBody>
-            <a:bodyPr wrap="square" lIns="0" tIns="0" rIns="0" bIns="0" numCol="1" anchor="ctr">
-              <a:noAutofit/>
-            </a:bodyPr>
-            <a:lstStyle>
-              <a:lvl1pPr defTabSz="457200">
-                <a:defRPr sz="900" cap="all" spc="45">
-                  <a:latin typeface="Helvetica Neue Medium"/>
-                  <a:ea typeface="Helvetica Neue Medium"/>
-                  <a:cs typeface="Helvetica Neue Medium"/>
-                  <a:sym typeface="Helvetica Neue Medium"/>
-                </a:defRPr>
-              </a:lvl1pPr>
-            </a:lstStyle>
-            <a:p>
-              <a:r>
-                <a:t>Alonso davis</a:t>
-              </a:r>
-            </a:p>
-          </p:txBody>
-        </p:sp>
-        <p:sp>
-          <p:nvSpPr>
-            <p:cNvPr id="936" name="Position title here"/>
-            <p:cNvSpPr txBox="1"/>
-            <p:nvPr/>
-          </p:nvSpPr>
-          <p:spPr>
-            <a:xfrm>
-              <a:off x="125288" y="349971"/>
-              <a:ext cx="1270721" cy="198083"/>
-            </a:xfrm>
-            <a:prstGeom prst="rect">
-              <a:avLst/>
-            </a:prstGeom>
-            <a:noFill/>
-            <a:ln w="12700" cap="flat">
-              <a:noFill/>
-              <a:miter lim="400000"/>
-            </a:ln>
-            <a:effectLst/>
-            <a:extLst>
-              <a:ext uri="{C572A759-6A51-4108-AA02-DFA0A04FC94B}">
-                <ma14:wrappingTextBoxFlag xmlns="" xmlns:m="http://schemas.openxmlformats.org/officeDocument/2006/math" xmlns:a14="http://schemas.microsoft.com/office/drawing/2010/main" xmlns:ma14="http://schemas.microsoft.com/office/mac/drawingml/2011/main" val="1"/>
-              </a:ext>
-            </a:extLst>
-          </p:spPr>
-          <p:txBody>
-            <a:bodyPr wrap="square" lIns="0" tIns="0" rIns="0" bIns="0" numCol="1" anchor="ctr">
-              <a:noAutofit/>
-            </a:bodyPr>
-            <a:lstStyle>
-              <a:lvl1pPr defTabSz="457200">
-                <a:defRPr sz="900">
-                  <a:latin typeface="Helvetica Neue"/>
-                  <a:ea typeface="Helvetica Neue"/>
-                  <a:cs typeface="Helvetica Neue"/>
-                  <a:sym typeface="Helvetica Neue"/>
-                </a:defRPr>
-              </a:lvl1pPr>
-            </a:lstStyle>
-            <a:p>
-              <a:r>
-                <a:t>Position title here</a:t>
-              </a:r>
-            </a:p>
-          </p:txBody>
-        </p:sp>
-        <p:sp>
-          <p:nvSpPr>
-            <p:cNvPr id="937" name="Company name"/>
-            <p:cNvSpPr txBox="1"/>
-            <p:nvPr/>
-          </p:nvSpPr>
-          <p:spPr>
-            <a:xfrm>
-              <a:off x="125288" y="455568"/>
-              <a:ext cx="1270721" cy="264144"/>
-            </a:xfrm>
-            <a:prstGeom prst="rect">
-              <a:avLst/>
-            </a:prstGeom>
-            <a:noFill/>
-            <a:ln w="12700" cap="flat">
-              <a:noFill/>
-              <a:miter lim="400000"/>
-            </a:ln>
-            <a:effectLst/>
-            <a:extLst>
-              <a:ext uri="{C572A759-6A51-4108-AA02-DFA0A04FC94B}">
-                <ma14:wrappingTextBoxFlag xmlns="" xmlns:m="http://schemas.openxmlformats.org/officeDocument/2006/math" xmlns:a14="http://schemas.microsoft.com/office/drawing/2010/main" xmlns:ma14="http://schemas.microsoft.com/office/mac/drawingml/2011/main" val="1"/>
-              </a:ext>
-            </a:extLst>
-          </p:spPr>
-          <p:txBody>
-            <a:bodyPr wrap="square" lIns="0" tIns="0" rIns="0" bIns="0" numCol="1" anchor="ctr">
-              <a:noAutofit/>
-            </a:bodyPr>
-            <a:lstStyle>
-              <a:lvl1pPr defTabSz="457200">
-                <a:defRPr sz="800">
-                  <a:latin typeface="Helvetica Neue Light"/>
-                  <a:ea typeface="Helvetica Neue Light"/>
-                  <a:cs typeface="Helvetica Neue Light"/>
-                  <a:sym typeface="Helvetica Neue Light"/>
-                </a:defRPr>
-              </a:lvl1pPr>
-            </a:lstStyle>
-            <a:p>
-              <a:r>
-                <a:t>Company name</a:t>
-              </a:r>
-            </a:p>
-          </p:txBody>
-        </p:sp>
-        <p:sp>
-          <p:nvSpPr>
-            <p:cNvPr id="938" name="mail@mial.com"/>
-            <p:cNvSpPr txBox="1"/>
-            <p:nvPr/>
-          </p:nvSpPr>
-          <p:spPr>
-            <a:xfrm>
-              <a:off x="125288" y="746027"/>
-              <a:ext cx="1270721" cy="264143"/>
-            </a:xfrm>
-            <a:prstGeom prst="rect">
-              <a:avLst/>
-            </a:prstGeom>
-            <a:noFill/>
-            <a:ln w="12700" cap="flat">
-              <a:noFill/>
-              <a:miter lim="400000"/>
-            </a:ln>
-            <a:effectLst/>
-            <a:extLst>
-              <a:ext uri="{C572A759-6A51-4108-AA02-DFA0A04FC94B}">
-                <ma14:wrappingTextBoxFlag xmlns="" xmlns:m="http://schemas.openxmlformats.org/officeDocument/2006/math" xmlns:a14="http://schemas.microsoft.com/office/drawing/2010/main" xmlns:ma14="http://schemas.microsoft.com/office/mac/drawingml/2011/main" val="1"/>
-              </a:ext>
-            </a:extLst>
-          </p:spPr>
-          <p:txBody>
-            <a:bodyPr wrap="square" lIns="0" tIns="0" rIns="0" bIns="0" numCol="1" anchor="ctr">
-              <a:noAutofit/>
-            </a:bodyPr>
-            <a:lstStyle>
-              <a:lvl1pPr defTabSz="457200">
-                <a:defRPr sz="800">
-                  <a:latin typeface="Helvetica Neue Light"/>
-                  <a:ea typeface="Helvetica Neue Light"/>
-                  <a:cs typeface="Helvetica Neue Light"/>
-                  <a:sym typeface="Helvetica Neue Light"/>
-                </a:defRPr>
-              </a:lvl1pPr>
-            </a:lstStyle>
-            <a:p>
-              <a:r>
-                <a:t>mail@mial.com</a:t>
-              </a:r>
-            </a:p>
-          </p:txBody>
-        </p:sp>
-        <p:sp>
-          <p:nvSpPr>
-            <p:cNvPr id="939" name="285-746-9487"/>
-            <p:cNvSpPr txBox="1"/>
-            <p:nvPr/>
-          </p:nvSpPr>
-          <p:spPr>
-            <a:xfrm>
-              <a:off x="125288" y="614390"/>
-              <a:ext cx="1270721" cy="264144"/>
-            </a:xfrm>
-            <a:prstGeom prst="rect">
-              <a:avLst/>
-            </a:prstGeom>
-            <a:noFill/>
-            <a:ln w="12700" cap="flat">
-              <a:noFill/>
-              <a:miter lim="400000"/>
-            </a:ln>
-            <a:effectLst/>
-            <a:extLst>
-              <a:ext uri="{C572A759-6A51-4108-AA02-DFA0A04FC94B}">
-                <ma14:wrappingTextBoxFlag xmlns="" xmlns:m="http://schemas.openxmlformats.org/officeDocument/2006/math" xmlns:a14="http://schemas.microsoft.com/office/drawing/2010/main" xmlns:ma14="http://schemas.microsoft.com/office/mac/drawingml/2011/main" val="1"/>
-              </a:ext>
-            </a:extLst>
-          </p:spPr>
-          <p:txBody>
-            <a:bodyPr wrap="square" lIns="0" tIns="0" rIns="0" bIns="0" numCol="1" anchor="ctr">
-              <a:noAutofit/>
-            </a:bodyPr>
-            <a:lstStyle>
-              <a:lvl1pPr defTabSz="457200">
-                <a:defRPr sz="800">
-                  <a:latin typeface="Helvetica Neue Light"/>
-                  <a:ea typeface="Helvetica Neue Light"/>
-                  <a:cs typeface="Helvetica Neue Light"/>
-                  <a:sym typeface="Helvetica Neue Light"/>
-                </a:defRPr>
-              </a:lvl1pPr>
-            </a:lstStyle>
-            <a:p>
-              <a:r>
-                <a:t>285-746-9487</a:t>
-              </a:r>
-            </a:p>
-          </p:txBody>
-        </p:sp>
-      </p:grpSp>
-      <p:grpSp>
-        <p:nvGrpSpPr>
-          <p:cNvPr id="947" name="Сгруппировать"/>
-          <p:cNvGrpSpPr/>
-          <p:nvPr/>
-        </p:nvGrpSpPr>
-        <p:grpSpPr>
-          <a:xfrm>
-            <a:off x="5441346" y="9284350"/>
-            <a:ext cx="1612349" cy="1215016"/>
-            <a:chOff x="0" y="0"/>
-            <a:chExt cx="1612347" cy="1215014"/>
-          </a:xfrm>
-        </p:grpSpPr>
-        <p:sp>
-          <p:nvSpPr>
-            <p:cNvPr id="941" name="Прямоугольник"/>
-            <p:cNvSpPr/>
-            <p:nvPr/>
-          </p:nvSpPr>
-          <p:spPr>
-            <a:xfrm>
-              <a:off x="0" y="0"/>
-              <a:ext cx="1612348" cy="1215015"/>
-            </a:xfrm>
-            <a:prstGeom prst="rect">
-              <a:avLst/>
-            </a:prstGeom>
-            <a:solidFill>
-              <a:srgbClr val="F4EBE0"/>
-            </a:solidFill>
-            <a:ln w="12700" cap="flat">
-              <a:solidFill>
-                <a:srgbClr val="EDEDE9"/>
-              </a:solidFill>
-              <a:prstDash val="solid"/>
-              <a:miter lim="400000"/>
-            </a:ln>
-            <a:effectLst/>
-          </p:spPr>
-          <p:txBody>
-            <a:bodyPr wrap="square" lIns="50800" tIns="50800" rIns="50800" bIns="50800" numCol="1" anchor="ctr">
-              <a:noAutofit/>
-            </a:bodyPr>
-            <a:lstStyle/>
-            <a:p>
-              <a:pPr algn="ctr" defTabSz="584200">
-                <a:defRPr sz="1200">
-                  <a:solidFill>
-                    <a:srgbClr val="FFFFFF"/>
-                  </a:solidFill>
-                  <a:latin typeface="Helvetica Neue Medium"/>
-                  <a:ea typeface="Helvetica Neue Medium"/>
-                  <a:cs typeface="Helvetica Neue Medium"/>
-                  <a:sym typeface="Helvetica Neue Medium"/>
-                </a:defRPr>
-              </a:pPr>
-              <a:endParaRPr/>
-            </a:p>
-          </p:txBody>
-        </p:sp>
-        <p:sp>
-          <p:nvSpPr>
-            <p:cNvPr id="942" name="Alonso davis"/>
-            <p:cNvSpPr txBox="1"/>
-            <p:nvPr/>
-          </p:nvSpPr>
-          <p:spPr>
-            <a:xfrm>
-              <a:off x="125288" y="72616"/>
-              <a:ext cx="1270721" cy="264143"/>
-            </a:xfrm>
-            <a:prstGeom prst="rect">
-              <a:avLst/>
-            </a:prstGeom>
-            <a:noFill/>
-            <a:ln w="12700" cap="flat">
-              <a:noFill/>
-              <a:miter lim="400000"/>
-            </a:ln>
-            <a:effectLst/>
-            <a:extLst>
-              <a:ext uri="{C572A759-6A51-4108-AA02-DFA0A04FC94B}">
-                <ma14:wrappingTextBoxFlag xmlns="" xmlns:m="http://schemas.openxmlformats.org/officeDocument/2006/math" xmlns:a14="http://schemas.microsoft.com/office/drawing/2010/main" xmlns:ma14="http://schemas.microsoft.com/office/mac/drawingml/2011/main" val="1"/>
-              </a:ext>
-            </a:extLst>
-          </p:spPr>
-          <p:txBody>
-            <a:bodyPr wrap="square" lIns="0" tIns="0" rIns="0" bIns="0" numCol="1" anchor="ctr">
-              <a:noAutofit/>
-            </a:bodyPr>
-            <a:lstStyle>
-              <a:lvl1pPr defTabSz="457200">
-                <a:defRPr sz="900" cap="all" spc="45">
-                  <a:latin typeface="Helvetica Neue Medium"/>
-                  <a:ea typeface="Helvetica Neue Medium"/>
-                  <a:cs typeface="Helvetica Neue Medium"/>
-                  <a:sym typeface="Helvetica Neue Medium"/>
-                </a:defRPr>
-              </a:lvl1pPr>
-            </a:lstStyle>
-            <a:p>
-              <a:r>
-                <a:t>Alonso davis</a:t>
-              </a:r>
-            </a:p>
-          </p:txBody>
-        </p:sp>
-        <p:sp>
-          <p:nvSpPr>
-            <p:cNvPr id="943" name="Position title here"/>
-            <p:cNvSpPr txBox="1"/>
-            <p:nvPr/>
-          </p:nvSpPr>
-          <p:spPr>
-            <a:xfrm>
-              <a:off x="125288" y="349971"/>
-              <a:ext cx="1270721" cy="198083"/>
-            </a:xfrm>
-            <a:prstGeom prst="rect">
-              <a:avLst/>
-            </a:prstGeom>
-            <a:noFill/>
-            <a:ln w="12700" cap="flat">
-              <a:noFill/>
-              <a:miter lim="400000"/>
-            </a:ln>
-            <a:effectLst/>
-            <a:extLst>
-              <a:ext uri="{C572A759-6A51-4108-AA02-DFA0A04FC94B}">
-                <ma14:wrappingTextBoxFlag xmlns="" xmlns:m="http://schemas.openxmlformats.org/officeDocument/2006/math" xmlns:a14="http://schemas.microsoft.com/office/drawing/2010/main" xmlns:ma14="http://schemas.microsoft.com/office/mac/drawingml/2011/main" val="1"/>
-              </a:ext>
-            </a:extLst>
-          </p:spPr>
-          <p:txBody>
-            <a:bodyPr wrap="square" lIns="0" tIns="0" rIns="0" bIns="0" numCol="1" anchor="ctr">
-              <a:noAutofit/>
-            </a:bodyPr>
-            <a:lstStyle>
-              <a:lvl1pPr defTabSz="457200">
-                <a:defRPr sz="900">
-                  <a:latin typeface="Helvetica Neue"/>
-                  <a:ea typeface="Helvetica Neue"/>
-                  <a:cs typeface="Helvetica Neue"/>
-                  <a:sym typeface="Helvetica Neue"/>
-                </a:defRPr>
-              </a:lvl1pPr>
-            </a:lstStyle>
-            <a:p>
-              <a:r>
-                <a:t>Position title here</a:t>
-              </a:r>
-            </a:p>
-          </p:txBody>
-        </p:sp>
-        <p:sp>
-          <p:nvSpPr>
-            <p:cNvPr id="944" name="Company name"/>
-            <p:cNvSpPr txBox="1"/>
-            <p:nvPr/>
-          </p:nvSpPr>
-          <p:spPr>
-            <a:xfrm>
-              <a:off x="125288" y="455568"/>
-              <a:ext cx="1270721" cy="264144"/>
-            </a:xfrm>
-            <a:prstGeom prst="rect">
-              <a:avLst/>
-            </a:prstGeom>
-            <a:noFill/>
-            <a:ln w="12700" cap="flat">
-              <a:noFill/>
-              <a:miter lim="400000"/>
-            </a:ln>
-            <a:effectLst/>
-            <a:extLst>
-              <a:ext uri="{C572A759-6A51-4108-AA02-DFA0A04FC94B}">
-                <ma14:wrappingTextBoxFlag xmlns="" xmlns:m="http://schemas.openxmlformats.org/officeDocument/2006/math" xmlns:a14="http://schemas.microsoft.com/office/drawing/2010/main" xmlns:ma14="http://schemas.microsoft.com/office/mac/drawingml/2011/main" val="1"/>
-              </a:ext>
-            </a:extLst>
-          </p:spPr>
-          <p:txBody>
-            <a:bodyPr wrap="square" lIns="0" tIns="0" rIns="0" bIns="0" numCol="1" anchor="ctr">
-              <a:noAutofit/>
-            </a:bodyPr>
-            <a:lstStyle>
-              <a:lvl1pPr defTabSz="457200">
-                <a:defRPr sz="800">
-                  <a:latin typeface="Helvetica Neue Light"/>
-                  <a:ea typeface="Helvetica Neue Light"/>
-                  <a:cs typeface="Helvetica Neue Light"/>
-                  <a:sym typeface="Helvetica Neue Light"/>
-                </a:defRPr>
-              </a:lvl1pPr>
-            </a:lstStyle>
-            <a:p>
-              <a:r>
-                <a:t>Company name</a:t>
-              </a:r>
-            </a:p>
-          </p:txBody>
-        </p:sp>
-        <p:sp>
-          <p:nvSpPr>
-            <p:cNvPr id="945" name="mail@mial.com"/>
-            <p:cNvSpPr txBox="1"/>
-            <p:nvPr/>
-          </p:nvSpPr>
-          <p:spPr>
-            <a:xfrm>
-              <a:off x="125288" y="746027"/>
-              <a:ext cx="1270721" cy="264143"/>
-            </a:xfrm>
-            <a:prstGeom prst="rect">
-              <a:avLst/>
-            </a:prstGeom>
-            <a:noFill/>
-            <a:ln w="12700" cap="flat">
-              <a:noFill/>
-              <a:miter lim="400000"/>
-            </a:ln>
-            <a:effectLst/>
-            <a:extLst>
-              <a:ext uri="{C572A759-6A51-4108-AA02-DFA0A04FC94B}">
-                <ma14:wrappingTextBoxFlag xmlns="" xmlns:m="http://schemas.openxmlformats.org/officeDocument/2006/math" xmlns:a14="http://schemas.microsoft.com/office/drawing/2010/main" xmlns:ma14="http://schemas.microsoft.com/office/mac/drawingml/2011/main" val="1"/>
-              </a:ext>
-            </a:extLst>
-          </p:spPr>
-          <p:txBody>
-            <a:bodyPr wrap="square" lIns="0" tIns="0" rIns="0" bIns="0" numCol="1" anchor="ctr">
-              <a:noAutofit/>
-            </a:bodyPr>
-            <a:lstStyle>
-              <a:lvl1pPr defTabSz="457200">
-                <a:defRPr sz="800">
-                  <a:latin typeface="Helvetica Neue Light"/>
-                  <a:ea typeface="Helvetica Neue Light"/>
-                  <a:cs typeface="Helvetica Neue Light"/>
-                  <a:sym typeface="Helvetica Neue Light"/>
-                </a:defRPr>
-              </a:lvl1pPr>
-            </a:lstStyle>
-            <a:p>
-              <a:r>
-                <a:t>mail@mial.com</a:t>
-              </a:r>
-            </a:p>
-          </p:txBody>
-        </p:sp>
-        <p:sp>
-          <p:nvSpPr>
-            <p:cNvPr id="946" name="285-746-9487"/>
-            <p:cNvSpPr txBox="1"/>
-            <p:nvPr/>
-          </p:nvSpPr>
-          <p:spPr>
-            <a:xfrm>
-              <a:off x="125288" y="614390"/>
-              <a:ext cx="1270721" cy="264144"/>
-            </a:xfrm>
-            <a:prstGeom prst="rect">
-              <a:avLst/>
-            </a:prstGeom>
-            <a:noFill/>
-            <a:ln w="12700" cap="flat">
-              <a:noFill/>
-              <a:miter lim="400000"/>
-            </a:ln>
-            <a:effectLst/>
-            <a:extLst>
-              <a:ext uri="{C572A759-6A51-4108-AA02-DFA0A04FC94B}">
-                <ma14:wrappingTextBoxFlag xmlns="" xmlns:m="http://schemas.openxmlformats.org/officeDocument/2006/math" xmlns:a14="http://schemas.microsoft.com/office/drawing/2010/main" xmlns:ma14="http://schemas.microsoft.com/office/mac/drawingml/2011/main" val="1"/>
-              </a:ext>
-            </a:extLst>
-          </p:spPr>
-          <p:txBody>
-            <a:bodyPr wrap="square" lIns="0" tIns="0" rIns="0" bIns="0" numCol="1" anchor="ctr">
-              <a:noAutofit/>
-            </a:bodyPr>
-            <a:lstStyle>
-              <a:lvl1pPr defTabSz="457200">
-                <a:defRPr sz="800">
-                  <a:latin typeface="Helvetica Neue Light"/>
-                  <a:ea typeface="Helvetica Neue Light"/>
-                  <a:cs typeface="Helvetica Neue Light"/>
-                  <a:sym typeface="Helvetica Neue Light"/>
-                </a:defRPr>
-              </a:lvl1pPr>
-            </a:lstStyle>
-            <a:p>
-              <a:r>
-                <a:t>285-746-9487</a:t>
-              </a:r>
-            </a:p>
-          </p:txBody>
-        </p:sp>
-      </p:grpSp>
+            <a:miter/>
+          </a:ln>
+        </p:spPr>
+        <p:txBody>
+          <a:bodyPr lIns="51405" tIns="51405" rIns="51405" bIns="51405"/>
+          <a:lstStyle/>
+          <a:p>
+            <a:endParaRPr/>
+          </a:p>
+        </p:txBody>
+      </p:sp>
     </p:spTree>
   </p:cSld>
   <p:clrMapOvr>
